--- a/2조 프로젝트.pptx
+++ b/2조 프로젝트.pptx
@@ -5777,8 +5777,8 @@
         </p:nvSpPr>
         <p:spPr>
           <a:xfrm>
-            <a:off x="430009" y="5127230"/>
-            <a:ext cx="7968185" cy="369332"/>
+            <a:off x="430010" y="5127230"/>
+            <a:ext cx="3958634" cy="584775"/>
           </a:xfrm>
           <a:prstGeom prst="rect">
             <a:avLst/>
@@ -5799,11 +5799,19 @@
           <a:lstStyle/>
           <a:p>
             <a:pPr algn="ctr"/>
+            <a:endParaRPr lang="en-US" altLang="ko-KR" sz="700" dirty="0" smtClean="0"/>
+          </a:p>
+          <a:p>
+            <a:pPr algn="ctr"/>
             <a:r>
               <a:rPr lang="ko-KR" altLang="en-US" dirty="0" smtClean="0"/>
               <a:t>공지사항 배너</a:t>
             </a:r>
             <a:endParaRPr lang="en-US" altLang="ko-KR" dirty="0" smtClean="0"/>
+          </a:p>
+          <a:p>
+            <a:pPr algn="ctr"/>
+            <a:endParaRPr lang="en-US" altLang="ko-KR" sz="700" dirty="0" smtClean="0"/>
           </a:p>
         </p:txBody>
       </p:sp>
@@ -5890,7 +5898,7 @@
             </a:endParaRPr>
           </a:p>
           <a:p>
-            <a:endParaRPr lang="en-US" altLang="ko-KR" sz="1000" dirty="0" smtClean="0">
+            <a:endParaRPr lang="en-US" altLang="ko-KR" sz="500" dirty="0" smtClean="0">
               <a:solidFill>
                 <a:schemeClr val="tx1"/>
               </a:solidFill>
@@ -5944,6 +5952,83 @@
             </a:endParaRPr>
           </a:p>
           <a:p>
+            <a:endParaRPr lang="en-US" altLang="ko-KR" sz="500" dirty="0">
+              <a:solidFill>
+                <a:schemeClr val="tx1"/>
+              </a:solidFill>
+            </a:endParaRPr>
+          </a:p>
+          <a:p>
+            <a:r>
+              <a:rPr lang="en-US" altLang="ko-KR" sz="1200" b="1" dirty="0" smtClean="0">
+                <a:solidFill>
+                  <a:schemeClr val="tx1"/>
+                </a:solidFill>
+              </a:rPr>
+              <a:t>[3]</a:t>
+            </a:r>
+            <a:r>
+              <a:rPr lang="en-US" altLang="ko-KR" sz="1200" dirty="0" smtClean="0">
+                <a:solidFill>
+                  <a:schemeClr val="tx1"/>
+                </a:solidFill>
+              </a:rPr>
+              <a:t> </a:t>
+            </a:r>
+            <a:r>
+              <a:rPr lang="ko-KR" altLang="en-US" sz="1200" dirty="0" err="1" smtClean="0">
+                <a:solidFill>
+                  <a:schemeClr val="tx1"/>
+                </a:solidFill>
+              </a:rPr>
+              <a:t>잡아바</a:t>
+            </a:r>
+            <a:r>
+              <a:rPr lang="ko-KR" altLang="en-US" sz="1200" dirty="0" smtClean="0">
+                <a:solidFill>
+                  <a:schemeClr val="tx1"/>
+                </a:solidFill>
+              </a:rPr>
+              <a:t> 홈페이지와 비슷하게</a:t>
+            </a:r>
+            <a:endParaRPr lang="en-US" altLang="ko-KR" sz="1200" dirty="0" smtClean="0">
+              <a:solidFill>
+                <a:schemeClr val="tx1"/>
+              </a:solidFill>
+            </a:endParaRPr>
+          </a:p>
+          <a:p>
+            <a:r>
+              <a:rPr lang="en-US" altLang="ko-KR" sz="1200" dirty="0">
+                <a:solidFill>
+                  <a:schemeClr val="tx1"/>
+                </a:solidFill>
+              </a:rPr>
+              <a:t> </a:t>
+            </a:r>
+            <a:r>
+              <a:rPr lang="en-US" altLang="ko-KR" sz="1200" dirty="0" smtClean="0">
+                <a:solidFill>
+                  <a:schemeClr val="tx1"/>
+                </a:solidFill>
+              </a:rPr>
+              <a:t>  </a:t>
+            </a:r>
+            <a:r>
+              <a:rPr lang="ko-KR" altLang="en-US" sz="1200" dirty="0" smtClean="0">
+                <a:solidFill>
+                  <a:schemeClr val="tx1"/>
+                </a:solidFill>
+              </a:rPr>
+              <a:t>푸른색 계열 디자인 적용</a:t>
+            </a:r>
+            <a:endParaRPr lang="en-US" altLang="ko-KR" sz="1200" dirty="0" smtClean="0">
+              <a:solidFill>
+                <a:schemeClr val="tx1"/>
+              </a:solidFill>
+            </a:endParaRPr>
+          </a:p>
+          <a:p>
             <a:endParaRPr lang="en-US" altLang="ko-KR" sz="1000" dirty="0">
               <a:solidFill>
                 <a:schemeClr val="tx1"/>
@@ -5952,28 +6037,214 @@
           </a:p>
           <a:p>
             <a:r>
+              <a:rPr lang="ko-KR" altLang="en-US" sz="1200" b="1" dirty="0" smtClean="0">
+                <a:solidFill>
+                  <a:schemeClr val="tx1"/>
+                </a:solidFill>
+              </a:rPr>
+              <a:t>로고</a:t>
+            </a:r>
+            <a:endParaRPr lang="en-US" altLang="ko-KR" sz="1200" b="1" dirty="0" smtClean="0">
+              <a:solidFill>
+                <a:schemeClr val="tx1"/>
+              </a:solidFill>
+            </a:endParaRPr>
+          </a:p>
+          <a:p>
+            <a:r>
+              <a:rPr lang="en-US" altLang="ko-KR" sz="1200" dirty="0" smtClean="0">
+                <a:solidFill>
+                  <a:schemeClr val="tx1"/>
+                </a:solidFill>
+              </a:rPr>
+              <a:t>- </a:t>
+            </a:r>
+            <a:r>
+              <a:rPr lang="ko-KR" altLang="en-US" sz="1200" dirty="0" smtClean="0">
+                <a:solidFill>
+                  <a:schemeClr val="tx1"/>
+                </a:solidFill>
+              </a:rPr>
+              <a:t>클릭 시 홈페이지로 이동</a:t>
+            </a:r>
+            <a:endParaRPr lang="en-US" altLang="ko-KR" sz="1200" dirty="0" smtClean="0">
+              <a:solidFill>
+                <a:schemeClr val="tx1"/>
+              </a:solidFill>
+            </a:endParaRPr>
+          </a:p>
+          <a:p>
+            <a:endParaRPr lang="en-US" altLang="ko-KR" sz="800" dirty="0" smtClean="0">
+              <a:solidFill>
+                <a:schemeClr val="tx1"/>
+              </a:solidFill>
+            </a:endParaRPr>
+          </a:p>
+          <a:p>
+            <a:r>
+              <a:rPr lang="ko-KR" altLang="en-US" sz="1200" b="1" dirty="0" err="1" smtClean="0">
+                <a:solidFill>
+                  <a:schemeClr val="tx1"/>
+                </a:solidFill>
+              </a:rPr>
+              <a:t>팝업창</a:t>
+            </a:r>
+            <a:endParaRPr lang="en-US" altLang="ko-KR" sz="1200" b="1" dirty="0">
+              <a:solidFill>
+                <a:schemeClr val="tx1"/>
+              </a:solidFill>
+            </a:endParaRPr>
+          </a:p>
+          <a:p>
+            <a:r>
+              <a:rPr lang="en-US" altLang="ko-KR" sz="1200" dirty="0" smtClean="0">
+                <a:solidFill>
+                  <a:schemeClr val="tx1"/>
+                </a:solidFill>
+              </a:rPr>
+              <a:t>- </a:t>
+            </a:r>
+            <a:r>
+              <a:rPr lang="ko-KR" altLang="en-US" sz="1200" dirty="0" smtClean="0">
+                <a:solidFill>
+                  <a:schemeClr val="tx1"/>
+                </a:solidFill>
+              </a:rPr>
+              <a:t>설명 </a:t>
+            </a:r>
+            <a:r>
+              <a:rPr lang="ko-KR" altLang="en-US" sz="1200" dirty="0" smtClean="0">
+                <a:solidFill>
+                  <a:schemeClr val="tx1"/>
+                </a:solidFill>
+              </a:rPr>
+              <a:t>등 필요한 내용 </a:t>
+            </a:r>
+            <a:r>
+              <a:rPr lang="ko-KR" altLang="en-US" sz="1200" dirty="0" smtClean="0">
+                <a:solidFill>
+                  <a:schemeClr val="tx1"/>
+                </a:solidFill>
+              </a:rPr>
+              <a:t>게시</a:t>
+            </a:r>
+            <a:endParaRPr lang="en-US" altLang="ko-KR" sz="1200" dirty="0" smtClean="0">
+              <a:solidFill>
+                <a:schemeClr val="tx1"/>
+              </a:solidFill>
+            </a:endParaRPr>
+          </a:p>
+          <a:p>
+            <a:pPr marL="171450" indent="-171450">
+              <a:buFontTx/>
+              <a:buChar char="-"/>
+            </a:pPr>
+            <a:endParaRPr lang="en-US" altLang="ko-KR" sz="800" dirty="0">
+              <a:solidFill>
+                <a:schemeClr val="tx1"/>
+              </a:solidFill>
+            </a:endParaRPr>
+          </a:p>
+          <a:p>
+            <a:r>
+              <a:rPr lang="ko-KR" altLang="en-US" sz="1200" b="1" dirty="0" smtClean="0">
+                <a:solidFill>
+                  <a:schemeClr val="tx1"/>
+                </a:solidFill>
+              </a:rPr>
+              <a:t>내비게이션 메뉴</a:t>
+            </a:r>
+            <a:endParaRPr lang="en-US" altLang="ko-KR" sz="1200" b="1" dirty="0" smtClean="0">
+              <a:solidFill>
+                <a:schemeClr val="tx1"/>
+              </a:solidFill>
+            </a:endParaRPr>
+          </a:p>
+          <a:p>
+            <a:r>
+              <a:rPr lang="en-US" altLang="ko-KR" sz="1200" dirty="0" smtClean="0">
+                <a:solidFill>
+                  <a:schemeClr val="tx1"/>
+                </a:solidFill>
+              </a:rPr>
+              <a:t>- </a:t>
+            </a:r>
+            <a:r>
+              <a:rPr lang="ko-KR" altLang="en-US" sz="1200" dirty="0" smtClean="0">
+                <a:solidFill>
+                  <a:schemeClr val="tx1"/>
+                </a:solidFill>
+              </a:rPr>
+              <a:t>각 항목 클릭 시 </a:t>
+            </a:r>
+            <a:r>
+              <a:rPr lang="en-US" altLang="ko-KR" sz="1200" dirty="0" smtClean="0">
+                <a:solidFill>
+                  <a:schemeClr val="tx1"/>
+                </a:solidFill>
+              </a:rPr>
+              <a:t>Body </a:t>
+            </a:r>
+            <a:r>
+              <a:rPr lang="ko-KR" altLang="en-US" sz="1200" dirty="0" smtClean="0">
+                <a:solidFill>
+                  <a:schemeClr val="tx1"/>
+                </a:solidFill>
+              </a:rPr>
+              <a:t>변경</a:t>
+            </a:r>
+            <a:endParaRPr lang="en-US" altLang="ko-KR" sz="1200" dirty="0" smtClean="0">
+              <a:solidFill>
+                <a:schemeClr val="tx1"/>
+              </a:solidFill>
+            </a:endParaRPr>
+          </a:p>
+          <a:p>
+            <a:endParaRPr lang="en-US" altLang="ko-KR" sz="800" dirty="0">
+              <a:solidFill>
+                <a:schemeClr val="tx1"/>
+              </a:solidFill>
+            </a:endParaRPr>
+          </a:p>
+          <a:p>
+            <a:r>
+              <a:rPr lang="ko-KR" altLang="en-US" sz="1200" b="1" dirty="0" smtClean="0">
+                <a:solidFill>
+                  <a:schemeClr val="tx1"/>
+                </a:solidFill>
+              </a:rPr>
+              <a:t>로그인</a:t>
+            </a:r>
+            <a:r>
               <a:rPr lang="en-US" altLang="ko-KR" sz="1200" b="1" dirty="0" smtClean="0">
                 <a:solidFill>
                   <a:schemeClr val="tx1"/>
                 </a:solidFill>
               </a:rPr>
-              <a:t>[3]</a:t>
-            </a:r>
+              <a:t>/</a:t>
+            </a:r>
+            <a:r>
+              <a:rPr lang="ko-KR" altLang="en-US" sz="1200" b="1" dirty="0" smtClean="0">
+                <a:solidFill>
+                  <a:schemeClr val="tx1"/>
+                </a:solidFill>
+              </a:rPr>
+              <a:t>회원가입</a:t>
+            </a:r>
+            <a:endParaRPr lang="en-US" altLang="ko-KR" sz="1200" b="1" dirty="0" smtClean="0">
+              <a:solidFill>
+                <a:schemeClr val="tx1"/>
+              </a:solidFill>
+            </a:endParaRPr>
+          </a:p>
+          <a:p>
             <a:r>
               <a:rPr lang="en-US" altLang="ko-KR" sz="1200" dirty="0" smtClean="0">
                 <a:solidFill>
                   <a:schemeClr val="tx1"/>
                 </a:solidFill>
               </a:rPr>
-              <a:t> </a:t>
-            </a:r>
-            <a:r>
-              <a:rPr lang="ko-KR" altLang="en-US" sz="1200" dirty="0" err="1" smtClean="0">
-                <a:solidFill>
-                  <a:schemeClr val="tx1"/>
-                </a:solidFill>
-              </a:rPr>
-              <a:t>잡아바</a:t>
+              <a:t>- </a:t>
             </a:r>
             <a:r>
               <a:rPr lang="ko-KR" altLang="en-US" sz="1200" dirty="0" smtClean="0">
@@ -5981,7 +6252,23 @@
                   <a:schemeClr val="tx1"/>
                 </a:solidFill>
               </a:rPr>
-              <a:t> 홈페이지와 비슷하게</a:t>
+              <a:t>일반회원</a:t>
+            </a:r>
+            <a:r>
+              <a:rPr lang="en-US" altLang="ko-KR" sz="1200" dirty="0" smtClean="0">
+                <a:solidFill>
+                  <a:schemeClr val="tx1"/>
+                </a:solidFill>
+              </a:rPr>
+              <a:t>, </a:t>
+            </a:r>
+            <a:r>
+              <a:rPr lang="ko-KR" altLang="en-US" sz="1200" dirty="0" smtClean="0">
+                <a:solidFill>
+                  <a:schemeClr val="tx1"/>
+                </a:solidFill>
+              </a:rPr>
+              <a:t>관리자 구분</a:t>
             </a:r>
             <a:endParaRPr lang="en-US" altLang="ko-KR" sz="1200" dirty="0" smtClean="0">
               <a:solidFill>
@@ -5990,20 +6277,179 @@
             </a:endParaRPr>
           </a:p>
           <a:p>
-            <a:r>
-              <a:rPr lang="en-US" altLang="ko-KR" sz="1200" dirty="0">
-                <a:solidFill>
-                  <a:schemeClr val="tx1"/>
-                </a:solidFill>
-              </a:rPr>
-              <a:t> </a:t>
-            </a:r>
+            <a:endParaRPr lang="en-US" altLang="ko-KR" sz="800" dirty="0">
+              <a:solidFill>
+                <a:schemeClr val="tx1"/>
+              </a:solidFill>
+            </a:endParaRPr>
+          </a:p>
+          <a:p>
+            <a:r>
+              <a:rPr lang="ko-KR" altLang="en-US" sz="1200" b="1" dirty="0" smtClean="0">
+                <a:solidFill>
+                  <a:schemeClr val="tx1"/>
+                </a:solidFill>
+              </a:rPr>
+              <a:t>메인 슬라이드 배너</a:t>
+            </a:r>
+            <a:endParaRPr lang="en-US" altLang="ko-KR" sz="1200" b="1" dirty="0" smtClean="0">
+              <a:solidFill>
+                <a:schemeClr val="tx1"/>
+              </a:solidFill>
+            </a:endParaRPr>
+          </a:p>
+          <a:p>
             <a:r>
               <a:rPr lang="en-US" altLang="ko-KR" sz="1200" dirty="0" smtClean="0">
                 <a:solidFill>
                   <a:schemeClr val="tx1"/>
                 </a:solidFill>
               </a:rPr>
+              <a:t>- </a:t>
+            </a:r>
+            <a:r>
+              <a:rPr lang="ko-KR" altLang="en-US" sz="1200" dirty="0" smtClean="0">
+                <a:solidFill>
+                  <a:schemeClr val="tx1"/>
+                </a:solidFill>
+              </a:rPr>
+              <a:t>광고 및 정보 노출</a:t>
+            </a:r>
+            <a:endParaRPr lang="en-US" altLang="ko-KR" sz="1200" dirty="0">
+              <a:solidFill>
+                <a:schemeClr val="tx1"/>
+              </a:solidFill>
+            </a:endParaRPr>
+          </a:p>
+          <a:p>
+            <a:endParaRPr lang="en-US" altLang="ko-KR" sz="800" dirty="0">
+              <a:solidFill>
+                <a:schemeClr val="tx1"/>
+              </a:solidFill>
+            </a:endParaRPr>
+          </a:p>
+          <a:p>
+            <a:r>
+              <a:rPr lang="ko-KR" altLang="en-US" sz="1200" b="1" dirty="0" smtClean="0">
+                <a:solidFill>
+                  <a:schemeClr val="tx1"/>
+                </a:solidFill>
+              </a:rPr>
+              <a:t>서브 슬라이드 배너</a:t>
+            </a:r>
+            <a:endParaRPr lang="en-US" altLang="ko-KR" sz="1200" b="1" dirty="0" smtClean="0">
+              <a:solidFill>
+                <a:schemeClr val="tx1"/>
+              </a:solidFill>
+            </a:endParaRPr>
+          </a:p>
+          <a:p>
+            <a:r>
+              <a:rPr lang="en-US" altLang="ko-KR" sz="1200" dirty="0" smtClean="0">
+                <a:solidFill>
+                  <a:schemeClr val="tx1"/>
+                </a:solidFill>
+              </a:rPr>
+              <a:t>- </a:t>
+            </a:r>
+            <a:r>
+              <a:rPr lang="ko-KR" altLang="en-US" sz="1200" dirty="0" smtClean="0">
+                <a:solidFill>
+                  <a:schemeClr val="tx1"/>
+                </a:solidFill>
+              </a:rPr>
+              <a:t>강의 </a:t>
+            </a:r>
+            <a:r>
+              <a:rPr lang="ko-KR" altLang="en-US" sz="1200" dirty="0" smtClean="0">
+                <a:solidFill>
+                  <a:schemeClr val="tx1"/>
+                </a:solidFill>
+              </a:rPr>
+              <a:t>바로 </a:t>
+            </a:r>
+            <a:r>
+              <a:rPr lang="ko-KR" altLang="en-US" sz="1200" dirty="0" smtClean="0">
+                <a:solidFill>
+                  <a:schemeClr val="tx1"/>
+                </a:solidFill>
+              </a:rPr>
+              <a:t>가기</a:t>
+            </a:r>
+            <a:endParaRPr lang="en-US" altLang="ko-KR" sz="1200" dirty="0" smtClean="0">
+              <a:solidFill>
+                <a:schemeClr val="tx1"/>
+              </a:solidFill>
+            </a:endParaRPr>
+          </a:p>
+          <a:p>
+            <a:endParaRPr lang="en-US" altLang="ko-KR" sz="800" dirty="0">
+              <a:solidFill>
+                <a:schemeClr val="tx1"/>
+              </a:solidFill>
+            </a:endParaRPr>
+          </a:p>
+          <a:p>
+            <a:r>
+              <a:rPr lang="ko-KR" altLang="en-US" sz="1200" b="1" dirty="0" smtClean="0">
+                <a:solidFill>
+                  <a:schemeClr val="tx1"/>
+                </a:solidFill>
+              </a:rPr>
+              <a:t>공지사항 배너</a:t>
+            </a:r>
+            <a:endParaRPr lang="en-US" altLang="ko-KR" sz="1200" b="1" dirty="0" smtClean="0">
+              <a:solidFill>
+                <a:schemeClr val="tx1"/>
+              </a:solidFill>
+            </a:endParaRPr>
+          </a:p>
+          <a:p>
+            <a:r>
+              <a:rPr lang="en-US" altLang="ko-KR" sz="1200" dirty="0" smtClean="0">
+                <a:solidFill>
+                  <a:schemeClr val="tx1"/>
+                </a:solidFill>
+              </a:rPr>
+              <a:t>- </a:t>
+            </a:r>
+            <a:r>
+              <a:rPr lang="ko-KR" altLang="en-US" sz="1200" dirty="0" smtClean="0">
+                <a:solidFill>
+                  <a:schemeClr val="tx1"/>
+                </a:solidFill>
+              </a:rPr>
+              <a:t>공지사항 출력</a:t>
+            </a:r>
+            <a:r>
+              <a:rPr lang="en-US" altLang="ko-KR" sz="1200" dirty="0" smtClean="0">
+                <a:solidFill>
+                  <a:schemeClr val="tx1"/>
+                </a:solidFill>
+              </a:rPr>
+              <a:t>, </a:t>
+            </a:r>
+            <a:r>
+              <a:rPr lang="ko-KR" altLang="en-US" sz="1200" dirty="0" smtClean="0">
+                <a:solidFill>
+                  <a:schemeClr val="tx1"/>
+                </a:solidFill>
+              </a:rPr>
+              <a:t>공지사항 게시판과</a:t>
+            </a:r>
+            <a:endParaRPr lang="en-US" altLang="ko-KR" sz="1200" dirty="0" smtClean="0">
+              <a:solidFill>
+                <a:schemeClr val="tx1"/>
+              </a:solidFill>
+            </a:endParaRPr>
+          </a:p>
+          <a:p>
+            <a:r>
+              <a:rPr lang="en-US" altLang="ko-KR" sz="1200" dirty="0" smtClean="0">
+                <a:solidFill>
+                  <a:schemeClr val="tx1"/>
+                </a:solidFill>
+              </a:rPr>
               <a:t>  </a:t>
             </a:r>
             <a:r>
@@ -6012,7 +6458,7 @@
                   <a:schemeClr val="tx1"/>
                 </a:solidFill>
               </a:rPr>
-              <a:t>푸른색 계열 디자인 적용</a:t>
+              <a:t>연동</a:t>
             </a:r>
             <a:endParaRPr lang="en-US" altLang="ko-KR" sz="1200" dirty="0" smtClean="0">
               <a:solidFill>
@@ -6021,7 +6467,7 @@
             </a:endParaRPr>
           </a:p>
           <a:p>
-            <a:endParaRPr lang="en-US" altLang="ko-KR" sz="1000" dirty="0">
+            <a:endParaRPr lang="en-US" altLang="ko-KR" sz="1200" dirty="0" smtClean="0">
               <a:solidFill>
                 <a:schemeClr val="tx1"/>
               </a:solidFill>
@@ -6034,7 +6480,7 @@
                   <a:schemeClr val="tx1"/>
                 </a:solidFill>
               </a:rPr>
-              <a:t>로고</a:t>
+              <a:t>빅데이터 시각화 배너</a:t>
             </a:r>
             <a:endParaRPr lang="en-US" altLang="ko-KR" sz="1200" b="1" dirty="0" smtClean="0">
               <a:solidFill>
@@ -6049,7 +6495,7 @@
                   <a:schemeClr val="tx1"/>
                 </a:solidFill>
               </a:rPr>
-              <a:t>- </a:t>
+              <a:t> - </a:t>
             </a:r>
             <a:r>
               <a:rPr lang="ko-KR" altLang="en-US" sz="1200" dirty="0" smtClean="0">
@@ -6057,442 +6503,7 @@
                   <a:schemeClr val="tx1"/>
                 </a:solidFill>
               </a:rPr>
-              <a:t>클릭 시 홈페이지로 이동</a:t>
-            </a:r>
-            <a:endParaRPr lang="en-US" altLang="ko-KR" sz="1200" dirty="0" smtClean="0">
-              <a:solidFill>
-                <a:schemeClr val="tx1"/>
-              </a:solidFill>
-            </a:endParaRPr>
-          </a:p>
-          <a:p>
-            <a:endParaRPr lang="en-US" altLang="ko-KR" sz="800" dirty="0" smtClean="0">
-              <a:solidFill>
-                <a:schemeClr val="tx1"/>
-              </a:solidFill>
-            </a:endParaRPr>
-          </a:p>
-          <a:p>
-            <a:r>
-              <a:rPr lang="ko-KR" altLang="en-US" sz="1200" b="1" dirty="0" err="1" smtClean="0">
-                <a:solidFill>
-                  <a:schemeClr val="tx1"/>
-                </a:solidFill>
-              </a:rPr>
-              <a:t>팝업창</a:t>
-            </a:r>
-            <a:endParaRPr lang="en-US" altLang="ko-KR" sz="1200" b="1" dirty="0">
-              <a:solidFill>
-                <a:schemeClr val="tx1"/>
-              </a:solidFill>
-            </a:endParaRPr>
-          </a:p>
-          <a:p>
-            <a:r>
-              <a:rPr lang="en-US" altLang="ko-KR" sz="1200" dirty="0" smtClean="0">
-                <a:solidFill>
-                  <a:schemeClr val="tx1"/>
-                </a:solidFill>
-              </a:rPr>
-              <a:t>- </a:t>
-            </a:r>
-            <a:r>
-              <a:rPr lang="ko-KR" altLang="en-US" sz="1200" dirty="0" smtClean="0">
-                <a:solidFill>
-                  <a:schemeClr val="tx1"/>
-                </a:solidFill>
-              </a:rPr>
-              <a:t>설명 등 필요한 내용 게시</a:t>
-            </a:r>
-            <a:endParaRPr lang="en-US" altLang="ko-KR" sz="1200" dirty="0">
-              <a:solidFill>
-                <a:schemeClr val="tx1"/>
-              </a:solidFill>
-            </a:endParaRPr>
-          </a:p>
-          <a:p>
-            <a:r>
-              <a:rPr lang="en-US" altLang="ko-KR" sz="1200" dirty="0" smtClean="0">
-                <a:solidFill>
-                  <a:schemeClr val="tx1"/>
-                </a:solidFill>
-              </a:rPr>
-              <a:t>- </a:t>
-            </a:r>
-            <a:r>
-              <a:rPr lang="ko-KR" altLang="en-US" sz="1200" dirty="0" smtClean="0">
-                <a:solidFill>
-                  <a:schemeClr val="tx1"/>
-                </a:solidFill>
-              </a:rPr>
               <a:t>빅데이터 시각화 자료 출력</a:t>
-            </a:r>
-            <a:endParaRPr lang="en-US" altLang="ko-KR" sz="1200" dirty="0" smtClean="0">
-              <a:solidFill>
-                <a:schemeClr val="tx1"/>
-              </a:solidFill>
-            </a:endParaRPr>
-          </a:p>
-          <a:p>
-            <a:endParaRPr lang="en-US" altLang="ko-KR" sz="800" dirty="0">
-              <a:solidFill>
-                <a:schemeClr val="tx1"/>
-              </a:solidFill>
-            </a:endParaRPr>
-          </a:p>
-          <a:p>
-            <a:r>
-              <a:rPr lang="ko-KR" altLang="en-US" sz="1200" b="1" dirty="0" smtClean="0">
-                <a:solidFill>
-                  <a:schemeClr val="tx1"/>
-                </a:solidFill>
-              </a:rPr>
-              <a:t>내비게이션 메뉴</a:t>
-            </a:r>
-            <a:endParaRPr lang="en-US" altLang="ko-KR" sz="1200" b="1" dirty="0" smtClean="0">
-              <a:solidFill>
-                <a:schemeClr val="tx1"/>
-              </a:solidFill>
-            </a:endParaRPr>
-          </a:p>
-          <a:p>
-            <a:r>
-              <a:rPr lang="en-US" altLang="ko-KR" sz="1200" dirty="0" smtClean="0">
-                <a:solidFill>
-                  <a:schemeClr val="tx1"/>
-                </a:solidFill>
-              </a:rPr>
-              <a:t>- </a:t>
-            </a:r>
-            <a:r>
-              <a:rPr lang="ko-KR" altLang="en-US" sz="1200" dirty="0" smtClean="0">
-                <a:solidFill>
-                  <a:schemeClr val="tx1"/>
-                </a:solidFill>
-              </a:rPr>
-              <a:t>각 항목 클릭 시 </a:t>
-            </a:r>
-            <a:r>
-              <a:rPr lang="en-US" altLang="ko-KR" sz="1200" dirty="0" smtClean="0">
-                <a:solidFill>
-                  <a:schemeClr val="tx1"/>
-                </a:solidFill>
-              </a:rPr>
-              <a:t>Body </a:t>
-            </a:r>
-            <a:r>
-              <a:rPr lang="ko-KR" altLang="en-US" sz="1200" dirty="0" smtClean="0">
-                <a:solidFill>
-                  <a:schemeClr val="tx1"/>
-                </a:solidFill>
-              </a:rPr>
-              <a:t>변경</a:t>
-            </a:r>
-            <a:endParaRPr lang="en-US" altLang="ko-KR" sz="1200" dirty="0" smtClean="0">
-              <a:solidFill>
-                <a:schemeClr val="tx1"/>
-              </a:solidFill>
-            </a:endParaRPr>
-          </a:p>
-          <a:p>
-            <a:endParaRPr lang="en-US" altLang="ko-KR" sz="800" dirty="0">
-              <a:solidFill>
-                <a:schemeClr val="tx1"/>
-              </a:solidFill>
-            </a:endParaRPr>
-          </a:p>
-          <a:p>
-            <a:r>
-              <a:rPr lang="ko-KR" altLang="en-US" sz="1200" b="1" dirty="0" smtClean="0">
-                <a:solidFill>
-                  <a:schemeClr val="tx1"/>
-                </a:solidFill>
-              </a:rPr>
-              <a:t>로그인</a:t>
-            </a:r>
-            <a:r>
-              <a:rPr lang="en-US" altLang="ko-KR" sz="1200" b="1" dirty="0" smtClean="0">
-                <a:solidFill>
-                  <a:schemeClr val="tx1"/>
-                </a:solidFill>
-              </a:rPr>
-              <a:t>/</a:t>
-            </a:r>
-            <a:r>
-              <a:rPr lang="ko-KR" altLang="en-US" sz="1200" b="1" dirty="0" smtClean="0">
-                <a:solidFill>
-                  <a:schemeClr val="tx1"/>
-                </a:solidFill>
-              </a:rPr>
-              <a:t>회원가입</a:t>
-            </a:r>
-            <a:endParaRPr lang="en-US" altLang="ko-KR" sz="1200" b="1" dirty="0" smtClean="0">
-              <a:solidFill>
-                <a:schemeClr val="tx1"/>
-              </a:solidFill>
-            </a:endParaRPr>
-          </a:p>
-          <a:p>
-            <a:r>
-              <a:rPr lang="en-US" altLang="ko-KR" sz="1200" dirty="0" smtClean="0">
-                <a:solidFill>
-                  <a:schemeClr val="tx1"/>
-                </a:solidFill>
-              </a:rPr>
-              <a:t>- </a:t>
-            </a:r>
-            <a:r>
-              <a:rPr lang="ko-KR" altLang="en-US" sz="1200" dirty="0" smtClean="0">
-                <a:solidFill>
-                  <a:schemeClr val="tx1"/>
-                </a:solidFill>
-              </a:rPr>
-              <a:t>일반회원</a:t>
-            </a:r>
-            <a:r>
-              <a:rPr lang="en-US" altLang="ko-KR" sz="1200" dirty="0" smtClean="0">
-                <a:solidFill>
-                  <a:schemeClr val="tx1"/>
-                </a:solidFill>
-              </a:rPr>
-              <a:t>, </a:t>
-            </a:r>
-            <a:r>
-              <a:rPr lang="ko-KR" altLang="en-US" sz="1200" dirty="0" smtClean="0">
-                <a:solidFill>
-                  <a:schemeClr val="tx1"/>
-                </a:solidFill>
-              </a:rPr>
-              <a:t>관리자 구분</a:t>
-            </a:r>
-            <a:endParaRPr lang="en-US" altLang="ko-KR" sz="1200" dirty="0" smtClean="0">
-              <a:solidFill>
-                <a:schemeClr val="tx1"/>
-              </a:solidFill>
-            </a:endParaRPr>
-          </a:p>
-          <a:p>
-            <a:endParaRPr lang="en-US" altLang="ko-KR" sz="800" dirty="0">
-              <a:solidFill>
-                <a:schemeClr val="tx1"/>
-              </a:solidFill>
-            </a:endParaRPr>
-          </a:p>
-          <a:p>
-            <a:r>
-              <a:rPr lang="ko-KR" altLang="en-US" sz="1200" b="1" dirty="0" smtClean="0">
-                <a:solidFill>
-                  <a:schemeClr val="tx1"/>
-                </a:solidFill>
-              </a:rPr>
-              <a:t>메인 슬라이드 배너</a:t>
-            </a:r>
-            <a:endParaRPr lang="en-US" altLang="ko-KR" sz="1200" b="1" dirty="0" smtClean="0">
-              <a:solidFill>
-                <a:schemeClr val="tx1"/>
-              </a:solidFill>
-            </a:endParaRPr>
-          </a:p>
-          <a:p>
-            <a:r>
-              <a:rPr lang="en-US" altLang="ko-KR" sz="1200" dirty="0" smtClean="0">
-                <a:solidFill>
-                  <a:schemeClr val="tx1"/>
-                </a:solidFill>
-              </a:rPr>
-              <a:t>- </a:t>
-            </a:r>
-            <a:r>
-              <a:rPr lang="ko-KR" altLang="en-US" sz="1200" dirty="0" smtClean="0">
-                <a:solidFill>
-                  <a:schemeClr val="tx1"/>
-                </a:solidFill>
-              </a:rPr>
-              <a:t>광고 </a:t>
-            </a:r>
-            <a:r>
-              <a:rPr lang="en-US" altLang="ko-KR" sz="1200" dirty="0" smtClean="0">
-                <a:solidFill>
-                  <a:schemeClr val="tx1"/>
-                </a:solidFill>
-              </a:rPr>
-              <a:t>or </a:t>
-            </a:r>
-            <a:r>
-              <a:rPr lang="ko-KR" altLang="en-US" sz="1200" dirty="0" smtClean="0">
-                <a:solidFill>
-                  <a:schemeClr val="tx1"/>
-                </a:solidFill>
-              </a:rPr>
-              <a:t>빅데이터 시각화 자료 출력</a:t>
-            </a:r>
-            <a:endParaRPr lang="en-US" altLang="ko-KR" sz="1200" dirty="0" smtClean="0">
-              <a:solidFill>
-                <a:schemeClr val="tx1"/>
-              </a:solidFill>
-            </a:endParaRPr>
-          </a:p>
-          <a:p>
-            <a:endParaRPr lang="en-US" altLang="ko-KR" sz="800" dirty="0">
-              <a:solidFill>
-                <a:schemeClr val="tx1"/>
-              </a:solidFill>
-            </a:endParaRPr>
-          </a:p>
-          <a:p>
-            <a:r>
-              <a:rPr lang="ko-KR" altLang="en-US" sz="1200" b="1" dirty="0" smtClean="0">
-                <a:solidFill>
-                  <a:schemeClr val="tx1"/>
-                </a:solidFill>
-              </a:rPr>
-              <a:t>서브 슬라이드 배너</a:t>
-            </a:r>
-            <a:endParaRPr lang="en-US" altLang="ko-KR" sz="1200" b="1" dirty="0" smtClean="0">
-              <a:solidFill>
-                <a:schemeClr val="tx1"/>
-              </a:solidFill>
-            </a:endParaRPr>
-          </a:p>
-          <a:p>
-            <a:r>
-              <a:rPr lang="en-US" altLang="ko-KR" sz="1200" dirty="0" smtClean="0">
-                <a:solidFill>
-                  <a:schemeClr val="tx1"/>
-                </a:solidFill>
-              </a:rPr>
-              <a:t>- </a:t>
-            </a:r>
-            <a:r>
-              <a:rPr lang="ko-KR" altLang="en-US" sz="1200" dirty="0" smtClean="0">
-                <a:solidFill>
-                  <a:schemeClr val="tx1"/>
-                </a:solidFill>
-              </a:rPr>
-              <a:t>강의 바로 가기 </a:t>
-            </a:r>
-            <a:r>
-              <a:rPr lang="en-US" altLang="ko-KR" sz="1200" dirty="0" smtClean="0">
-                <a:solidFill>
-                  <a:schemeClr val="tx1"/>
-                </a:solidFill>
-              </a:rPr>
-              <a:t>or </a:t>
-            </a:r>
-            <a:r>
-              <a:rPr lang="ko-KR" altLang="en-US" sz="1200" dirty="0" smtClean="0">
-                <a:solidFill>
-                  <a:schemeClr val="tx1"/>
-                </a:solidFill>
-              </a:rPr>
-              <a:t>빅데이터 시각화</a:t>
-            </a:r>
-            <a:endParaRPr lang="en-US" altLang="ko-KR" sz="1200" dirty="0" smtClean="0">
-              <a:solidFill>
-                <a:schemeClr val="tx1"/>
-              </a:solidFill>
-            </a:endParaRPr>
-          </a:p>
-          <a:p>
-            <a:r>
-              <a:rPr lang="en-US" altLang="ko-KR" sz="1200" dirty="0" smtClean="0">
-                <a:solidFill>
-                  <a:schemeClr val="tx1"/>
-                </a:solidFill>
-              </a:rPr>
-              <a:t>  </a:t>
-            </a:r>
-            <a:r>
-              <a:rPr lang="ko-KR" altLang="en-US" sz="1200" dirty="0" smtClean="0">
-                <a:solidFill>
-                  <a:schemeClr val="tx1"/>
-                </a:solidFill>
-              </a:rPr>
-              <a:t>자료 출력</a:t>
-            </a:r>
-            <a:endParaRPr lang="en-US" altLang="ko-KR" sz="1200" dirty="0" smtClean="0">
-              <a:solidFill>
-                <a:schemeClr val="tx1"/>
-              </a:solidFill>
-            </a:endParaRPr>
-          </a:p>
-          <a:p>
-            <a:endParaRPr lang="en-US" altLang="ko-KR" sz="800" dirty="0">
-              <a:solidFill>
-                <a:schemeClr val="tx1"/>
-              </a:solidFill>
-            </a:endParaRPr>
-          </a:p>
-          <a:p>
-            <a:r>
-              <a:rPr lang="ko-KR" altLang="en-US" sz="1200" b="1" dirty="0" smtClean="0">
-                <a:solidFill>
-                  <a:schemeClr val="tx1"/>
-                </a:solidFill>
-              </a:rPr>
-              <a:t>공지사항 배너</a:t>
-            </a:r>
-            <a:endParaRPr lang="en-US" altLang="ko-KR" sz="1200" b="1" dirty="0" smtClean="0">
-              <a:solidFill>
-                <a:schemeClr val="tx1"/>
-              </a:solidFill>
-            </a:endParaRPr>
-          </a:p>
-          <a:p>
-            <a:r>
-              <a:rPr lang="en-US" altLang="ko-KR" sz="1200" dirty="0" smtClean="0">
-                <a:solidFill>
-                  <a:schemeClr val="tx1"/>
-                </a:solidFill>
-              </a:rPr>
-              <a:t>- </a:t>
-            </a:r>
-            <a:r>
-              <a:rPr lang="ko-KR" altLang="en-US" sz="1200" dirty="0" smtClean="0">
-                <a:solidFill>
-                  <a:schemeClr val="tx1"/>
-                </a:solidFill>
-              </a:rPr>
-              <a:t>공지사항 출력</a:t>
-            </a:r>
-            <a:r>
-              <a:rPr lang="en-US" altLang="ko-KR" sz="1200" dirty="0" smtClean="0">
-                <a:solidFill>
-                  <a:schemeClr val="tx1"/>
-                </a:solidFill>
-              </a:rPr>
-              <a:t>, </a:t>
-            </a:r>
-            <a:r>
-              <a:rPr lang="ko-KR" altLang="en-US" sz="1200" dirty="0" smtClean="0">
-                <a:solidFill>
-                  <a:schemeClr val="tx1"/>
-                </a:solidFill>
-              </a:rPr>
-              <a:t>공지사항 게시판과</a:t>
-            </a:r>
-            <a:endParaRPr lang="en-US" altLang="ko-KR" sz="1200" dirty="0" smtClean="0">
-              <a:solidFill>
-                <a:schemeClr val="tx1"/>
-              </a:solidFill>
-            </a:endParaRPr>
-          </a:p>
-          <a:p>
-            <a:r>
-              <a:rPr lang="en-US" altLang="ko-KR" sz="1200" dirty="0" smtClean="0">
-                <a:solidFill>
-                  <a:schemeClr val="tx1"/>
-                </a:solidFill>
-              </a:rPr>
-              <a:t>  </a:t>
-            </a:r>
-            <a:r>
-              <a:rPr lang="ko-KR" altLang="en-US" sz="1200" dirty="0" smtClean="0">
-                <a:solidFill>
-                  <a:schemeClr val="tx1"/>
-                </a:solidFill>
-              </a:rPr>
-              <a:t>연동</a:t>
             </a:r>
             <a:endParaRPr lang="en-US" altLang="ko-KR" sz="1200" dirty="0" smtClean="0">
               <a:solidFill>
@@ -6545,6 +6556,52 @@
               <a:t>회원가입</a:t>
             </a:r>
             <a:endParaRPr lang="ko-KR" altLang="en-US" sz="1500" dirty="0"/>
+          </a:p>
+        </p:txBody>
+      </p:sp>
+      <p:sp>
+        <p:nvSpPr>
+          <p:cNvPr id="20" name="TextBox 19"/>
+          <p:cNvSpPr txBox="1"/>
+          <p:nvPr/>
+        </p:nvSpPr>
+        <p:spPr>
+          <a:xfrm>
+            <a:off x="4464844" y="5127230"/>
+            <a:ext cx="3933349" cy="584775"/>
+          </a:xfrm>
+          <a:prstGeom prst="rect">
+            <a:avLst/>
+          </a:prstGeom>
+          <a:noFill/>
+          <a:ln>
+            <a:solidFill>
+              <a:schemeClr val="accent1">
+                <a:shade val="50000"/>
+              </a:schemeClr>
+            </a:solidFill>
+          </a:ln>
+        </p:spPr>
+        <p:txBody>
+          <a:bodyPr wrap="square" rtlCol="0">
+            <a:spAutoFit/>
+          </a:bodyPr>
+          <a:lstStyle/>
+          <a:p>
+            <a:pPr algn="ctr"/>
+            <a:endParaRPr lang="en-US" altLang="ko-KR" sz="700" dirty="0" smtClean="0"/>
+          </a:p>
+          <a:p>
+            <a:pPr algn="ctr"/>
+            <a:r>
+              <a:rPr lang="ko-KR" altLang="en-US" dirty="0" smtClean="0"/>
+              <a:t>빅데이터 시각화 배너</a:t>
+            </a:r>
+            <a:endParaRPr lang="en-US" altLang="ko-KR" dirty="0" smtClean="0"/>
+          </a:p>
+          <a:p>
+            <a:pPr algn="ctr"/>
+            <a:endParaRPr lang="en-US" altLang="ko-KR" sz="700" dirty="0" smtClean="0"/>
           </a:p>
         </p:txBody>
       </p:sp>
@@ -6744,7 +6801,6 @@
               <a:rPr lang="en-US" altLang="ko-KR" sz="3000" dirty="0" smtClean="0"/>
               <a:t>(Sign Up)</a:t>
             </a:r>
-            <a:endParaRPr lang="en-US" altLang="ko-KR" sz="3000" dirty="0" smtClean="0"/>
           </a:p>
         </p:txBody>
       </p:sp>
@@ -7200,11 +7256,7 @@
             </a:r>
             <a:r>
               <a:rPr lang="ko-KR" altLang="en-US" sz="1200" dirty="0" smtClean="0"/>
-              <a:t> 약</a:t>
-            </a:r>
-            <a:r>
-              <a:rPr lang="ko-KR" altLang="en-US" sz="1200" dirty="0" smtClean="0"/>
-              <a:t>관 전체 동의</a:t>
+              <a:t> 약관 전체 동의</a:t>
             </a:r>
             <a:endParaRPr lang="en-US" altLang="ko-KR" sz="1200" dirty="0" smtClean="0"/>
           </a:p>
@@ -7730,7 +7782,6 @@
               <a:rPr lang="en-US" altLang="ko-KR" sz="3000" dirty="0" smtClean="0"/>
               <a:t>(Information)</a:t>
             </a:r>
-            <a:endParaRPr lang="en-US" altLang="ko-KR" sz="3000" dirty="0" smtClean="0"/>
           </a:p>
         </p:txBody>
       </p:sp>
@@ -9582,15 +9633,7 @@
                   <a:schemeClr val="tx1"/>
                 </a:solidFill>
               </a:rPr>
-              <a:t>취업 </a:t>
-            </a:r>
-            <a:r>
-              <a:rPr lang="ko-KR" altLang="en-US" sz="1500" b="1" dirty="0" smtClean="0">
-                <a:solidFill>
-                  <a:schemeClr val="tx1"/>
-                </a:solidFill>
-              </a:rPr>
-              <a:t>멘토링</a:t>
+              <a:t>취업 멘토링</a:t>
             </a:r>
             <a:endParaRPr lang="en-US" altLang="ko-KR" sz="1500" dirty="0">
               <a:solidFill>
@@ -10077,7 +10120,19 @@
           <a:lstStyle/>
           <a:p>
             <a:pPr algn="ctr"/>
-            <a:endParaRPr lang="ko-KR" altLang="en-US"/>
+            <a:r>
+              <a:rPr lang="ko-KR" altLang="en-US" dirty="0" smtClean="0">
+                <a:solidFill>
+                  <a:schemeClr val="tx1"/>
+                </a:solidFill>
+              </a:rPr>
+              <a:t>내용 삽입</a:t>
+            </a:r>
+            <a:endParaRPr lang="ko-KR" altLang="en-US" dirty="0">
+              <a:solidFill>
+                <a:schemeClr val="tx1"/>
+              </a:solidFill>
+            </a:endParaRPr>
           </a:p>
         </p:txBody>
       </p:sp>
@@ -10726,7 +10781,15 @@
                   <a:schemeClr val="tx1"/>
                 </a:solidFill>
               </a:rPr>
-              <a:t>강의</a:t>
+              <a:t>강의 및 </a:t>
+            </a:r>
+            <a:r>
+              <a:rPr lang="ko-KR" altLang="en-US" sz="1200" dirty="0" err="1" smtClean="0">
+                <a:solidFill>
+                  <a:schemeClr val="tx1"/>
+                </a:solidFill>
+              </a:rPr>
+              <a:t>청년지원</a:t>
             </a:r>
             <a:r>
               <a:rPr lang="ko-KR" altLang="en-US" sz="1200" dirty="0" smtClean="0">
@@ -10734,23 +10797,78 @@
                   <a:schemeClr val="tx1"/>
                 </a:solidFill>
               </a:rPr>
+              <a:t> 관련 자료</a:t>
+            </a:r>
+            <a:endParaRPr lang="en-US" altLang="ko-KR" sz="1200" dirty="0" smtClean="0">
+              <a:solidFill>
+                <a:schemeClr val="tx1"/>
+              </a:solidFill>
+            </a:endParaRPr>
+          </a:p>
+          <a:p>
+            <a:r>
+              <a:rPr lang="en-US" altLang="ko-KR" sz="1200" dirty="0">
+                <a:solidFill>
+                  <a:schemeClr val="tx1"/>
+                </a:solidFill>
+              </a:rPr>
               <a:t> </a:t>
             </a:r>
             <a:r>
+              <a:rPr lang="en-US" altLang="ko-KR" sz="1200" dirty="0" smtClean="0">
+                <a:solidFill>
+                  <a:schemeClr val="tx1"/>
+                </a:solidFill>
+              </a:rPr>
+              <a:t>  </a:t>
+            </a:r>
+            <a:r>
               <a:rPr lang="ko-KR" altLang="en-US" sz="1200" dirty="0" smtClean="0">
                 <a:solidFill>
                   <a:schemeClr val="tx1"/>
                 </a:solidFill>
               </a:rPr>
-              <a:t>및 </a:t>
-            </a:r>
-            <a:r>
-              <a:rPr lang="ko-KR" altLang="en-US" sz="1200" dirty="0" err="1" smtClean="0">
-                <a:solidFill>
-                  <a:schemeClr val="tx1"/>
-                </a:solidFill>
-              </a:rPr>
-              <a:t>청년지원</a:t>
+              <a:t>첨부파일 기능 구현</a:t>
+            </a:r>
+            <a:endParaRPr lang="en-US" altLang="ko-KR" sz="1200" dirty="0" smtClean="0">
+              <a:solidFill>
+                <a:schemeClr val="tx1"/>
+              </a:solidFill>
+            </a:endParaRPr>
+          </a:p>
+          <a:p>
+            <a:endParaRPr lang="en-US" altLang="ko-KR" sz="1500" b="1" dirty="0" smtClean="0">
+              <a:solidFill>
+                <a:schemeClr val="tx1"/>
+              </a:solidFill>
+            </a:endParaRPr>
+          </a:p>
+          <a:p>
+            <a:r>
+              <a:rPr lang="en-US" altLang="ko-KR" sz="1500" b="1" dirty="0" smtClean="0">
+                <a:solidFill>
+                  <a:schemeClr val="tx1"/>
+                </a:solidFill>
+              </a:rPr>
+              <a:t>3. Q&amp;A</a:t>
+            </a:r>
+          </a:p>
+          <a:p>
+            <a:r>
+              <a:rPr lang="en-US" altLang="ko-KR" sz="1200" dirty="0">
+                <a:solidFill>
+                  <a:schemeClr val="tx1"/>
+                </a:solidFill>
+              </a:rPr>
+              <a:t> </a:t>
+            </a:r>
+            <a:r>
+              <a:rPr lang="en-US" altLang="ko-KR" sz="1200" dirty="0" smtClean="0">
+                <a:solidFill>
+                  <a:schemeClr val="tx1"/>
+                </a:solidFill>
+              </a:rPr>
+              <a:t>- </a:t>
             </a:r>
             <a:r>
               <a:rPr lang="ko-KR" altLang="en-US" sz="1200" dirty="0" smtClean="0">
@@ -10758,7 +10876,7 @@
                   <a:schemeClr val="tx1"/>
                 </a:solidFill>
               </a:rPr>
-              <a:t> 관련 자료</a:t>
+              <a:t>각종 질문 및 답변 기능 구현</a:t>
             </a:r>
             <a:endParaRPr lang="en-US" altLang="ko-KR" sz="1200" dirty="0" smtClean="0">
               <a:solidFill>
@@ -10767,38 +10885,7 @@
             </a:endParaRPr>
           </a:p>
           <a:p>
-            <a:r>
-              <a:rPr lang="en-US" altLang="ko-KR" sz="1200" dirty="0">
-                <a:solidFill>
-                  <a:schemeClr val="tx1"/>
-                </a:solidFill>
-              </a:rPr>
-              <a:t> </a:t>
-            </a:r>
-            <a:r>
-              <a:rPr lang="en-US" altLang="ko-KR" sz="1200" dirty="0" smtClean="0">
-                <a:solidFill>
-                  <a:schemeClr val="tx1"/>
-                </a:solidFill>
-              </a:rPr>
-              <a:t>  </a:t>
-            </a:r>
-            <a:r>
-              <a:rPr lang="ko-KR" altLang="en-US" sz="1200" dirty="0" smtClean="0">
-                <a:solidFill>
-                  <a:schemeClr val="tx1"/>
-                </a:solidFill>
-              </a:rPr>
-              <a:t>첨부파일 기능 구현</a:t>
-            </a:r>
-            <a:endParaRPr lang="en-US" altLang="ko-KR" sz="1200" dirty="0" smtClean="0">
-              <a:solidFill>
-                <a:schemeClr val="tx1"/>
-              </a:solidFill>
-            </a:endParaRPr>
-          </a:p>
-          <a:p>
-            <a:endParaRPr lang="en-US" altLang="ko-KR" sz="1500" b="1" dirty="0" smtClean="0">
+            <a:endParaRPr lang="en-US" altLang="ko-KR" sz="1500" dirty="0" smtClean="0">
               <a:solidFill>
                 <a:schemeClr val="tx1"/>
               </a:solidFill>
@@ -10811,82 +10898,8 @@
                   <a:schemeClr val="tx1"/>
                 </a:solidFill>
               </a:rPr>
-              <a:t>3. </a:t>
-            </a:r>
-            <a:r>
-              <a:rPr lang="en-US" altLang="ko-KR" sz="1500" b="1" dirty="0" smtClean="0">
-                <a:solidFill>
-                  <a:schemeClr val="tx1"/>
-                </a:solidFill>
-              </a:rPr>
-              <a:t>Q&amp;A</a:t>
-            </a:r>
-            <a:endParaRPr lang="en-US" altLang="ko-KR" sz="1500" b="1" dirty="0" smtClean="0">
-              <a:solidFill>
-                <a:schemeClr val="tx1"/>
-              </a:solidFill>
-            </a:endParaRPr>
-          </a:p>
-          <a:p>
-            <a:r>
-              <a:rPr lang="en-US" altLang="ko-KR" sz="1200" dirty="0">
-                <a:solidFill>
-                  <a:schemeClr val="tx1"/>
-                </a:solidFill>
-              </a:rPr>
-              <a:t> </a:t>
-            </a:r>
-            <a:r>
-              <a:rPr lang="en-US" altLang="ko-KR" sz="1200" dirty="0" smtClean="0">
-                <a:solidFill>
-                  <a:schemeClr val="tx1"/>
-                </a:solidFill>
-              </a:rPr>
-              <a:t>- </a:t>
-            </a:r>
-            <a:r>
-              <a:rPr lang="ko-KR" altLang="en-US" sz="1200" dirty="0" smtClean="0">
-                <a:solidFill>
-                  <a:schemeClr val="tx1"/>
-                </a:solidFill>
-              </a:rPr>
-              <a:t>각종 질문 및 답변 기능 구현</a:t>
-            </a:r>
-            <a:endParaRPr lang="en-US" altLang="ko-KR" sz="1200" dirty="0" smtClean="0">
-              <a:solidFill>
-                <a:schemeClr val="tx1"/>
-              </a:solidFill>
-            </a:endParaRPr>
-          </a:p>
-          <a:p>
-            <a:endParaRPr lang="en-US" altLang="ko-KR" sz="1500" dirty="0" smtClean="0">
-              <a:solidFill>
-                <a:schemeClr val="tx1"/>
-              </a:solidFill>
-            </a:endParaRPr>
-          </a:p>
-          <a:p>
-            <a:r>
-              <a:rPr lang="en-US" altLang="ko-KR" sz="1500" b="1" dirty="0" smtClean="0">
-                <a:solidFill>
-                  <a:schemeClr val="tx1"/>
-                </a:solidFill>
-              </a:rPr>
-              <a:t>4. </a:t>
-            </a:r>
-            <a:r>
-              <a:rPr lang="en-US" altLang="ko-KR" sz="1500" b="1" dirty="0" smtClean="0">
-                <a:solidFill>
-                  <a:schemeClr val="tx1"/>
-                </a:solidFill>
-              </a:rPr>
-              <a:t>FAQ</a:t>
-            </a:r>
-            <a:endParaRPr lang="en-US" altLang="ko-KR" sz="1500" b="1" dirty="0" smtClean="0">
-              <a:solidFill>
-                <a:schemeClr val="tx1"/>
-              </a:solidFill>
-            </a:endParaRPr>
+              <a:t>4. FAQ</a:t>
+            </a:r>
           </a:p>
           <a:p>
             <a:r>
@@ -11036,15 +11049,7 @@
             <a:pPr algn="ctr"/>
             <a:r>
               <a:rPr lang="en-US" altLang="ko-KR" dirty="0" smtClean="0"/>
-              <a:t>Q  </a:t>
-            </a:r>
-            <a:r>
-              <a:rPr lang="en-US" altLang="ko-KR" dirty="0" smtClean="0"/>
-              <a:t>&amp;  </a:t>
-            </a:r>
-            <a:r>
-              <a:rPr lang="en-US" altLang="ko-KR" dirty="0" smtClean="0"/>
-              <a:t>A</a:t>
+              <a:t>Q  &amp;  A</a:t>
             </a:r>
           </a:p>
         </p:txBody>
@@ -11081,7 +11086,6 @@
               <a:rPr lang="en-US" altLang="ko-KR" dirty="0" smtClean="0"/>
               <a:t>F  A  Q</a:t>
             </a:r>
-            <a:endParaRPr lang="en-US" altLang="ko-KR" dirty="0" smtClean="0"/>
           </a:p>
         </p:txBody>
       </p:sp>

--- a/2조 프로젝트.pptx
+++ b/2조 프로젝트.pptx
@@ -3301,13 +3301,8 @@
             </a:r>
             <a:r>
               <a:rPr lang="en-US" altLang="ko-KR" sz="3000" dirty="0" smtClean="0"/>
-              <a:t>(Job Link </a:t>
-            </a:r>
-            <a:r>
-              <a:rPr lang="en-US" altLang="ko-KR" sz="3000" dirty="0" smtClean="0"/>
-              <a:t>Page 3 / 3)</a:t>
-            </a:r>
-            <a:endParaRPr lang="en-US" altLang="ko-KR" sz="3000" dirty="0" smtClean="0"/>
+              <a:t>(Job Link Page 3 / 3)</a:t>
+            </a:r>
           </a:p>
         </p:txBody>
       </p:sp>
@@ -4054,7 +4049,55 @@
                   <a:schemeClr val="tx1"/>
                 </a:solidFill>
               </a:rPr>
-              <a:t>   </a:t>
+              <a:t>   댓글 기능 구현</a:t>
+            </a:r>
+            <a:r>
+              <a:rPr lang="en-US" altLang="ko-KR" sz="1200" dirty="0" smtClean="0">
+                <a:solidFill>
+                  <a:schemeClr val="tx1"/>
+                </a:solidFill>
+              </a:rPr>
+              <a:t>(?)</a:t>
+            </a:r>
+          </a:p>
+          <a:p>
+            <a:endParaRPr lang="en-US" altLang="ko-KR" sz="1500" dirty="0">
+              <a:solidFill>
+                <a:schemeClr val="tx1"/>
+              </a:solidFill>
+            </a:endParaRPr>
+          </a:p>
+          <a:p>
+            <a:r>
+              <a:rPr lang="en-US" altLang="ko-KR" sz="1500" b="1" dirty="0" smtClean="0">
+                <a:solidFill>
+                  <a:schemeClr val="tx1"/>
+                </a:solidFill>
+              </a:rPr>
+              <a:t>3. </a:t>
+            </a:r>
+            <a:r>
+              <a:rPr lang="ko-KR" altLang="en-US" sz="1500" b="1" dirty="0" smtClean="0">
+                <a:solidFill>
+                  <a:schemeClr val="tx1"/>
+                </a:solidFill>
+              </a:rPr>
+              <a:t>취업 멘토링</a:t>
+            </a:r>
+            <a:endParaRPr lang="en-US" altLang="ko-KR" sz="1500" dirty="0">
+              <a:solidFill>
+                <a:schemeClr val="tx1"/>
+              </a:solidFill>
+            </a:endParaRPr>
+          </a:p>
+          <a:p>
+            <a:r>
+              <a:rPr lang="en-US" altLang="ko-KR" sz="1200" dirty="0" smtClean="0">
+                <a:solidFill>
+                  <a:schemeClr val="tx1"/>
+                </a:solidFill>
+              </a:rPr>
+              <a:t> - </a:t>
             </a:r>
             <a:r>
               <a:rPr lang="ko-KR" altLang="en-US" sz="1200" dirty="0" smtClean="0">
@@ -4062,7 +4105,33 @@
                   <a:schemeClr val="tx1"/>
                 </a:solidFill>
               </a:rPr>
-              <a:t>댓글</a:t>
+              <a:t>게시판 형식으로 구현하고</a:t>
+            </a:r>
+            <a:r>
+              <a:rPr lang="en-US" altLang="ko-KR" sz="1200" dirty="0" smtClean="0">
+                <a:solidFill>
+                  <a:schemeClr val="tx1"/>
+                </a:solidFill>
+              </a:rPr>
+              <a:t>,</a:t>
+            </a:r>
+          </a:p>
+          <a:p>
+            <a:r>
+              <a:rPr lang="en-US" altLang="ko-KR" sz="1200" dirty="0">
+                <a:solidFill>
+                  <a:schemeClr val="tx1"/>
+                </a:solidFill>
+              </a:rPr>
+              <a:t> </a:t>
+            </a:r>
+            <a:r>
+              <a:rPr lang="en-US" altLang="ko-KR" sz="1200" dirty="0" smtClean="0">
+                <a:solidFill>
+                  <a:schemeClr val="tx1"/>
+                </a:solidFill>
+              </a:rPr>
+              <a:t>  </a:t>
             </a:r>
             <a:r>
               <a:rPr lang="ko-KR" altLang="en-US" sz="1200" dirty="0" smtClean="0">
@@ -4070,121 +4139,7 @@
                   <a:schemeClr val="tx1"/>
                 </a:solidFill>
               </a:rPr>
-              <a:t> </a:t>
-            </a:r>
-            <a:r>
-              <a:rPr lang="ko-KR" altLang="en-US" sz="1200" dirty="0" smtClean="0">
-                <a:solidFill>
-                  <a:schemeClr val="tx1"/>
-                </a:solidFill>
-              </a:rPr>
-              <a:t>기능 구현</a:t>
-            </a:r>
-            <a:r>
-              <a:rPr lang="en-US" altLang="ko-KR" sz="1200" dirty="0" smtClean="0">
-                <a:solidFill>
-                  <a:schemeClr val="tx1"/>
-                </a:solidFill>
-              </a:rPr>
-              <a:t>(?)</a:t>
-            </a:r>
-          </a:p>
-          <a:p>
-            <a:endParaRPr lang="en-US" altLang="ko-KR" sz="1500" dirty="0">
-              <a:solidFill>
-                <a:schemeClr val="tx1"/>
-              </a:solidFill>
-            </a:endParaRPr>
-          </a:p>
-          <a:p>
-            <a:r>
-              <a:rPr lang="en-US" altLang="ko-KR" sz="1500" b="1" dirty="0" smtClean="0">
-                <a:solidFill>
-                  <a:schemeClr val="tx1"/>
-                </a:solidFill>
-              </a:rPr>
-              <a:t>3. </a:t>
-            </a:r>
-            <a:r>
-              <a:rPr lang="ko-KR" altLang="en-US" sz="1500" b="1" dirty="0" smtClean="0">
-                <a:solidFill>
-                  <a:schemeClr val="tx1"/>
-                </a:solidFill>
-              </a:rPr>
-              <a:t>취업 멘토링</a:t>
-            </a:r>
-            <a:endParaRPr lang="en-US" altLang="ko-KR" sz="1500" dirty="0">
-              <a:solidFill>
-                <a:schemeClr val="tx1"/>
-              </a:solidFill>
-            </a:endParaRPr>
-          </a:p>
-          <a:p>
-            <a:r>
-              <a:rPr lang="en-US" altLang="ko-KR" sz="1200" dirty="0" smtClean="0">
-                <a:solidFill>
-                  <a:schemeClr val="tx1"/>
-                </a:solidFill>
-              </a:rPr>
-              <a:t> - </a:t>
-            </a:r>
-            <a:r>
-              <a:rPr lang="ko-KR" altLang="en-US" sz="1200" dirty="0" smtClean="0">
-                <a:solidFill>
-                  <a:schemeClr val="tx1"/>
-                </a:solidFill>
-              </a:rPr>
-              <a:t>게시판 </a:t>
-            </a:r>
-            <a:r>
-              <a:rPr lang="ko-KR" altLang="en-US" sz="1200" dirty="0" smtClean="0">
-                <a:solidFill>
-                  <a:schemeClr val="tx1"/>
-                </a:solidFill>
-              </a:rPr>
-              <a:t>형식으로 구현하고</a:t>
-            </a:r>
-            <a:r>
-              <a:rPr lang="en-US" altLang="ko-KR" sz="1200" dirty="0" smtClean="0">
-                <a:solidFill>
-                  <a:schemeClr val="tx1"/>
-                </a:solidFill>
-              </a:rPr>
-              <a:t>,</a:t>
-            </a:r>
-          </a:p>
-          <a:p>
-            <a:r>
-              <a:rPr lang="en-US" altLang="ko-KR" sz="1200" dirty="0">
-                <a:solidFill>
-                  <a:schemeClr val="tx1"/>
-                </a:solidFill>
-              </a:rPr>
-              <a:t> </a:t>
-            </a:r>
-            <a:r>
-              <a:rPr lang="en-US" altLang="ko-KR" sz="1200" dirty="0" smtClean="0">
-                <a:solidFill>
-                  <a:schemeClr val="tx1"/>
-                </a:solidFill>
-              </a:rPr>
-              <a:t>  </a:t>
-            </a:r>
-            <a:r>
-              <a:rPr lang="ko-KR" altLang="en-US" sz="1200" dirty="0" smtClean="0">
-                <a:solidFill>
-                  <a:schemeClr val="tx1"/>
-                </a:solidFill>
-              </a:rPr>
-              <a:t>댓글 </a:t>
-            </a:r>
-            <a:r>
-              <a:rPr lang="ko-KR" altLang="en-US" sz="1200" dirty="0" smtClean="0">
-                <a:solidFill>
-                  <a:schemeClr val="tx1"/>
-                </a:solidFill>
-              </a:rPr>
-              <a:t>기능 구현</a:t>
+              <a:t>댓글 기능 구현</a:t>
             </a:r>
             <a:r>
               <a:rPr lang="en-US" altLang="ko-KR" sz="1200" dirty="0" smtClean="0">
@@ -4909,13 +4864,8 @@
             </a:r>
             <a:r>
               <a:rPr lang="en-US" altLang="ko-KR" sz="3000" dirty="0" smtClean="0"/>
-              <a:t>(</a:t>
-            </a:r>
-            <a:r>
-              <a:rPr lang="en-US" altLang="ko-KR" sz="3000" dirty="0" smtClean="0"/>
-              <a:t>Board 1 / 4)</a:t>
-            </a:r>
-            <a:endParaRPr lang="en-US" altLang="ko-KR" sz="3000" dirty="0" smtClean="0"/>
+              <a:t>(Board 1 / 4)</a:t>
+            </a:r>
           </a:p>
         </p:txBody>
       </p:sp>
@@ -5372,7 +5322,60 @@
                   <a:schemeClr val="tx1"/>
                 </a:solidFill>
               </a:rPr>
-              <a:t>댓글</a:t>
+              <a:t>댓글 기능 구현</a:t>
+            </a:r>
+            <a:endParaRPr lang="en-US" altLang="ko-KR" sz="1200" dirty="0" smtClean="0">
+              <a:solidFill>
+                <a:schemeClr val="tx1"/>
+              </a:solidFill>
+            </a:endParaRPr>
+          </a:p>
+          <a:p>
+            <a:endParaRPr lang="en-US" altLang="ko-KR" sz="1500" dirty="0">
+              <a:solidFill>
+                <a:schemeClr val="tx1"/>
+              </a:solidFill>
+            </a:endParaRPr>
+          </a:p>
+          <a:p>
+            <a:r>
+              <a:rPr lang="en-US" altLang="ko-KR" sz="1500" b="1" dirty="0" smtClean="0">
+                <a:solidFill>
+                  <a:schemeClr val="tx1"/>
+                </a:solidFill>
+              </a:rPr>
+              <a:t>2. </a:t>
+            </a:r>
+            <a:r>
+              <a:rPr lang="ko-KR" altLang="en-US" sz="1500" b="1" dirty="0" smtClean="0">
+                <a:solidFill>
+                  <a:schemeClr val="tx1"/>
+                </a:solidFill>
+              </a:rPr>
+              <a:t>자료실</a:t>
+            </a:r>
+            <a:endParaRPr lang="en-US" altLang="ko-KR" sz="1500" b="1" dirty="0" smtClean="0">
+              <a:solidFill>
+                <a:schemeClr val="tx1"/>
+              </a:solidFill>
+            </a:endParaRPr>
+          </a:p>
+          <a:p>
+            <a:r>
+              <a:rPr lang="en-US" altLang="ko-KR" sz="1200" dirty="0">
+                <a:solidFill>
+                  <a:schemeClr val="tx1"/>
+                </a:solidFill>
+              </a:rPr>
+              <a:t> </a:t>
+            </a:r>
+            <a:r>
+              <a:rPr lang="en-US" altLang="ko-KR" sz="1200" dirty="0" smtClean="0">
+                <a:solidFill>
+                  <a:schemeClr val="tx1"/>
+                </a:solidFill>
+              </a:rPr>
+              <a:t>- </a:t>
             </a:r>
             <a:r>
               <a:rPr lang="ko-KR" altLang="en-US" sz="1200" dirty="0" smtClean="0">
@@ -5380,15 +5383,54 @@
                   <a:schemeClr val="tx1"/>
                 </a:solidFill>
               </a:rPr>
+              <a:t>강의 및 </a:t>
+            </a:r>
+            <a:r>
+              <a:rPr lang="ko-KR" altLang="en-US" sz="1200" dirty="0" err="1" smtClean="0">
+                <a:solidFill>
+                  <a:schemeClr val="tx1"/>
+                </a:solidFill>
+              </a:rPr>
+              <a:t>청년지원</a:t>
+            </a:r>
+            <a:r>
+              <a:rPr lang="ko-KR" altLang="en-US" sz="1200" dirty="0" smtClean="0">
+                <a:solidFill>
+                  <a:schemeClr val="tx1"/>
+                </a:solidFill>
+              </a:rPr>
+              <a:t> 관련 자료</a:t>
+            </a:r>
+            <a:endParaRPr lang="en-US" altLang="ko-KR" sz="1200" dirty="0" smtClean="0">
+              <a:solidFill>
+                <a:schemeClr val="tx1"/>
+              </a:solidFill>
+            </a:endParaRPr>
+          </a:p>
+          <a:p>
+            <a:r>
+              <a:rPr lang="en-US" altLang="ko-KR" sz="1200" dirty="0">
+                <a:solidFill>
+                  <a:schemeClr val="tx1"/>
+                </a:solidFill>
+              </a:rPr>
               <a:t> </a:t>
             </a:r>
             <a:r>
+              <a:rPr lang="en-US" altLang="ko-KR" sz="1200" dirty="0" smtClean="0">
+                <a:solidFill>
+                  <a:schemeClr val="tx1"/>
+                </a:solidFill>
+              </a:rPr>
+              <a:t>  </a:t>
+            </a:r>
+            <a:r>
               <a:rPr lang="ko-KR" altLang="en-US" sz="1200" dirty="0" smtClean="0">
                 <a:solidFill>
                   <a:schemeClr val="tx1"/>
                 </a:solidFill>
               </a:rPr>
-              <a:t>기능 구현</a:t>
+              <a:t>첨부파일 기능 구현</a:t>
             </a:r>
             <a:endParaRPr lang="en-US" altLang="ko-KR" sz="1200" dirty="0" smtClean="0">
               <a:solidFill>
@@ -5397,7 +5439,7 @@
             </a:endParaRPr>
           </a:p>
           <a:p>
-            <a:endParaRPr lang="en-US" altLang="ko-KR" sz="1500" dirty="0">
+            <a:endParaRPr lang="en-US" altLang="ko-KR" sz="1500" b="1" dirty="0" smtClean="0">
               <a:solidFill>
                 <a:schemeClr val="tx1"/>
               </a:solidFill>
@@ -5410,21 +5452,8 @@
                   <a:schemeClr val="tx1"/>
                 </a:solidFill>
               </a:rPr>
-              <a:t>2. </a:t>
-            </a:r>
-            <a:r>
-              <a:rPr lang="ko-KR" altLang="en-US" sz="1500" b="1" dirty="0" smtClean="0">
-                <a:solidFill>
-                  <a:schemeClr val="tx1"/>
-                </a:solidFill>
-              </a:rPr>
-              <a:t>자료실</a:t>
-            </a:r>
-            <a:endParaRPr lang="en-US" altLang="ko-KR" sz="1500" b="1" dirty="0" smtClean="0">
-              <a:solidFill>
-                <a:schemeClr val="tx1"/>
-              </a:solidFill>
-            </a:endParaRPr>
+              <a:t>3. Q&amp;A</a:t>
+            </a:r>
           </a:p>
           <a:p>
             <a:r>
@@ -5449,118 +5478,7 @@
                   <a:schemeClr val="tx1"/>
                 </a:solidFill>
               </a:rPr>
-              <a:t>강의 및 </a:t>
-            </a:r>
-            <a:r>
-              <a:rPr lang="ko-KR" altLang="en-US" sz="1200" dirty="0" err="1" smtClean="0">
-                <a:solidFill>
-                  <a:schemeClr val="tx1"/>
-                </a:solidFill>
-              </a:rPr>
-              <a:t>청년지원</a:t>
-            </a:r>
-            <a:r>
-              <a:rPr lang="ko-KR" altLang="en-US" sz="1200" dirty="0" smtClean="0">
-                <a:solidFill>
-                  <a:schemeClr val="tx1"/>
-                </a:solidFill>
-              </a:rPr>
-              <a:t> 관련 자료</a:t>
-            </a:r>
-            <a:endParaRPr lang="en-US" altLang="ko-KR" sz="1200" dirty="0" smtClean="0">
-              <a:solidFill>
-                <a:schemeClr val="tx1"/>
-              </a:solidFill>
-            </a:endParaRPr>
-          </a:p>
-          <a:p>
-            <a:r>
-              <a:rPr lang="en-US" altLang="ko-KR" sz="1200" dirty="0">
-                <a:solidFill>
-                  <a:schemeClr val="tx1"/>
-                </a:solidFill>
-              </a:rPr>
-              <a:t> </a:t>
-            </a:r>
-            <a:r>
-              <a:rPr lang="en-US" altLang="ko-KR" sz="1200" dirty="0" smtClean="0">
-                <a:solidFill>
-                  <a:schemeClr val="tx1"/>
-                </a:solidFill>
-              </a:rPr>
-              <a:t>  </a:t>
-            </a:r>
-            <a:r>
-              <a:rPr lang="ko-KR" altLang="en-US" sz="1200" dirty="0" smtClean="0">
-                <a:solidFill>
-                  <a:schemeClr val="tx1"/>
-                </a:solidFill>
-              </a:rPr>
-              <a:t>첨부파일 기능 구현</a:t>
-            </a:r>
-            <a:endParaRPr lang="en-US" altLang="ko-KR" sz="1200" dirty="0" smtClean="0">
-              <a:solidFill>
-                <a:schemeClr val="tx1"/>
-              </a:solidFill>
-            </a:endParaRPr>
-          </a:p>
-          <a:p>
-            <a:endParaRPr lang="en-US" altLang="ko-KR" sz="1500" b="1" dirty="0" smtClean="0">
-              <a:solidFill>
-                <a:schemeClr val="tx1"/>
-              </a:solidFill>
-            </a:endParaRPr>
-          </a:p>
-          <a:p>
-            <a:r>
-              <a:rPr lang="en-US" altLang="ko-KR" sz="1500" b="1" dirty="0" smtClean="0">
-                <a:solidFill>
-                  <a:schemeClr val="tx1"/>
-                </a:solidFill>
-              </a:rPr>
-              <a:t>3. Q&amp;A</a:t>
-            </a:r>
-          </a:p>
-          <a:p>
-            <a:r>
-              <a:rPr lang="en-US" altLang="ko-KR" sz="1200" dirty="0">
-                <a:solidFill>
-                  <a:schemeClr val="tx1"/>
-                </a:solidFill>
-              </a:rPr>
-              <a:t> </a:t>
-            </a:r>
-            <a:r>
-              <a:rPr lang="en-US" altLang="ko-KR" sz="1200" dirty="0" smtClean="0">
-                <a:solidFill>
-                  <a:schemeClr val="tx1"/>
-                </a:solidFill>
-              </a:rPr>
-              <a:t>- </a:t>
-            </a:r>
-            <a:r>
-              <a:rPr lang="ko-KR" altLang="en-US" sz="1200" dirty="0" smtClean="0">
-                <a:solidFill>
-                  <a:schemeClr val="tx1"/>
-                </a:solidFill>
-              </a:rPr>
-              <a:t>각종 질문 및 </a:t>
-            </a:r>
-            <a:r>
-              <a:rPr lang="ko-KR" altLang="en-US" sz="1200" dirty="0" smtClean="0">
-                <a:solidFill>
-                  <a:schemeClr val="tx1"/>
-                </a:solidFill>
-              </a:rPr>
-              <a:t>댓글 </a:t>
-            </a:r>
-            <a:r>
-              <a:rPr lang="ko-KR" altLang="en-US" sz="1200" dirty="0" smtClean="0">
-                <a:solidFill>
-                  <a:schemeClr val="tx1"/>
-                </a:solidFill>
-              </a:rPr>
-              <a:t>기능 구현</a:t>
+              <a:t>각종 질문 및 댓글 기능 구현</a:t>
             </a:r>
             <a:endParaRPr lang="en-US" altLang="ko-KR" sz="1200" dirty="0" smtClean="0">
               <a:solidFill>
@@ -6445,13 +6363,8 @@
             </a:r>
             <a:r>
               <a:rPr lang="en-US" altLang="ko-KR" sz="3000" dirty="0" smtClean="0"/>
-              <a:t>(</a:t>
-            </a:r>
-            <a:r>
-              <a:rPr lang="en-US" altLang="ko-KR" sz="3000" dirty="0" smtClean="0"/>
-              <a:t>Board 2 / 4)</a:t>
-            </a:r>
-            <a:endParaRPr lang="en-US" altLang="ko-KR" sz="3000" dirty="0" smtClean="0"/>
+              <a:t>(Board 2 / 4)</a:t>
+            </a:r>
           </a:p>
         </p:txBody>
       </p:sp>
@@ -6908,7 +6821,60 @@
                   <a:schemeClr val="tx1"/>
                 </a:solidFill>
               </a:rPr>
-              <a:t>댓글</a:t>
+              <a:t>댓글 기능 구현</a:t>
+            </a:r>
+            <a:endParaRPr lang="en-US" altLang="ko-KR" sz="1200" dirty="0" smtClean="0">
+              <a:solidFill>
+                <a:schemeClr val="tx1"/>
+              </a:solidFill>
+            </a:endParaRPr>
+          </a:p>
+          <a:p>
+            <a:endParaRPr lang="en-US" altLang="ko-KR" sz="1500" dirty="0">
+              <a:solidFill>
+                <a:schemeClr val="tx1"/>
+              </a:solidFill>
+            </a:endParaRPr>
+          </a:p>
+          <a:p>
+            <a:r>
+              <a:rPr lang="en-US" altLang="ko-KR" sz="1500" b="1" dirty="0" smtClean="0">
+                <a:solidFill>
+                  <a:schemeClr val="tx1"/>
+                </a:solidFill>
+              </a:rPr>
+              <a:t>2. </a:t>
+            </a:r>
+            <a:r>
+              <a:rPr lang="ko-KR" altLang="en-US" sz="1500" b="1" dirty="0" smtClean="0">
+                <a:solidFill>
+                  <a:schemeClr val="tx1"/>
+                </a:solidFill>
+              </a:rPr>
+              <a:t>자료실</a:t>
+            </a:r>
+            <a:endParaRPr lang="en-US" altLang="ko-KR" sz="1500" b="1" dirty="0" smtClean="0">
+              <a:solidFill>
+                <a:schemeClr val="tx1"/>
+              </a:solidFill>
+            </a:endParaRPr>
+          </a:p>
+          <a:p>
+            <a:r>
+              <a:rPr lang="en-US" altLang="ko-KR" sz="1200" dirty="0">
+                <a:solidFill>
+                  <a:schemeClr val="tx1"/>
+                </a:solidFill>
+              </a:rPr>
+              <a:t> </a:t>
+            </a:r>
+            <a:r>
+              <a:rPr lang="en-US" altLang="ko-KR" sz="1200" dirty="0" smtClean="0">
+                <a:solidFill>
+                  <a:schemeClr val="tx1"/>
+                </a:solidFill>
+              </a:rPr>
+              <a:t>- </a:t>
             </a:r>
             <a:r>
               <a:rPr lang="ko-KR" altLang="en-US" sz="1200" dirty="0" smtClean="0">
@@ -6916,15 +6882,54 @@
                   <a:schemeClr val="tx1"/>
                 </a:solidFill>
               </a:rPr>
+              <a:t>강의 및 </a:t>
+            </a:r>
+            <a:r>
+              <a:rPr lang="ko-KR" altLang="en-US" sz="1200" dirty="0" err="1" smtClean="0">
+                <a:solidFill>
+                  <a:schemeClr val="tx1"/>
+                </a:solidFill>
+              </a:rPr>
+              <a:t>청년지원</a:t>
+            </a:r>
+            <a:r>
+              <a:rPr lang="ko-KR" altLang="en-US" sz="1200" dirty="0" smtClean="0">
+                <a:solidFill>
+                  <a:schemeClr val="tx1"/>
+                </a:solidFill>
+              </a:rPr>
+              <a:t> 관련 자료</a:t>
+            </a:r>
+            <a:endParaRPr lang="en-US" altLang="ko-KR" sz="1200" dirty="0" smtClean="0">
+              <a:solidFill>
+                <a:schemeClr val="tx1"/>
+              </a:solidFill>
+            </a:endParaRPr>
+          </a:p>
+          <a:p>
+            <a:r>
+              <a:rPr lang="en-US" altLang="ko-KR" sz="1200" dirty="0">
+                <a:solidFill>
+                  <a:schemeClr val="tx1"/>
+                </a:solidFill>
+              </a:rPr>
               <a:t> </a:t>
             </a:r>
             <a:r>
+              <a:rPr lang="en-US" altLang="ko-KR" sz="1200" dirty="0" smtClean="0">
+                <a:solidFill>
+                  <a:schemeClr val="tx1"/>
+                </a:solidFill>
+              </a:rPr>
+              <a:t>  </a:t>
+            </a:r>
+            <a:r>
               <a:rPr lang="ko-KR" altLang="en-US" sz="1200" dirty="0" smtClean="0">
                 <a:solidFill>
                   <a:schemeClr val="tx1"/>
                 </a:solidFill>
               </a:rPr>
-              <a:t>기능 구현</a:t>
+              <a:t>첨부파일 기능 구현</a:t>
             </a:r>
             <a:endParaRPr lang="en-US" altLang="ko-KR" sz="1200" dirty="0" smtClean="0">
               <a:solidFill>
@@ -6933,7 +6938,7 @@
             </a:endParaRPr>
           </a:p>
           <a:p>
-            <a:endParaRPr lang="en-US" altLang="ko-KR" sz="1500" dirty="0">
+            <a:endParaRPr lang="en-US" altLang="ko-KR" sz="1500" b="1" dirty="0" smtClean="0">
               <a:solidFill>
                 <a:schemeClr val="tx1"/>
               </a:solidFill>
@@ -6946,21 +6951,8 @@
                   <a:schemeClr val="tx1"/>
                 </a:solidFill>
               </a:rPr>
-              <a:t>2. </a:t>
-            </a:r>
-            <a:r>
-              <a:rPr lang="ko-KR" altLang="en-US" sz="1500" b="1" dirty="0" smtClean="0">
-                <a:solidFill>
-                  <a:schemeClr val="tx1"/>
-                </a:solidFill>
-              </a:rPr>
-              <a:t>자료실</a:t>
-            </a:r>
-            <a:endParaRPr lang="en-US" altLang="ko-KR" sz="1500" b="1" dirty="0" smtClean="0">
-              <a:solidFill>
-                <a:schemeClr val="tx1"/>
-              </a:solidFill>
-            </a:endParaRPr>
+              <a:t>3. Q&amp;A</a:t>
+            </a:r>
           </a:p>
           <a:p>
             <a:r>
@@ -6985,118 +6977,7 @@
                   <a:schemeClr val="tx1"/>
                 </a:solidFill>
               </a:rPr>
-              <a:t>강의 및 </a:t>
-            </a:r>
-            <a:r>
-              <a:rPr lang="ko-KR" altLang="en-US" sz="1200" dirty="0" err="1" smtClean="0">
-                <a:solidFill>
-                  <a:schemeClr val="tx1"/>
-                </a:solidFill>
-              </a:rPr>
-              <a:t>청년지원</a:t>
-            </a:r>
-            <a:r>
-              <a:rPr lang="ko-KR" altLang="en-US" sz="1200" dirty="0" smtClean="0">
-                <a:solidFill>
-                  <a:schemeClr val="tx1"/>
-                </a:solidFill>
-              </a:rPr>
-              <a:t> 관련 자료</a:t>
-            </a:r>
-            <a:endParaRPr lang="en-US" altLang="ko-KR" sz="1200" dirty="0" smtClean="0">
-              <a:solidFill>
-                <a:schemeClr val="tx1"/>
-              </a:solidFill>
-            </a:endParaRPr>
-          </a:p>
-          <a:p>
-            <a:r>
-              <a:rPr lang="en-US" altLang="ko-KR" sz="1200" dirty="0">
-                <a:solidFill>
-                  <a:schemeClr val="tx1"/>
-                </a:solidFill>
-              </a:rPr>
-              <a:t> </a:t>
-            </a:r>
-            <a:r>
-              <a:rPr lang="en-US" altLang="ko-KR" sz="1200" dirty="0" smtClean="0">
-                <a:solidFill>
-                  <a:schemeClr val="tx1"/>
-                </a:solidFill>
-              </a:rPr>
-              <a:t>  </a:t>
-            </a:r>
-            <a:r>
-              <a:rPr lang="ko-KR" altLang="en-US" sz="1200" dirty="0" smtClean="0">
-                <a:solidFill>
-                  <a:schemeClr val="tx1"/>
-                </a:solidFill>
-              </a:rPr>
-              <a:t>첨부파일 기능 구현</a:t>
-            </a:r>
-            <a:endParaRPr lang="en-US" altLang="ko-KR" sz="1200" dirty="0" smtClean="0">
-              <a:solidFill>
-                <a:schemeClr val="tx1"/>
-              </a:solidFill>
-            </a:endParaRPr>
-          </a:p>
-          <a:p>
-            <a:endParaRPr lang="en-US" altLang="ko-KR" sz="1500" b="1" dirty="0" smtClean="0">
-              <a:solidFill>
-                <a:schemeClr val="tx1"/>
-              </a:solidFill>
-            </a:endParaRPr>
-          </a:p>
-          <a:p>
-            <a:r>
-              <a:rPr lang="en-US" altLang="ko-KR" sz="1500" b="1" dirty="0" smtClean="0">
-                <a:solidFill>
-                  <a:schemeClr val="tx1"/>
-                </a:solidFill>
-              </a:rPr>
-              <a:t>3. Q&amp;A</a:t>
-            </a:r>
-          </a:p>
-          <a:p>
-            <a:r>
-              <a:rPr lang="en-US" altLang="ko-KR" sz="1200" dirty="0">
-                <a:solidFill>
-                  <a:schemeClr val="tx1"/>
-                </a:solidFill>
-              </a:rPr>
-              <a:t> </a:t>
-            </a:r>
-            <a:r>
-              <a:rPr lang="en-US" altLang="ko-KR" sz="1200" dirty="0" smtClean="0">
-                <a:solidFill>
-                  <a:schemeClr val="tx1"/>
-                </a:solidFill>
-              </a:rPr>
-              <a:t>- </a:t>
-            </a:r>
-            <a:r>
-              <a:rPr lang="ko-KR" altLang="en-US" sz="1200" dirty="0" smtClean="0">
-                <a:solidFill>
-                  <a:schemeClr val="tx1"/>
-                </a:solidFill>
-              </a:rPr>
-              <a:t>각종 질문 및 </a:t>
-            </a:r>
-            <a:r>
-              <a:rPr lang="ko-KR" altLang="en-US" sz="1200" dirty="0" smtClean="0">
-                <a:solidFill>
-                  <a:schemeClr val="tx1"/>
-                </a:solidFill>
-              </a:rPr>
-              <a:t>댓글 </a:t>
-            </a:r>
-            <a:r>
-              <a:rPr lang="ko-KR" altLang="en-US" sz="1200" dirty="0" smtClean="0">
-                <a:solidFill>
-                  <a:schemeClr val="tx1"/>
-                </a:solidFill>
-              </a:rPr>
-              <a:t>기능 구현</a:t>
+              <a:t>각종 질문 및 댓글 기능 구현</a:t>
             </a:r>
             <a:endParaRPr lang="en-US" altLang="ko-KR" sz="1200" dirty="0" smtClean="0">
               <a:solidFill>
@@ -7981,13 +7862,8 @@
             </a:r>
             <a:r>
               <a:rPr lang="en-US" altLang="ko-KR" sz="3000" dirty="0" smtClean="0"/>
-              <a:t>(</a:t>
-            </a:r>
-            <a:r>
-              <a:rPr lang="en-US" altLang="ko-KR" sz="3000" dirty="0" smtClean="0"/>
-              <a:t>Board 3 / 4)</a:t>
-            </a:r>
-            <a:endParaRPr lang="en-US" altLang="ko-KR" sz="3000" dirty="0" smtClean="0"/>
+              <a:t>(Board 3 / 4)</a:t>
+            </a:r>
           </a:p>
         </p:txBody>
       </p:sp>
@@ -8444,7 +8320,60 @@
                   <a:schemeClr val="tx1"/>
                 </a:solidFill>
               </a:rPr>
-              <a:t>댓글</a:t>
+              <a:t>댓글 기능 구현</a:t>
+            </a:r>
+            <a:endParaRPr lang="en-US" altLang="ko-KR" sz="1200" dirty="0" smtClean="0">
+              <a:solidFill>
+                <a:schemeClr val="tx1"/>
+              </a:solidFill>
+            </a:endParaRPr>
+          </a:p>
+          <a:p>
+            <a:endParaRPr lang="en-US" altLang="ko-KR" sz="1500" dirty="0">
+              <a:solidFill>
+                <a:schemeClr val="tx1"/>
+              </a:solidFill>
+            </a:endParaRPr>
+          </a:p>
+          <a:p>
+            <a:r>
+              <a:rPr lang="en-US" altLang="ko-KR" sz="1500" b="1" dirty="0" smtClean="0">
+                <a:solidFill>
+                  <a:schemeClr val="tx1"/>
+                </a:solidFill>
+              </a:rPr>
+              <a:t>2. </a:t>
+            </a:r>
+            <a:r>
+              <a:rPr lang="ko-KR" altLang="en-US" sz="1500" b="1" dirty="0" smtClean="0">
+                <a:solidFill>
+                  <a:schemeClr val="tx1"/>
+                </a:solidFill>
+              </a:rPr>
+              <a:t>자료실</a:t>
+            </a:r>
+            <a:endParaRPr lang="en-US" altLang="ko-KR" sz="1500" b="1" dirty="0" smtClean="0">
+              <a:solidFill>
+                <a:schemeClr val="tx1"/>
+              </a:solidFill>
+            </a:endParaRPr>
+          </a:p>
+          <a:p>
+            <a:r>
+              <a:rPr lang="en-US" altLang="ko-KR" sz="1200" dirty="0">
+                <a:solidFill>
+                  <a:schemeClr val="tx1"/>
+                </a:solidFill>
+              </a:rPr>
+              <a:t> </a:t>
+            </a:r>
+            <a:r>
+              <a:rPr lang="en-US" altLang="ko-KR" sz="1200" dirty="0" smtClean="0">
+                <a:solidFill>
+                  <a:schemeClr val="tx1"/>
+                </a:solidFill>
+              </a:rPr>
+              <a:t>- </a:t>
             </a:r>
             <a:r>
               <a:rPr lang="ko-KR" altLang="en-US" sz="1200" dirty="0" smtClean="0">
@@ -8452,15 +8381,54 @@
                   <a:schemeClr val="tx1"/>
                 </a:solidFill>
               </a:rPr>
+              <a:t>강의 및 </a:t>
+            </a:r>
+            <a:r>
+              <a:rPr lang="ko-KR" altLang="en-US" sz="1200" dirty="0" err="1" smtClean="0">
+                <a:solidFill>
+                  <a:schemeClr val="tx1"/>
+                </a:solidFill>
+              </a:rPr>
+              <a:t>청년지원</a:t>
+            </a:r>
+            <a:r>
+              <a:rPr lang="ko-KR" altLang="en-US" sz="1200" dirty="0" smtClean="0">
+                <a:solidFill>
+                  <a:schemeClr val="tx1"/>
+                </a:solidFill>
+              </a:rPr>
+              <a:t> 관련 자료</a:t>
+            </a:r>
+            <a:endParaRPr lang="en-US" altLang="ko-KR" sz="1200" dirty="0" smtClean="0">
+              <a:solidFill>
+                <a:schemeClr val="tx1"/>
+              </a:solidFill>
+            </a:endParaRPr>
+          </a:p>
+          <a:p>
+            <a:r>
+              <a:rPr lang="en-US" altLang="ko-KR" sz="1200" dirty="0">
+                <a:solidFill>
+                  <a:schemeClr val="tx1"/>
+                </a:solidFill>
+              </a:rPr>
               <a:t> </a:t>
             </a:r>
             <a:r>
+              <a:rPr lang="en-US" altLang="ko-KR" sz="1200" dirty="0" smtClean="0">
+                <a:solidFill>
+                  <a:schemeClr val="tx1"/>
+                </a:solidFill>
+              </a:rPr>
+              <a:t>  </a:t>
+            </a:r>
+            <a:r>
               <a:rPr lang="ko-KR" altLang="en-US" sz="1200" dirty="0" smtClean="0">
                 <a:solidFill>
                   <a:schemeClr val="tx1"/>
                 </a:solidFill>
               </a:rPr>
-              <a:t>기능 구현</a:t>
+              <a:t>첨부파일 기능 구현</a:t>
             </a:r>
             <a:endParaRPr lang="en-US" altLang="ko-KR" sz="1200" dirty="0" smtClean="0">
               <a:solidFill>
@@ -8469,7 +8437,7 @@
             </a:endParaRPr>
           </a:p>
           <a:p>
-            <a:endParaRPr lang="en-US" altLang="ko-KR" sz="1500" dirty="0">
+            <a:endParaRPr lang="en-US" altLang="ko-KR" sz="1500" b="1" dirty="0" smtClean="0">
               <a:solidFill>
                 <a:schemeClr val="tx1"/>
               </a:solidFill>
@@ -8482,21 +8450,8 @@
                   <a:schemeClr val="tx1"/>
                 </a:solidFill>
               </a:rPr>
-              <a:t>2. </a:t>
-            </a:r>
-            <a:r>
-              <a:rPr lang="ko-KR" altLang="en-US" sz="1500" b="1" dirty="0" smtClean="0">
-                <a:solidFill>
-                  <a:schemeClr val="tx1"/>
-                </a:solidFill>
-              </a:rPr>
-              <a:t>자료실</a:t>
-            </a:r>
-            <a:endParaRPr lang="en-US" altLang="ko-KR" sz="1500" b="1" dirty="0" smtClean="0">
-              <a:solidFill>
-                <a:schemeClr val="tx1"/>
-              </a:solidFill>
-            </a:endParaRPr>
+              <a:t>3. Q&amp;A</a:t>
+            </a:r>
           </a:p>
           <a:p>
             <a:r>
@@ -8521,118 +8476,7 @@
                   <a:schemeClr val="tx1"/>
                 </a:solidFill>
               </a:rPr>
-              <a:t>강의 및 </a:t>
-            </a:r>
-            <a:r>
-              <a:rPr lang="ko-KR" altLang="en-US" sz="1200" dirty="0" err="1" smtClean="0">
-                <a:solidFill>
-                  <a:schemeClr val="tx1"/>
-                </a:solidFill>
-              </a:rPr>
-              <a:t>청년지원</a:t>
-            </a:r>
-            <a:r>
-              <a:rPr lang="ko-KR" altLang="en-US" sz="1200" dirty="0" smtClean="0">
-                <a:solidFill>
-                  <a:schemeClr val="tx1"/>
-                </a:solidFill>
-              </a:rPr>
-              <a:t> 관련 자료</a:t>
-            </a:r>
-            <a:endParaRPr lang="en-US" altLang="ko-KR" sz="1200" dirty="0" smtClean="0">
-              <a:solidFill>
-                <a:schemeClr val="tx1"/>
-              </a:solidFill>
-            </a:endParaRPr>
-          </a:p>
-          <a:p>
-            <a:r>
-              <a:rPr lang="en-US" altLang="ko-KR" sz="1200" dirty="0">
-                <a:solidFill>
-                  <a:schemeClr val="tx1"/>
-                </a:solidFill>
-              </a:rPr>
-              <a:t> </a:t>
-            </a:r>
-            <a:r>
-              <a:rPr lang="en-US" altLang="ko-KR" sz="1200" dirty="0" smtClean="0">
-                <a:solidFill>
-                  <a:schemeClr val="tx1"/>
-                </a:solidFill>
-              </a:rPr>
-              <a:t>  </a:t>
-            </a:r>
-            <a:r>
-              <a:rPr lang="ko-KR" altLang="en-US" sz="1200" dirty="0" smtClean="0">
-                <a:solidFill>
-                  <a:schemeClr val="tx1"/>
-                </a:solidFill>
-              </a:rPr>
-              <a:t>첨부파일 기능 구현</a:t>
-            </a:r>
-            <a:endParaRPr lang="en-US" altLang="ko-KR" sz="1200" dirty="0" smtClean="0">
-              <a:solidFill>
-                <a:schemeClr val="tx1"/>
-              </a:solidFill>
-            </a:endParaRPr>
-          </a:p>
-          <a:p>
-            <a:endParaRPr lang="en-US" altLang="ko-KR" sz="1500" b="1" dirty="0" smtClean="0">
-              <a:solidFill>
-                <a:schemeClr val="tx1"/>
-              </a:solidFill>
-            </a:endParaRPr>
-          </a:p>
-          <a:p>
-            <a:r>
-              <a:rPr lang="en-US" altLang="ko-KR" sz="1500" b="1" dirty="0" smtClean="0">
-                <a:solidFill>
-                  <a:schemeClr val="tx1"/>
-                </a:solidFill>
-              </a:rPr>
-              <a:t>3. Q&amp;A</a:t>
-            </a:r>
-          </a:p>
-          <a:p>
-            <a:r>
-              <a:rPr lang="en-US" altLang="ko-KR" sz="1200" dirty="0">
-                <a:solidFill>
-                  <a:schemeClr val="tx1"/>
-                </a:solidFill>
-              </a:rPr>
-              <a:t> </a:t>
-            </a:r>
-            <a:r>
-              <a:rPr lang="en-US" altLang="ko-KR" sz="1200" dirty="0" smtClean="0">
-                <a:solidFill>
-                  <a:schemeClr val="tx1"/>
-                </a:solidFill>
-              </a:rPr>
-              <a:t>- </a:t>
-            </a:r>
-            <a:r>
-              <a:rPr lang="ko-KR" altLang="en-US" sz="1200" dirty="0" smtClean="0">
-                <a:solidFill>
-                  <a:schemeClr val="tx1"/>
-                </a:solidFill>
-              </a:rPr>
-              <a:t>각종 질문 및 </a:t>
-            </a:r>
-            <a:r>
-              <a:rPr lang="ko-KR" altLang="en-US" sz="1200" dirty="0" smtClean="0">
-                <a:solidFill>
-                  <a:schemeClr val="tx1"/>
-                </a:solidFill>
-              </a:rPr>
-              <a:t>댓글 </a:t>
-            </a:r>
-            <a:r>
-              <a:rPr lang="ko-KR" altLang="en-US" sz="1200" dirty="0" smtClean="0">
-                <a:solidFill>
-                  <a:schemeClr val="tx1"/>
-                </a:solidFill>
-              </a:rPr>
-              <a:t>기능 구현</a:t>
+              <a:t>각종 질문 및 댓글 기능 구현</a:t>
             </a:r>
             <a:endParaRPr lang="en-US" altLang="ko-KR" sz="1200" dirty="0" smtClean="0">
               <a:solidFill>
@@ -8922,7 +8766,6 @@
               <a:rPr lang="en-US" altLang="ko-KR" sz="1500" dirty="0" smtClean="0"/>
               <a:t>Q &amp; A</a:t>
             </a:r>
-            <a:endParaRPr lang="en-US" altLang="ko-KR" sz="1500" dirty="0" smtClean="0"/>
           </a:p>
         </p:txBody>
       </p:sp>
@@ -9517,13 +9360,8 @@
             </a:r>
             <a:r>
               <a:rPr lang="en-US" altLang="ko-KR" sz="3000" dirty="0" smtClean="0"/>
-              <a:t>(</a:t>
-            </a:r>
-            <a:r>
-              <a:rPr lang="en-US" altLang="ko-KR" sz="3000" dirty="0" smtClean="0"/>
-              <a:t>Board 4 / 4)</a:t>
-            </a:r>
-            <a:endParaRPr lang="en-US" altLang="ko-KR" sz="3000" dirty="0" smtClean="0"/>
+              <a:t>(Board 4 / 4)</a:t>
+            </a:r>
           </a:p>
         </p:txBody>
       </p:sp>
@@ -9980,7 +9818,60 @@
                   <a:schemeClr val="tx1"/>
                 </a:solidFill>
               </a:rPr>
-              <a:t>댓글</a:t>
+              <a:t>댓글 기능 구현</a:t>
+            </a:r>
+            <a:endParaRPr lang="en-US" altLang="ko-KR" sz="1200" dirty="0" smtClean="0">
+              <a:solidFill>
+                <a:schemeClr val="tx1"/>
+              </a:solidFill>
+            </a:endParaRPr>
+          </a:p>
+          <a:p>
+            <a:endParaRPr lang="en-US" altLang="ko-KR" sz="1500" dirty="0">
+              <a:solidFill>
+                <a:schemeClr val="tx1"/>
+              </a:solidFill>
+            </a:endParaRPr>
+          </a:p>
+          <a:p>
+            <a:r>
+              <a:rPr lang="en-US" altLang="ko-KR" sz="1500" b="1" dirty="0" smtClean="0">
+                <a:solidFill>
+                  <a:schemeClr val="tx1"/>
+                </a:solidFill>
+              </a:rPr>
+              <a:t>2. </a:t>
+            </a:r>
+            <a:r>
+              <a:rPr lang="ko-KR" altLang="en-US" sz="1500" b="1" dirty="0" smtClean="0">
+                <a:solidFill>
+                  <a:schemeClr val="tx1"/>
+                </a:solidFill>
+              </a:rPr>
+              <a:t>자료실</a:t>
+            </a:r>
+            <a:endParaRPr lang="en-US" altLang="ko-KR" sz="1500" b="1" dirty="0" smtClean="0">
+              <a:solidFill>
+                <a:schemeClr val="tx1"/>
+              </a:solidFill>
+            </a:endParaRPr>
+          </a:p>
+          <a:p>
+            <a:r>
+              <a:rPr lang="en-US" altLang="ko-KR" sz="1200" dirty="0">
+                <a:solidFill>
+                  <a:schemeClr val="tx1"/>
+                </a:solidFill>
+              </a:rPr>
+              <a:t> </a:t>
+            </a:r>
+            <a:r>
+              <a:rPr lang="en-US" altLang="ko-KR" sz="1200" dirty="0" smtClean="0">
+                <a:solidFill>
+                  <a:schemeClr val="tx1"/>
+                </a:solidFill>
+              </a:rPr>
+              <a:t>- </a:t>
             </a:r>
             <a:r>
               <a:rPr lang="ko-KR" altLang="en-US" sz="1200" dirty="0" smtClean="0">
@@ -9988,15 +9879,54 @@
                   <a:schemeClr val="tx1"/>
                 </a:solidFill>
               </a:rPr>
+              <a:t>강의 및 </a:t>
+            </a:r>
+            <a:r>
+              <a:rPr lang="ko-KR" altLang="en-US" sz="1200" dirty="0" err="1" smtClean="0">
+                <a:solidFill>
+                  <a:schemeClr val="tx1"/>
+                </a:solidFill>
+              </a:rPr>
+              <a:t>청년지원</a:t>
+            </a:r>
+            <a:r>
+              <a:rPr lang="ko-KR" altLang="en-US" sz="1200" dirty="0" smtClean="0">
+                <a:solidFill>
+                  <a:schemeClr val="tx1"/>
+                </a:solidFill>
+              </a:rPr>
+              <a:t> 관련 자료</a:t>
+            </a:r>
+            <a:endParaRPr lang="en-US" altLang="ko-KR" sz="1200" dirty="0" smtClean="0">
+              <a:solidFill>
+                <a:schemeClr val="tx1"/>
+              </a:solidFill>
+            </a:endParaRPr>
+          </a:p>
+          <a:p>
+            <a:r>
+              <a:rPr lang="en-US" altLang="ko-KR" sz="1200" dirty="0">
+                <a:solidFill>
+                  <a:schemeClr val="tx1"/>
+                </a:solidFill>
+              </a:rPr>
               <a:t> </a:t>
             </a:r>
             <a:r>
+              <a:rPr lang="en-US" altLang="ko-KR" sz="1200" dirty="0" smtClean="0">
+                <a:solidFill>
+                  <a:schemeClr val="tx1"/>
+                </a:solidFill>
+              </a:rPr>
+              <a:t>  </a:t>
+            </a:r>
+            <a:r>
               <a:rPr lang="ko-KR" altLang="en-US" sz="1200" dirty="0" smtClean="0">
                 <a:solidFill>
                   <a:schemeClr val="tx1"/>
                 </a:solidFill>
               </a:rPr>
-              <a:t>기능 구현</a:t>
+              <a:t>첨부파일 기능 구현</a:t>
             </a:r>
             <a:endParaRPr lang="en-US" altLang="ko-KR" sz="1200" dirty="0" smtClean="0">
               <a:solidFill>
@@ -10005,7 +9935,7 @@
             </a:endParaRPr>
           </a:p>
           <a:p>
-            <a:endParaRPr lang="en-US" altLang="ko-KR" sz="1500" dirty="0">
+            <a:endParaRPr lang="en-US" altLang="ko-KR" sz="1500" b="1" dirty="0" smtClean="0">
               <a:solidFill>
                 <a:schemeClr val="tx1"/>
               </a:solidFill>
@@ -10018,21 +9948,8 @@
                   <a:schemeClr val="tx1"/>
                 </a:solidFill>
               </a:rPr>
-              <a:t>2. </a:t>
-            </a:r>
-            <a:r>
-              <a:rPr lang="ko-KR" altLang="en-US" sz="1500" b="1" dirty="0" smtClean="0">
-                <a:solidFill>
-                  <a:schemeClr val="tx1"/>
-                </a:solidFill>
-              </a:rPr>
-              <a:t>자료실</a:t>
-            </a:r>
-            <a:endParaRPr lang="en-US" altLang="ko-KR" sz="1500" b="1" dirty="0" smtClean="0">
-              <a:solidFill>
-                <a:schemeClr val="tx1"/>
-              </a:solidFill>
-            </a:endParaRPr>
+              <a:t>3. Q&amp;A</a:t>
+            </a:r>
           </a:p>
           <a:p>
             <a:r>
@@ -10057,126 +9974,7 @@
                   <a:schemeClr val="tx1"/>
                 </a:solidFill>
               </a:rPr>
-              <a:t>강의 및 </a:t>
-            </a:r>
-            <a:r>
-              <a:rPr lang="ko-KR" altLang="en-US" sz="1200" dirty="0" err="1" smtClean="0">
-                <a:solidFill>
-                  <a:schemeClr val="tx1"/>
-                </a:solidFill>
-              </a:rPr>
-              <a:t>청년지원</a:t>
-            </a:r>
-            <a:r>
-              <a:rPr lang="ko-KR" altLang="en-US" sz="1200" dirty="0" smtClean="0">
-                <a:solidFill>
-                  <a:schemeClr val="tx1"/>
-                </a:solidFill>
-              </a:rPr>
-              <a:t> 관련 자료</a:t>
-            </a:r>
-            <a:endParaRPr lang="en-US" altLang="ko-KR" sz="1200" dirty="0" smtClean="0">
-              <a:solidFill>
-                <a:schemeClr val="tx1"/>
-              </a:solidFill>
-            </a:endParaRPr>
-          </a:p>
-          <a:p>
-            <a:r>
-              <a:rPr lang="en-US" altLang="ko-KR" sz="1200" dirty="0">
-                <a:solidFill>
-                  <a:schemeClr val="tx1"/>
-                </a:solidFill>
-              </a:rPr>
-              <a:t> </a:t>
-            </a:r>
-            <a:r>
-              <a:rPr lang="en-US" altLang="ko-KR" sz="1200" dirty="0" smtClean="0">
-                <a:solidFill>
-                  <a:schemeClr val="tx1"/>
-                </a:solidFill>
-              </a:rPr>
-              <a:t>  </a:t>
-            </a:r>
-            <a:r>
-              <a:rPr lang="ko-KR" altLang="en-US" sz="1200" dirty="0" smtClean="0">
-                <a:solidFill>
-                  <a:schemeClr val="tx1"/>
-                </a:solidFill>
-              </a:rPr>
-              <a:t>첨부파일 기능 구현</a:t>
-            </a:r>
-            <a:endParaRPr lang="en-US" altLang="ko-KR" sz="1200" dirty="0" smtClean="0">
-              <a:solidFill>
-                <a:schemeClr val="tx1"/>
-              </a:solidFill>
-            </a:endParaRPr>
-          </a:p>
-          <a:p>
-            <a:endParaRPr lang="en-US" altLang="ko-KR" sz="1500" b="1" dirty="0" smtClean="0">
-              <a:solidFill>
-                <a:schemeClr val="tx1"/>
-              </a:solidFill>
-            </a:endParaRPr>
-          </a:p>
-          <a:p>
-            <a:r>
-              <a:rPr lang="en-US" altLang="ko-KR" sz="1500" b="1" dirty="0" smtClean="0">
-                <a:solidFill>
-                  <a:schemeClr val="tx1"/>
-                </a:solidFill>
-              </a:rPr>
-              <a:t>3. Q&amp;A</a:t>
-            </a:r>
-          </a:p>
-          <a:p>
-            <a:r>
-              <a:rPr lang="en-US" altLang="ko-KR" sz="1200" dirty="0">
-                <a:solidFill>
-                  <a:schemeClr val="tx1"/>
-                </a:solidFill>
-              </a:rPr>
-              <a:t> </a:t>
-            </a:r>
-            <a:r>
-              <a:rPr lang="en-US" altLang="ko-KR" sz="1200" dirty="0" smtClean="0">
-                <a:solidFill>
-                  <a:schemeClr val="tx1"/>
-                </a:solidFill>
-              </a:rPr>
-              <a:t>- </a:t>
-            </a:r>
-            <a:r>
-              <a:rPr lang="ko-KR" altLang="en-US" sz="1200" dirty="0" smtClean="0">
-                <a:solidFill>
-                  <a:schemeClr val="tx1"/>
-                </a:solidFill>
-              </a:rPr>
-              <a:t>각종 질문 및 </a:t>
-            </a:r>
-            <a:r>
-              <a:rPr lang="ko-KR" altLang="en-US" sz="1200" dirty="0" smtClean="0">
-                <a:solidFill>
-                  <a:schemeClr val="tx1"/>
-                </a:solidFill>
-              </a:rPr>
-              <a:t>댓글</a:t>
-            </a:r>
-            <a:r>
-              <a:rPr lang="ko-KR" altLang="en-US" sz="1200" dirty="0" smtClean="0">
-                <a:solidFill>
-                  <a:schemeClr val="tx1"/>
-                </a:solidFill>
-              </a:rPr>
-              <a:t> </a:t>
-            </a:r>
-            <a:r>
-              <a:rPr lang="ko-KR" altLang="en-US" sz="1200" dirty="0" smtClean="0">
-                <a:solidFill>
-                  <a:schemeClr val="tx1"/>
-                </a:solidFill>
-              </a:rPr>
-              <a:t>기능 구현</a:t>
+              <a:t>각종 질문 및 댓글 기능 구현</a:t>
             </a:r>
             <a:endParaRPr lang="en-US" altLang="ko-KR" sz="1200" dirty="0" smtClean="0">
               <a:solidFill>
@@ -10466,7 +10264,6 @@
               <a:rPr lang="en-US" altLang="ko-KR" sz="1500" dirty="0" smtClean="0"/>
               <a:t>F A Q</a:t>
             </a:r>
-            <a:endParaRPr lang="en-US" altLang="ko-KR" sz="1500" dirty="0" smtClean="0"/>
           </a:p>
         </p:txBody>
       </p:sp>
@@ -11061,13 +10858,8 @@
             </a:r>
             <a:r>
               <a:rPr lang="en-US" altLang="ko-KR" sz="3000" dirty="0" smtClean="0"/>
-              <a:t>(My </a:t>
-            </a:r>
-            <a:r>
-              <a:rPr lang="en-US" altLang="ko-KR" sz="3000" dirty="0" smtClean="0"/>
-              <a:t>Page 1 / 4)</a:t>
-            </a:r>
-            <a:endParaRPr lang="en-US" altLang="ko-KR" sz="3000" dirty="0" smtClean="0"/>
+              <a:t>(My Page 1 / 4)</a:t>
+            </a:r>
           </a:p>
         </p:txBody>
       </p:sp>
@@ -12648,13 +12440,8 @@
             </a:r>
             <a:r>
               <a:rPr lang="en-US" altLang="ko-KR" sz="3000" dirty="0" smtClean="0"/>
-              <a:t>(My </a:t>
-            </a:r>
-            <a:r>
-              <a:rPr lang="en-US" altLang="ko-KR" sz="3000" dirty="0" smtClean="0"/>
-              <a:t>Page 2 / 4)</a:t>
-            </a:r>
-            <a:endParaRPr lang="en-US" altLang="ko-KR" sz="3000" dirty="0" smtClean="0"/>
+              <a:t>(My Page 2 / 4)</a:t>
+            </a:r>
           </a:p>
         </p:txBody>
       </p:sp>
@@ -14231,13 +14018,8 @@
             </a:r>
             <a:r>
               <a:rPr lang="en-US" altLang="ko-KR" sz="3000" dirty="0" smtClean="0"/>
-              <a:t>(My </a:t>
-            </a:r>
-            <a:r>
-              <a:rPr lang="en-US" altLang="ko-KR" sz="3000" dirty="0" smtClean="0"/>
-              <a:t>Page 3 / 4)</a:t>
-            </a:r>
-            <a:endParaRPr lang="en-US" altLang="ko-KR" sz="3000" dirty="0" smtClean="0"/>
+              <a:t>(My Page 3 / 4)</a:t>
+            </a:r>
           </a:p>
         </p:txBody>
       </p:sp>
@@ -15958,13 +15740,8 @@
             </a:r>
             <a:r>
               <a:rPr lang="en-US" altLang="ko-KR" sz="3000" dirty="0" smtClean="0"/>
-              <a:t>(My </a:t>
-            </a:r>
-            <a:r>
-              <a:rPr lang="en-US" altLang="ko-KR" sz="3000" dirty="0" smtClean="0"/>
-              <a:t>Page 4 / 4)</a:t>
-            </a:r>
-            <a:endParaRPr lang="en-US" altLang="ko-KR" sz="3000" dirty="0" smtClean="0"/>
+              <a:t>(My Page 4 / 4)</a:t>
+            </a:r>
           </a:p>
         </p:txBody>
       </p:sp>
@@ -17875,13 +17652,8 @@
             </a:r>
             <a:r>
               <a:rPr lang="en-US" altLang="ko-KR" sz="3000" dirty="0" smtClean="0"/>
-              <a:t>(Edu Page </a:t>
-            </a:r>
-            <a:r>
-              <a:rPr lang="en-US" altLang="ko-KR" sz="3000" dirty="0" smtClean="0"/>
-              <a:t>1 / 5)</a:t>
-            </a:r>
-            <a:endParaRPr lang="en-US" altLang="ko-KR" sz="3000" dirty="0" smtClean="0"/>
+              <a:t>(Edu Page 1 / 5)</a:t>
+            </a:r>
           </a:p>
         </p:txBody>
       </p:sp>
@@ -20002,13 +19774,8 @@
             </a:r>
             <a:r>
               <a:rPr lang="en-US" altLang="ko-KR" sz="3000" dirty="0" smtClean="0"/>
-              <a:t>(Edu Page </a:t>
-            </a:r>
-            <a:r>
-              <a:rPr lang="en-US" altLang="ko-KR" sz="3000" dirty="0" smtClean="0"/>
-              <a:t>2 / 5)</a:t>
-            </a:r>
-            <a:endParaRPr lang="en-US" altLang="ko-KR" sz="3000" dirty="0" smtClean="0"/>
+              <a:t>(Edu Page 2 / 5)</a:t>
+            </a:r>
           </a:p>
         </p:txBody>
       </p:sp>
@@ -21850,13 +21617,8 @@
             </a:r>
             <a:r>
               <a:rPr lang="en-US" altLang="ko-KR" sz="3000" dirty="0" smtClean="0"/>
-              <a:t>(Edu Page </a:t>
-            </a:r>
-            <a:r>
-              <a:rPr lang="en-US" altLang="ko-KR" sz="3000" dirty="0" smtClean="0"/>
-              <a:t>3 / 5)</a:t>
-            </a:r>
-            <a:endParaRPr lang="en-US" altLang="ko-KR" sz="3000" dirty="0" smtClean="0"/>
+              <a:t>(Edu Page 3 / 5)</a:t>
+            </a:r>
           </a:p>
         </p:txBody>
       </p:sp>
@@ -23698,13 +23460,8 @@
             </a:r>
             <a:r>
               <a:rPr lang="en-US" altLang="ko-KR" sz="3000" dirty="0" smtClean="0"/>
-              <a:t>(Edu Page </a:t>
-            </a:r>
-            <a:r>
-              <a:rPr lang="en-US" altLang="ko-KR" sz="3000" dirty="0" smtClean="0"/>
-              <a:t>4 / 5)</a:t>
-            </a:r>
-            <a:endParaRPr lang="en-US" altLang="ko-KR" sz="3000" dirty="0" smtClean="0"/>
+              <a:t>(Edu Page 4 / 5)</a:t>
+            </a:r>
           </a:p>
         </p:txBody>
       </p:sp>
@@ -25470,13 +25227,8 @@
             </a:r>
             <a:r>
               <a:rPr lang="en-US" altLang="ko-KR" sz="3000" dirty="0" smtClean="0"/>
-              <a:t>(Edu Page </a:t>
-            </a:r>
-            <a:r>
-              <a:rPr lang="en-US" altLang="ko-KR" sz="3000" dirty="0" smtClean="0"/>
-              <a:t>5 / 5)</a:t>
-            </a:r>
-            <a:endParaRPr lang="en-US" altLang="ko-KR" sz="3000" dirty="0" smtClean="0"/>
+              <a:t>(Edu Page 5 / 5)</a:t>
+            </a:r>
           </a:p>
         </p:txBody>
       </p:sp>
@@ -27404,17 +27156,8 @@
             </a:r>
             <a:r>
               <a:rPr lang="en-US" altLang="ko-KR" sz="3000" dirty="0" smtClean="0"/>
-              <a:t>(Manager </a:t>
-            </a:r>
-            <a:r>
-              <a:rPr lang="en-US" altLang="ko-KR" sz="3000" dirty="0" smtClean="0"/>
-              <a:t>1 / 4</a:t>
-            </a:r>
-            <a:r>
-              <a:rPr lang="en-US" altLang="ko-KR" sz="3000" dirty="0" smtClean="0"/>
-              <a:t>)</a:t>
-            </a:r>
-            <a:endParaRPr lang="en-US" altLang="ko-KR" sz="3000" dirty="0" smtClean="0"/>
+              <a:t>(Manager 1 / 4)</a:t>
+            </a:r>
           </a:p>
         </p:txBody>
       </p:sp>
@@ -28237,15 +27980,7 @@
                   <a:schemeClr val="tx1"/>
                 </a:solidFill>
               </a:rPr>
-              <a:t>그룹 </a:t>
-            </a:r>
-            <a:r>
-              <a:rPr lang="ko-KR" altLang="en-US" sz="1200" dirty="0" smtClean="0">
-                <a:solidFill>
-                  <a:schemeClr val="tx1"/>
-                </a:solidFill>
-              </a:rPr>
-              <a:t>수강 기능</a:t>
+              <a:t>그룹 수강 기능</a:t>
             </a:r>
             <a:r>
               <a:rPr lang="en-US" altLang="ko-KR" sz="1200" dirty="0" smtClean="0">
@@ -29069,11 +28804,7 @@
           <a:p>
             <a:r>
               <a:rPr lang="ko-KR" altLang="en-US" sz="1500" dirty="0" smtClean="0"/>
-              <a:t>권한 </a:t>
-            </a:r>
-            <a:r>
-              <a:rPr lang="ko-KR" altLang="en-US" sz="1500" dirty="0" smtClean="0"/>
-              <a:t>관리</a:t>
+              <a:t>권한 관리</a:t>
             </a:r>
             <a:r>
               <a:rPr lang="en-US" altLang="ko-KR" sz="1500" dirty="0" smtClean="0"/>
@@ -29087,7 +28818,6 @@
               <a:rPr lang="en-US" altLang="ko-KR" sz="1500" dirty="0" smtClean="0"/>
               <a:t>)</a:t>
             </a:r>
-            <a:endParaRPr lang="en-US" altLang="ko-KR" sz="1500" dirty="0" smtClean="0"/>
           </a:p>
         </p:txBody>
       </p:sp>
@@ -29594,13 +29324,8 @@
             </a:r>
             <a:r>
               <a:rPr lang="en-US" altLang="ko-KR" sz="3000" dirty="0" smtClean="0"/>
-              <a:t>(Manager </a:t>
-            </a:r>
-            <a:r>
-              <a:rPr lang="en-US" altLang="ko-KR" sz="3000" dirty="0" smtClean="0"/>
-              <a:t>2 / 4)</a:t>
-            </a:r>
-            <a:endParaRPr lang="en-US" altLang="ko-KR" sz="3000" dirty="0" smtClean="0"/>
+              <a:t>(Manager 2 / 4)</a:t>
+            </a:r>
           </a:p>
         </p:txBody>
       </p:sp>
@@ -30423,15 +30148,7 @@
                   <a:schemeClr val="tx1"/>
                 </a:solidFill>
               </a:rPr>
-              <a:t>그룹 </a:t>
-            </a:r>
-            <a:r>
-              <a:rPr lang="ko-KR" altLang="en-US" sz="1200" dirty="0" smtClean="0">
-                <a:solidFill>
-                  <a:schemeClr val="tx1"/>
-                </a:solidFill>
-              </a:rPr>
-              <a:t>수강 기능</a:t>
+              <a:t>그룹 수강 기능</a:t>
             </a:r>
             <a:r>
               <a:rPr lang="en-US" altLang="ko-KR" sz="1200" dirty="0" smtClean="0">
@@ -31851,13 +31568,8 @@
             </a:r>
             <a:r>
               <a:rPr lang="en-US" altLang="ko-KR" sz="3000" dirty="0" smtClean="0"/>
-              <a:t>(Manager </a:t>
-            </a:r>
-            <a:r>
-              <a:rPr lang="en-US" altLang="ko-KR" sz="3000" dirty="0" smtClean="0"/>
-              <a:t>3 / 4)</a:t>
-            </a:r>
-            <a:endParaRPr lang="en-US" altLang="ko-KR" sz="3000" dirty="0" smtClean="0"/>
+              <a:t>(Manager 3 / 4)</a:t>
+            </a:r>
           </a:p>
         </p:txBody>
       </p:sp>
@@ -32680,15 +32392,7 @@
                   <a:schemeClr val="tx1"/>
                 </a:solidFill>
               </a:rPr>
-              <a:t>그룹 </a:t>
-            </a:r>
-            <a:r>
-              <a:rPr lang="ko-KR" altLang="en-US" sz="1200" dirty="0" smtClean="0">
-                <a:solidFill>
-                  <a:schemeClr val="tx1"/>
-                </a:solidFill>
-              </a:rPr>
-              <a:t>수강 기능</a:t>
+              <a:t>그룹 수강 기능</a:t>
             </a:r>
             <a:r>
               <a:rPr lang="en-US" altLang="ko-KR" sz="1200" dirty="0" smtClean="0">
@@ -34153,13 +33857,8 @@
             </a:r>
             <a:r>
               <a:rPr lang="en-US" altLang="ko-KR" sz="3000" dirty="0" smtClean="0"/>
-              <a:t>(Manager </a:t>
-            </a:r>
-            <a:r>
-              <a:rPr lang="en-US" altLang="ko-KR" sz="3000" dirty="0" smtClean="0"/>
-              <a:t>4 / 4)</a:t>
-            </a:r>
-            <a:endParaRPr lang="en-US" altLang="ko-KR" sz="3000" dirty="0" smtClean="0"/>
+              <a:t>(Manager 4 / 4)</a:t>
+            </a:r>
           </a:p>
         </p:txBody>
       </p:sp>
@@ -34982,15 +34681,7 @@
                   <a:schemeClr val="tx1"/>
                 </a:solidFill>
               </a:rPr>
-              <a:t>그룹 </a:t>
-            </a:r>
-            <a:r>
-              <a:rPr lang="ko-KR" altLang="en-US" sz="1200" dirty="0" smtClean="0">
-                <a:solidFill>
-                  <a:schemeClr val="tx1"/>
-                </a:solidFill>
-              </a:rPr>
-              <a:t>수강 기능</a:t>
+              <a:t>그룹 수강 기능</a:t>
             </a:r>
             <a:r>
               <a:rPr lang="en-US" altLang="ko-KR" sz="1200" dirty="0" smtClean="0">
@@ -37292,15 +36983,7 @@
                   <a:schemeClr val="tx1"/>
                 </a:solidFill>
               </a:rPr>
-              <a:t>각 </a:t>
-            </a:r>
-            <a:r>
-              <a:rPr lang="ko-KR" altLang="en-US" sz="1200" dirty="0" smtClean="0">
-                <a:solidFill>
-                  <a:schemeClr val="tx1"/>
-                </a:solidFill>
-              </a:rPr>
-              <a:t>항목 클릭 시 </a:t>
+              <a:t>각 항목 클릭 시 </a:t>
             </a:r>
             <a:r>
               <a:rPr lang="en-US" altLang="ko-KR" sz="1200" dirty="0" smtClean="0">
@@ -38666,7 +38349,6 @@
               <a:rPr lang="en-US" altLang="ko-KR" sz="3000" dirty="0" smtClean="0"/>
               <a:t>ERD</a:t>
             </a:r>
-            <a:endParaRPr lang="en-US" altLang="ko-KR" sz="3000" dirty="0" smtClean="0"/>
           </a:p>
         </p:txBody>
       </p:sp>
@@ -38762,2410 +38444,36 @@
       </p:sp>
       <p:grpSp>
         <p:nvGrpSpPr>
-          <p:cNvPr id="263" name="그룹 262"/>
+          <p:cNvPr id="104" name="그룹 103"/>
           <p:cNvGrpSpPr/>
           <p:nvPr/>
         </p:nvGrpSpPr>
         <p:grpSpPr>
           <a:xfrm>
-            <a:off x="551042" y="832570"/>
-            <a:ext cx="11113702" cy="5770393"/>
-            <a:chOff x="170042" y="756370"/>
-            <a:chExt cx="11113702" cy="5770393"/>
+            <a:off x="802511" y="3477172"/>
+            <a:ext cx="761747" cy="1083788"/>
+            <a:chOff x="311374" y="1401700"/>
+            <a:chExt cx="1605068" cy="2283640"/>
           </a:xfrm>
         </p:grpSpPr>
-        <p:grpSp>
-          <p:nvGrpSpPr>
-            <p:cNvPr id="104" name="그룹 103"/>
-            <p:cNvGrpSpPr/>
-            <p:nvPr/>
-          </p:nvGrpSpPr>
-          <p:grpSpPr>
-            <a:xfrm>
-              <a:off x="4428829" y="3150744"/>
-              <a:ext cx="761747" cy="1083788"/>
-              <a:chOff x="311374" y="1401700"/>
-              <a:chExt cx="1605068" cy="2283640"/>
-            </a:xfrm>
-          </p:grpSpPr>
-          <p:sp>
-            <p:nvSpPr>
-              <p:cNvPr id="105" name="타원 104"/>
-              <p:cNvSpPr/>
-              <p:nvPr/>
-            </p:nvSpPr>
-            <p:spPr>
-              <a:xfrm>
-                <a:off x="914401" y="1401700"/>
-                <a:ext cx="399011" cy="399011"/>
-              </a:xfrm>
-              <a:prstGeom prst="ellipse">
-                <a:avLst/>
-              </a:prstGeom>
-              <a:solidFill>
-                <a:srgbClr val="00B0F0"/>
-              </a:solidFill>
-              <a:ln w="25400">
-                <a:solidFill>
-                  <a:schemeClr val="tx1"/>
-                </a:solidFill>
-              </a:ln>
-            </p:spPr>
-            <p:style>
-              <a:lnRef idx="2">
-                <a:schemeClr val="accent1">
-                  <a:shade val="50000"/>
-                </a:schemeClr>
-              </a:lnRef>
-              <a:fillRef idx="1">
-                <a:schemeClr val="accent1"/>
-              </a:fillRef>
-              <a:effectRef idx="0">
-                <a:schemeClr val="accent1"/>
-              </a:effectRef>
-              <a:fontRef idx="minor">
-                <a:schemeClr val="lt1"/>
-              </a:fontRef>
-            </p:style>
-            <p:txBody>
-              <a:bodyPr rtlCol="0" anchor="ctr"/>
-              <a:lstStyle/>
-              <a:p>
-                <a:pPr algn="ctr"/>
-                <a:endParaRPr lang="ko-KR" altLang="en-US"/>
-              </a:p>
-            </p:txBody>
-          </p:sp>
-          <p:cxnSp>
-            <p:nvCxnSpPr>
-              <p:cNvPr id="106" name="직선 연결선 105"/>
-              <p:cNvCxnSpPr/>
-              <p:nvPr/>
-            </p:nvCxnSpPr>
-            <p:spPr>
-              <a:xfrm>
-                <a:off x="698270" y="1942027"/>
-                <a:ext cx="831272" cy="0"/>
-              </a:xfrm>
-              <a:prstGeom prst="line">
-                <a:avLst/>
-              </a:prstGeom>
-              <a:ln w="25400">
-                <a:solidFill>
-                  <a:schemeClr val="tx1"/>
-                </a:solidFill>
-              </a:ln>
-            </p:spPr>
-            <p:style>
-              <a:lnRef idx="1">
-                <a:schemeClr val="accent1"/>
-              </a:lnRef>
-              <a:fillRef idx="0">
-                <a:schemeClr val="accent1"/>
-              </a:fillRef>
-              <a:effectRef idx="0">
-                <a:schemeClr val="accent1"/>
-              </a:effectRef>
-              <a:fontRef idx="minor">
-                <a:schemeClr val="tx1"/>
-              </a:fontRef>
-            </p:style>
-          </p:cxnSp>
-          <p:cxnSp>
-            <p:nvCxnSpPr>
-              <p:cNvPr id="107" name="직선 연결선 106"/>
-              <p:cNvCxnSpPr>
-                <a:stCxn id="105" idx="4"/>
-              </p:cNvCxnSpPr>
-              <p:nvPr/>
-            </p:nvCxnSpPr>
-            <p:spPr>
-              <a:xfrm flipH="1">
-                <a:off x="1113906" y="1800711"/>
-                <a:ext cx="1" cy="651540"/>
-              </a:xfrm>
-              <a:prstGeom prst="line">
-                <a:avLst/>
-              </a:prstGeom>
-              <a:ln w="25400">
-                <a:solidFill>
-                  <a:schemeClr val="tx1"/>
-                </a:solidFill>
-              </a:ln>
-            </p:spPr>
-            <p:style>
-              <a:lnRef idx="1">
-                <a:schemeClr val="accent1"/>
-              </a:lnRef>
-              <a:fillRef idx="0">
-                <a:schemeClr val="accent1"/>
-              </a:fillRef>
-              <a:effectRef idx="0">
-                <a:schemeClr val="accent1"/>
-              </a:effectRef>
-              <a:fontRef idx="minor">
-                <a:schemeClr val="tx1"/>
-              </a:fontRef>
-            </p:style>
-          </p:cxnSp>
-          <p:cxnSp>
-            <p:nvCxnSpPr>
-              <p:cNvPr id="108" name="직선 연결선 107"/>
-              <p:cNvCxnSpPr/>
-              <p:nvPr/>
-            </p:nvCxnSpPr>
-            <p:spPr>
-              <a:xfrm flipH="1">
-                <a:off x="698270" y="2452251"/>
-                <a:ext cx="415636" cy="415636"/>
-              </a:xfrm>
-              <a:prstGeom prst="line">
-                <a:avLst/>
-              </a:prstGeom>
-              <a:ln w="25400">
-                <a:solidFill>
-                  <a:schemeClr val="tx1"/>
-                </a:solidFill>
-              </a:ln>
-            </p:spPr>
-            <p:style>
-              <a:lnRef idx="1">
-                <a:schemeClr val="accent1"/>
-              </a:lnRef>
-              <a:fillRef idx="0">
-                <a:schemeClr val="accent1"/>
-              </a:fillRef>
-              <a:effectRef idx="0">
-                <a:schemeClr val="accent1"/>
-              </a:effectRef>
-              <a:fontRef idx="minor">
-                <a:schemeClr val="tx1"/>
-              </a:fontRef>
-            </p:style>
-          </p:cxnSp>
-          <p:cxnSp>
-            <p:nvCxnSpPr>
-              <p:cNvPr id="109" name="직선 연결선 108"/>
-              <p:cNvCxnSpPr/>
-              <p:nvPr/>
-            </p:nvCxnSpPr>
-            <p:spPr>
-              <a:xfrm>
-                <a:off x="1113906" y="2452251"/>
-                <a:ext cx="415636" cy="415636"/>
-              </a:xfrm>
-              <a:prstGeom prst="line">
-                <a:avLst/>
-              </a:prstGeom>
-              <a:ln w="25400">
-                <a:solidFill>
-                  <a:schemeClr val="tx1"/>
-                </a:solidFill>
-              </a:ln>
-            </p:spPr>
-            <p:style>
-              <a:lnRef idx="1">
-                <a:schemeClr val="accent1"/>
-              </a:lnRef>
-              <a:fillRef idx="0">
-                <a:schemeClr val="accent1"/>
-              </a:fillRef>
-              <a:effectRef idx="0">
-                <a:schemeClr val="accent1"/>
-              </a:effectRef>
-              <a:fontRef idx="minor">
-                <a:schemeClr val="tx1"/>
-              </a:fontRef>
-            </p:style>
-          </p:cxnSp>
-          <p:sp>
-            <p:nvSpPr>
-              <p:cNvPr id="110" name="TextBox 109"/>
-              <p:cNvSpPr txBox="1"/>
-              <p:nvPr/>
-            </p:nvSpPr>
-            <p:spPr>
-              <a:xfrm>
-                <a:off x="311374" y="3004402"/>
-                <a:ext cx="1605068" cy="680938"/>
-              </a:xfrm>
-              <a:prstGeom prst="rect">
-                <a:avLst/>
-              </a:prstGeom>
-              <a:solidFill>
-                <a:srgbClr val="00B0F0"/>
-              </a:solidFill>
-              <a:ln w="25400">
-                <a:noFill/>
-              </a:ln>
-            </p:spPr>
-            <p:txBody>
-              <a:bodyPr wrap="none" rtlCol="0">
-                <a:spAutoFit/>
-              </a:bodyPr>
-              <a:lstStyle/>
-              <a:p>
-                <a:pPr algn="ctr"/>
-                <a:r>
-                  <a:rPr lang="ko-KR" altLang="en-US" sz="1500" dirty="0" smtClean="0">
-                    <a:solidFill>
-                      <a:schemeClr val="bg1"/>
-                    </a:solidFill>
-                  </a:rPr>
-                  <a:t>교육생</a:t>
-                </a:r>
-                <a:endParaRPr lang="en-US" altLang="ko-KR" sz="1500" dirty="0" smtClean="0">
-                  <a:solidFill>
-                    <a:schemeClr val="bg1"/>
-                  </a:solidFill>
-                </a:endParaRPr>
-              </a:p>
-            </p:txBody>
-          </p:sp>
-        </p:grpSp>
-        <p:grpSp>
-          <p:nvGrpSpPr>
-            <p:cNvPr id="111" name="그룹 110"/>
-            <p:cNvGrpSpPr/>
-            <p:nvPr/>
-          </p:nvGrpSpPr>
-          <p:grpSpPr>
-            <a:xfrm>
-              <a:off x="1674722" y="1893934"/>
-              <a:ext cx="761747" cy="1083788"/>
-              <a:chOff x="311373" y="1401700"/>
-              <a:chExt cx="1605068" cy="2283640"/>
-            </a:xfrm>
-          </p:grpSpPr>
-          <p:sp>
-            <p:nvSpPr>
-              <p:cNvPr id="112" name="타원 111"/>
-              <p:cNvSpPr/>
-              <p:nvPr/>
-            </p:nvSpPr>
-            <p:spPr>
-              <a:xfrm>
-                <a:off x="914401" y="1401700"/>
-                <a:ext cx="399011" cy="399011"/>
-              </a:xfrm>
-              <a:prstGeom prst="ellipse">
-                <a:avLst/>
-              </a:prstGeom>
-              <a:solidFill>
-                <a:srgbClr val="00B0F0"/>
-              </a:solidFill>
-              <a:ln w="25400">
-                <a:solidFill>
-                  <a:schemeClr val="tx1"/>
-                </a:solidFill>
-              </a:ln>
-            </p:spPr>
-            <p:style>
-              <a:lnRef idx="2">
-                <a:schemeClr val="accent1">
-                  <a:shade val="50000"/>
-                </a:schemeClr>
-              </a:lnRef>
-              <a:fillRef idx="1">
-                <a:schemeClr val="accent1"/>
-              </a:fillRef>
-              <a:effectRef idx="0">
-                <a:schemeClr val="accent1"/>
-              </a:effectRef>
-              <a:fontRef idx="minor">
-                <a:schemeClr val="lt1"/>
-              </a:fontRef>
-            </p:style>
-            <p:txBody>
-              <a:bodyPr rtlCol="0" anchor="ctr"/>
-              <a:lstStyle/>
-              <a:p>
-                <a:pPr algn="ctr"/>
-                <a:endParaRPr lang="ko-KR" altLang="en-US"/>
-              </a:p>
-            </p:txBody>
-          </p:sp>
-          <p:cxnSp>
-            <p:nvCxnSpPr>
-              <p:cNvPr id="113" name="직선 연결선 112"/>
-              <p:cNvCxnSpPr/>
-              <p:nvPr/>
-            </p:nvCxnSpPr>
-            <p:spPr>
-              <a:xfrm>
-                <a:off x="698270" y="1942027"/>
-                <a:ext cx="831272" cy="0"/>
-              </a:xfrm>
-              <a:prstGeom prst="line">
-                <a:avLst/>
-              </a:prstGeom>
-              <a:ln w="25400">
-                <a:solidFill>
-                  <a:schemeClr val="tx1"/>
-                </a:solidFill>
-              </a:ln>
-            </p:spPr>
-            <p:style>
-              <a:lnRef idx="1">
-                <a:schemeClr val="accent1"/>
-              </a:lnRef>
-              <a:fillRef idx="0">
-                <a:schemeClr val="accent1"/>
-              </a:fillRef>
-              <a:effectRef idx="0">
-                <a:schemeClr val="accent1"/>
-              </a:effectRef>
-              <a:fontRef idx="minor">
-                <a:schemeClr val="tx1"/>
-              </a:fontRef>
-            </p:style>
-          </p:cxnSp>
-          <p:cxnSp>
-            <p:nvCxnSpPr>
-              <p:cNvPr id="114" name="직선 연결선 113"/>
-              <p:cNvCxnSpPr>
-                <a:stCxn id="112" idx="4"/>
-              </p:cNvCxnSpPr>
-              <p:nvPr/>
-            </p:nvCxnSpPr>
-            <p:spPr>
-              <a:xfrm flipH="1">
-                <a:off x="1113906" y="1800711"/>
-                <a:ext cx="1" cy="651540"/>
-              </a:xfrm>
-              <a:prstGeom prst="line">
-                <a:avLst/>
-              </a:prstGeom>
-              <a:ln w="25400">
-                <a:solidFill>
-                  <a:schemeClr val="tx1"/>
-                </a:solidFill>
-              </a:ln>
-            </p:spPr>
-            <p:style>
-              <a:lnRef idx="1">
-                <a:schemeClr val="accent1"/>
-              </a:lnRef>
-              <a:fillRef idx="0">
-                <a:schemeClr val="accent1"/>
-              </a:fillRef>
-              <a:effectRef idx="0">
-                <a:schemeClr val="accent1"/>
-              </a:effectRef>
-              <a:fontRef idx="minor">
-                <a:schemeClr val="tx1"/>
-              </a:fontRef>
-            </p:style>
-          </p:cxnSp>
-          <p:cxnSp>
-            <p:nvCxnSpPr>
-              <p:cNvPr id="115" name="직선 연결선 114"/>
-              <p:cNvCxnSpPr/>
-              <p:nvPr/>
-            </p:nvCxnSpPr>
-            <p:spPr>
-              <a:xfrm flipH="1">
-                <a:off x="698270" y="2452251"/>
-                <a:ext cx="415636" cy="415636"/>
-              </a:xfrm>
-              <a:prstGeom prst="line">
-                <a:avLst/>
-              </a:prstGeom>
-              <a:ln w="25400">
-                <a:solidFill>
-                  <a:schemeClr val="tx1"/>
-                </a:solidFill>
-              </a:ln>
-            </p:spPr>
-            <p:style>
-              <a:lnRef idx="1">
-                <a:schemeClr val="accent1"/>
-              </a:lnRef>
-              <a:fillRef idx="0">
-                <a:schemeClr val="accent1"/>
-              </a:fillRef>
-              <a:effectRef idx="0">
-                <a:schemeClr val="accent1"/>
-              </a:effectRef>
-              <a:fontRef idx="minor">
-                <a:schemeClr val="tx1"/>
-              </a:fontRef>
-            </p:style>
-          </p:cxnSp>
-          <p:cxnSp>
-            <p:nvCxnSpPr>
-              <p:cNvPr id="116" name="직선 연결선 115"/>
-              <p:cNvCxnSpPr/>
-              <p:nvPr/>
-            </p:nvCxnSpPr>
-            <p:spPr>
-              <a:xfrm>
-                <a:off x="1113906" y="2452251"/>
-                <a:ext cx="415636" cy="415636"/>
-              </a:xfrm>
-              <a:prstGeom prst="line">
-                <a:avLst/>
-              </a:prstGeom>
-              <a:ln w="25400">
-                <a:solidFill>
-                  <a:schemeClr val="tx1"/>
-                </a:solidFill>
-              </a:ln>
-            </p:spPr>
-            <p:style>
-              <a:lnRef idx="1">
-                <a:schemeClr val="accent1"/>
-              </a:lnRef>
-              <a:fillRef idx="0">
-                <a:schemeClr val="accent1"/>
-              </a:fillRef>
-              <a:effectRef idx="0">
-                <a:schemeClr val="accent1"/>
-              </a:effectRef>
-              <a:fontRef idx="minor">
-                <a:schemeClr val="tx1"/>
-              </a:fontRef>
-            </p:style>
-          </p:cxnSp>
-          <p:sp>
-            <p:nvSpPr>
-              <p:cNvPr id="117" name="TextBox 116"/>
-              <p:cNvSpPr txBox="1"/>
-              <p:nvPr/>
-            </p:nvSpPr>
-            <p:spPr>
-              <a:xfrm>
-                <a:off x="311373" y="3004402"/>
-                <a:ext cx="1605068" cy="680938"/>
-              </a:xfrm>
-              <a:prstGeom prst="rect">
-                <a:avLst/>
-              </a:prstGeom>
-              <a:solidFill>
-                <a:srgbClr val="00B0F0"/>
-              </a:solidFill>
-              <a:ln w="25400">
-                <a:noFill/>
-              </a:ln>
-            </p:spPr>
-            <p:txBody>
-              <a:bodyPr wrap="none" rtlCol="0">
-                <a:spAutoFit/>
-              </a:bodyPr>
-              <a:lstStyle/>
-              <a:p>
-                <a:pPr algn="ctr"/>
-                <a:r>
-                  <a:rPr lang="ko-KR" altLang="en-US" sz="1500" dirty="0" smtClean="0">
-                    <a:solidFill>
-                      <a:schemeClr val="bg1"/>
-                    </a:solidFill>
-                  </a:rPr>
-                  <a:t>사용자</a:t>
-                </a:r>
-                <a:endParaRPr lang="en-US" altLang="ko-KR" sz="1500" dirty="0" smtClean="0">
-                  <a:solidFill>
-                    <a:schemeClr val="bg1"/>
-                  </a:solidFill>
-                </a:endParaRPr>
-              </a:p>
-            </p:txBody>
-          </p:sp>
-        </p:grpSp>
-        <p:grpSp>
-          <p:nvGrpSpPr>
-            <p:cNvPr id="118" name="그룹 117"/>
-            <p:cNvGrpSpPr/>
-            <p:nvPr/>
-          </p:nvGrpSpPr>
-          <p:grpSpPr>
-            <a:xfrm>
-              <a:off x="737832" y="5081235"/>
-              <a:ext cx="1213794" cy="1083788"/>
-              <a:chOff x="-164878" y="1401700"/>
-              <a:chExt cx="2557573" cy="2283640"/>
-            </a:xfrm>
-          </p:grpSpPr>
-          <p:sp>
-            <p:nvSpPr>
-              <p:cNvPr id="119" name="타원 118"/>
-              <p:cNvSpPr/>
-              <p:nvPr/>
-            </p:nvSpPr>
-            <p:spPr>
-              <a:xfrm>
-                <a:off x="914401" y="1401700"/>
-                <a:ext cx="399011" cy="399011"/>
-              </a:xfrm>
-              <a:prstGeom prst="ellipse">
-                <a:avLst/>
-              </a:prstGeom>
-              <a:solidFill>
-                <a:srgbClr val="00B0F0"/>
-              </a:solidFill>
-              <a:ln w="25400">
-                <a:solidFill>
-                  <a:schemeClr val="tx1"/>
-                </a:solidFill>
-              </a:ln>
-            </p:spPr>
-            <p:style>
-              <a:lnRef idx="2">
-                <a:schemeClr val="accent1">
-                  <a:shade val="50000"/>
-                </a:schemeClr>
-              </a:lnRef>
-              <a:fillRef idx="1">
-                <a:schemeClr val="accent1"/>
-              </a:fillRef>
-              <a:effectRef idx="0">
-                <a:schemeClr val="accent1"/>
-              </a:effectRef>
-              <a:fontRef idx="minor">
-                <a:schemeClr val="lt1"/>
-              </a:fontRef>
-            </p:style>
-            <p:txBody>
-              <a:bodyPr rtlCol="0" anchor="ctr"/>
-              <a:lstStyle/>
-              <a:p>
-                <a:pPr algn="ctr"/>
-                <a:endParaRPr lang="ko-KR" altLang="en-US"/>
-              </a:p>
-            </p:txBody>
-          </p:sp>
-          <p:cxnSp>
-            <p:nvCxnSpPr>
-              <p:cNvPr id="120" name="직선 연결선 119"/>
-              <p:cNvCxnSpPr/>
-              <p:nvPr/>
-            </p:nvCxnSpPr>
-            <p:spPr>
-              <a:xfrm>
-                <a:off x="698270" y="1942027"/>
-                <a:ext cx="831272" cy="0"/>
-              </a:xfrm>
-              <a:prstGeom prst="line">
-                <a:avLst/>
-              </a:prstGeom>
-              <a:ln w="25400">
-                <a:solidFill>
-                  <a:schemeClr val="tx1"/>
-                </a:solidFill>
-              </a:ln>
-            </p:spPr>
-            <p:style>
-              <a:lnRef idx="1">
-                <a:schemeClr val="accent1"/>
-              </a:lnRef>
-              <a:fillRef idx="0">
-                <a:schemeClr val="accent1"/>
-              </a:fillRef>
-              <a:effectRef idx="0">
-                <a:schemeClr val="accent1"/>
-              </a:effectRef>
-              <a:fontRef idx="minor">
-                <a:schemeClr val="tx1"/>
-              </a:fontRef>
-            </p:style>
-          </p:cxnSp>
-          <p:cxnSp>
-            <p:nvCxnSpPr>
-              <p:cNvPr id="121" name="직선 연결선 120"/>
-              <p:cNvCxnSpPr>
-                <a:stCxn id="119" idx="4"/>
-              </p:cNvCxnSpPr>
-              <p:nvPr/>
-            </p:nvCxnSpPr>
-            <p:spPr>
-              <a:xfrm flipH="1">
-                <a:off x="1113906" y="1800711"/>
-                <a:ext cx="1" cy="651540"/>
-              </a:xfrm>
-              <a:prstGeom prst="line">
-                <a:avLst/>
-              </a:prstGeom>
-              <a:ln w="25400">
-                <a:solidFill>
-                  <a:schemeClr val="tx1"/>
-                </a:solidFill>
-              </a:ln>
-            </p:spPr>
-            <p:style>
-              <a:lnRef idx="1">
-                <a:schemeClr val="accent1"/>
-              </a:lnRef>
-              <a:fillRef idx="0">
-                <a:schemeClr val="accent1"/>
-              </a:fillRef>
-              <a:effectRef idx="0">
-                <a:schemeClr val="accent1"/>
-              </a:effectRef>
-              <a:fontRef idx="minor">
-                <a:schemeClr val="tx1"/>
-              </a:fontRef>
-            </p:style>
-          </p:cxnSp>
-          <p:cxnSp>
-            <p:nvCxnSpPr>
-              <p:cNvPr id="122" name="직선 연결선 121"/>
-              <p:cNvCxnSpPr/>
-              <p:nvPr/>
-            </p:nvCxnSpPr>
-            <p:spPr>
-              <a:xfrm flipH="1">
-                <a:off x="698270" y="2452251"/>
-                <a:ext cx="415636" cy="415636"/>
-              </a:xfrm>
-              <a:prstGeom prst="line">
-                <a:avLst/>
-              </a:prstGeom>
-              <a:ln w="25400">
-                <a:solidFill>
-                  <a:schemeClr val="tx1"/>
-                </a:solidFill>
-              </a:ln>
-            </p:spPr>
-            <p:style>
-              <a:lnRef idx="1">
-                <a:schemeClr val="accent1"/>
-              </a:lnRef>
-              <a:fillRef idx="0">
-                <a:schemeClr val="accent1"/>
-              </a:fillRef>
-              <a:effectRef idx="0">
-                <a:schemeClr val="accent1"/>
-              </a:effectRef>
-              <a:fontRef idx="minor">
-                <a:schemeClr val="tx1"/>
-              </a:fontRef>
-            </p:style>
-          </p:cxnSp>
-          <p:cxnSp>
-            <p:nvCxnSpPr>
-              <p:cNvPr id="123" name="직선 연결선 122"/>
-              <p:cNvCxnSpPr/>
-              <p:nvPr/>
-            </p:nvCxnSpPr>
-            <p:spPr>
-              <a:xfrm>
-                <a:off x="1113906" y="2452251"/>
-                <a:ext cx="415636" cy="415636"/>
-              </a:xfrm>
-              <a:prstGeom prst="line">
-                <a:avLst/>
-              </a:prstGeom>
-              <a:ln w="25400">
-                <a:solidFill>
-                  <a:schemeClr val="tx1"/>
-                </a:solidFill>
-              </a:ln>
-            </p:spPr>
-            <p:style>
-              <a:lnRef idx="1">
-                <a:schemeClr val="accent1"/>
-              </a:lnRef>
-              <a:fillRef idx="0">
-                <a:schemeClr val="accent1"/>
-              </a:fillRef>
-              <a:effectRef idx="0">
-                <a:schemeClr val="accent1"/>
-              </a:effectRef>
-              <a:fontRef idx="minor">
-                <a:schemeClr val="tx1"/>
-              </a:fontRef>
-            </p:style>
-          </p:cxnSp>
-          <p:sp>
-            <p:nvSpPr>
-              <p:cNvPr id="124" name="TextBox 123"/>
-              <p:cNvSpPr txBox="1"/>
-              <p:nvPr/>
-            </p:nvSpPr>
-            <p:spPr>
-              <a:xfrm>
-                <a:off x="-164878" y="3004402"/>
-                <a:ext cx="2557573" cy="680938"/>
-              </a:xfrm>
-              <a:prstGeom prst="rect">
-                <a:avLst/>
-              </a:prstGeom>
-              <a:solidFill>
-                <a:srgbClr val="00B0F0"/>
-              </a:solidFill>
-              <a:ln w="25400">
-                <a:noFill/>
-              </a:ln>
-            </p:spPr>
-            <p:txBody>
-              <a:bodyPr wrap="none" rtlCol="0">
-                <a:spAutoFit/>
-              </a:bodyPr>
-              <a:lstStyle/>
-              <a:p>
-                <a:pPr algn="ctr"/>
-                <a:r>
-                  <a:rPr lang="ko-KR" altLang="en-US" sz="1500" dirty="0" smtClean="0">
-                    <a:solidFill>
-                      <a:schemeClr val="bg1"/>
-                    </a:solidFill>
-                  </a:rPr>
-                  <a:t>최고 관리자</a:t>
-                </a:r>
-                <a:endParaRPr lang="en-US" altLang="ko-KR" sz="1500" dirty="0" smtClean="0">
-                  <a:solidFill>
-                    <a:schemeClr val="bg1"/>
-                  </a:solidFill>
-                </a:endParaRPr>
-              </a:p>
-            </p:txBody>
-          </p:sp>
-        </p:grpSp>
-        <p:grpSp>
-          <p:nvGrpSpPr>
-            <p:cNvPr id="125" name="그룹 124"/>
-            <p:cNvGrpSpPr/>
-            <p:nvPr/>
-          </p:nvGrpSpPr>
-          <p:grpSpPr>
-            <a:xfrm>
-              <a:off x="8199639" y="3369473"/>
-              <a:ext cx="1213794" cy="1083788"/>
-              <a:chOff x="-164873" y="1401700"/>
-              <a:chExt cx="2557573" cy="2283640"/>
-            </a:xfrm>
-          </p:grpSpPr>
-          <p:sp>
-            <p:nvSpPr>
-              <p:cNvPr id="126" name="타원 125"/>
-              <p:cNvSpPr/>
-              <p:nvPr/>
-            </p:nvSpPr>
-            <p:spPr>
-              <a:xfrm>
-                <a:off x="914401" y="1401700"/>
-                <a:ext cx="399011" cy="399011"/>
-              </a:xfrm>
-              <a:prstGeom prst="ellipse">
-                <a:avLst/>
-              </a:prstGeom>
-              <a:solidFill>
-                <a:srgbClr val="00B0F0"/>
-              </a:solidFill>
-              <a:ln w="25400">
-                <a:solidFill>
-                  <a:schemeClr val="tx1"/>
-                </a:solidFill>
-              </a:ln>
-            </p:spPr>
-            <p:style>
-              <a:lnRef idx="2">
-                <a:schemeClr val="accent1">
-                  <a:shade val="50000"/>
-                </a:schemeClr>
-              </a:lnRef>
-              <a:fillRef idx="1">
-                <a:schemeClr val="accent1"/>
-              </a:fillRef>
-              <a:effectRef idx="0">
-                <a:schemeClr val="accent1"/>
-              </a:effectRef>
-              <a:fontRef idx="minor">
-                <a:schemeClr val="lt1"/>
-              </a:fontRef>
-            </p:style>
-            <p:txBody>
-              <a:bodyPr rtlCol="0" anchor="ctr"/>
-              <a:lstStyle/>
-              <a:p>
-                <a:pPr algn="ctr"/>
-                <a:endParaRPr lang="ko-KR" altLang="en-US"/>
-              </a:p>
-            </p:txBody>
-          </p:sp>
-          <p:cxnSp>
-            <p:nvCxnSpPr>
-              <p:cNvPr id="127" name="직선 연결선 126"/>
-              <p:cNvCxnSpPr/>
-              <p:nvPr/>
-            </p:nvCxnSpPr>
-            <p:spPr>
-              <a:xfrm>
-                <a:off x="698270" y="1942027"/>
-                <a:ext cx="831272" cy="0"/>
-              </a:xfrm>
-              <a:prstGeom prst="line">
-                <a:avLst/>
-              </a:prstGeom>
-              <a:ln w="25400">
-                <a:solidFill>
-                  <a:schemeClr val="tx1"/>
-                </a:solidFill>
-              </a:ln>
-            </p:spPr>
-            <p:style>
-              <a:lnRef idx="1">
-                <a:schemeClr val="accent1"/>
-              </a:lnRef>
-              <a:fillRef idx="0">
-                <a:schemeClr val="accent1"/>
-              </a:fillRef>
-              <a:effectRef idx="0">
-                <a:schemeClr val="accent1"/>
-              </a:effectRef>
-              <a:fontRef idx="minor">
-                <a:schemeClr val="tx1"/>
-              </a:fontRef>
-            </p:style>
-          </p:cxnSp>
-          <p:cxnSp>
-            <p:nvCxnSpPr>
-              <p:cNvPr id="128" name="직선 연결선 127"/>
-              <p:cNvCxnSpPr>
-                <a:stCxn id="126" idx="4"/>
-              </p:cNvCxnSpPr>
-              <p:nvPr/>
-            </p:nvCxnSpPr>
-            <p:spPr>
-              <a:xfrm flipH="1">
-                <a:off x="1113906" y="1800711"/>
-                <a:ext cx="1" cy="651540"/>
-              </a:xfrm>
-              <a:prstGeom prst="line">
-                <a:avLst/>
-              </a:prstGeom>
-              <a:ln w="25400">
-                <a:solidFill>
-                  <a:schemeClr val="tx1"/>
-                </a:solidFill>
-              </a:ln>
-            </p:spPr>
-            <p:style>
-              <a:lnRef idx="1">
-                <a:schemeClr val="accent1"/>
-              </a:lnRef>
-              <a:fillRef idx="0">
-                <a:schemeClr val="accent1"/>
-              </a:fillRef>
-              <a:effectRef idx="0">
-                <a:schemeClr val="accent1"/>
-              </a:effectRef>
-              <a:fontRef idx="minor">
-                <a:schemeClr val="tx1"/>
-              </a:fontRef>
-            </p:style>
-          </p:cxnSp>
-          <p:cxnSp>
-            <p:nvCxnSpPr>
-              <p:cNvPr id="129" name="직선 연결선 128"/>
-              <p:cNvCxnSpPr/>
-              <p:nvPr/>
-            </p:nvCxnSpPr>
-            <p:spPr>
-              <a:xfrm flipH="1">
-                <a:off x="698270" y="2452251"/>
-                <a:ext cx="415636" cy="415636"/>
-              </a:xfrm>
-              <a:prstGeom prst="line">
-                <a:avLst/>
-              </a:prstGeom>
-              <a:ln w="25400">
-                <a:solidFill>
-                  <a:schemeClr val="tx1"/>
-                </a:solidFill>
-              </a:ln>
-            </p:spPr>
-            <p:style>
-              <a:lnRef idx="1">
-                <a:schemeClr val="accent1"/>
-              </a:lnRef>
-              <a:fillRef idx="0">
-                <a:schemeClr val="accent1"/>
-              </a:fillRef>
-              <a:effectRef idx="0">
-                <a:schemeClr val="accent1"/>
-              </a:effectRef>
-              <a:fontRef idx="minor">
-                <a:schemeClr val="tx1"/>
-              </a:fontRef>
-            </p:style>
-          </p:cxnSp>
-          <p:cxnSp>
-            <p:nvCxnSpPr>
-              <p:cNvPr id="130" name="직선 연결선 129"/>
-              <p:cNvCxnSpPr/>
-              <p:nvPr/>
-            </p:nvCxnSpPr>
-            <p:spPr>
-              <a:xfrm>
-                <a:off x="1113906" y="2452251"/>
-                <a:ext cx="415636" cy="415636"/>
-              </a:xfrm>
-              <a:prstGeom prst="line">
-                <a:avLst/>
-              </a:prstGeom>
-              <a:ln w="25400">
-                <a:solidFill>
-                  <a:schemeClr val="tx1"/>
-                </a:solidFill>
-              </a:ln>
-            </p:spPr>
-            <p:style>
-              <a:lnRef idx="1">
-                <a:schemeClr val="accent1"/>
-              </a:lnRef>
-              <a:fillRef idx="0">
-                <a:schemeClr val="accent1"/>
-              </a:fillRef>
-              <a:effectRef idx="0">
-                <a:schemeClr val="accent1"/>
-              </a:effectRef>
-              <a:fontRef idx="minor">
-                <a:schemeClr val="tx1"/>
-              </a:fontRef>
-            </p:style>
-          </p:cxnSp>
-          <p:sp>
-            <p:nvSpPr>
-              <p:cNvPr id="131" name="TextBox 130"/>
-              <p:cNvSpPr txBox="1"/>
-              <p:nvPr/>
-            </p:nvSpPr>
-            <p:spPr>
-              <a:xfrm>
-                <a:off x="-164873" y="3004402"/>
-                <a:ext cx="2557573" cy="680938"/>
-              </a:xfrm>
-              <a:prstGeom prst="rect">
-                <a:avLst/>
-              </a:prstGeom>
-              <a:solidFill>
-                <a:srgbClr val="00B0F0"/>
-              </a:solidFill>
-              <a:ln w="25400">
-                <a:noFill/>
-              </a:ln>
-            </p:spPr>
-            <p:txBody>
-              <a:bodyPr wrap="none" rtlCol="0">
-                <a:spAutoFit/>
-              </a:bodyPr>
-              <a:lstStyle/>
-              <a:p>
-                <a:pPr algn="ctr"/>
-                <a:r>
-                  <a:rPr lang="ko-KR" altLang="en-US" sz="1500" dirty="0" smtClean="0">
-                    <a:solidFill>
-                      <a:schemeClr val="bg1"/>
-                    </a:solidFill>
-                  </a:rPr>
-                  <a:t>소속 운영자</a:t>
-                </a:r>
-                <a:endParaRPr lang="en-US" altLang="ko-KR" sz="1500" dirty="0" smtClean="0">
-                  <a:solidFill>
-                    <a:schemeClr val="bg1"/>
-                  </a:solidFill>
-                </a:endParaRPr>
-              </a:p>
-            </p:txBody>
-          </p:sp>
-        </p:grpSp>
-        <p:grpSp>
-          <p:nvGrpSpPr>
-            <p:cNvPr id="132" name="그룹 131"/>
-            <p:cNvGrpSpPr/>
-            <p:nvPr/>
-          </p:nvGrpSpPr>
-          <p:grpSpPr>
-            <a:xfrm>
-              <a:off x="5428980" y="4758834"/>
-              <a:ext cx="761747" cy="1083788"/>
-              <a:chOff x="311373" y="1401700"/>
-              <a:chExt cx="1605068" cy="2283640"/>
-            </a:xfrm>
-          </p:grpSpPr>
-          <p:sp>
-            <p:nvSpPr>
-              <p:cNvPr id="133" name="타원 132"/>
-              <p:cNvSpPr/>
-              <p:nvPr/>
-            </p:nvSpPr>
-            <p:spPr>
-              <a:xfrm>
-                <a:off x="914401" y="1401700"/>
-                <a:ext cx="399011" cy="399011"/>
-              </a:xfrm>
-              <a:prstGeom prst="ellipse">
-                <a:avLst/>
-              </a:prstGeom>
-              <a:solidFill>
-                <a:srgbClr val="00B0F0"/>
-              </a:solidFill>
-              <a:ln w="25400">
-                <a:solidFill>
-                  <a:schemeClr val="tx1"/>
-                </a:solidFill>
-              </a:ln>
-            </p:spPr>
-            <p:style>
-              <a:lnRef idx="2">
-                <a:schemeClr val="accent1">
-                  <a:shade val="50000"/>
-                </a:schemeClr>
-              </a:lnRef>
-              <a:fillRef idx="1">
-                <a:schemeClr val="accent1"/>
-              </a:fillRef>
-              <a:effectRef idx="0">
-                <a:schemeClr val="accent1"/>
-              </a:effectRef>
-              <a:fontRef idx="minor">
-                <a:schemeClr val="lt1"/>
-              </a:fontRef>
-            </p:style>
-            <p:txBody>
-              <a:bodyPr rtlCol="0" anchor="ctr"/>
-              <a:lstStyle/>
-              <a:p>
-                <a:pPr algn="ctr"/>
-                <a:endParaRPr lang="ko-KR" altLang="en-US"/>
-              </a:p>
-            </p:txBody>
-          </p:sp>
-          <p:cxnSp>
-            <p:nvCxnSpPr>
-              <p:cNvPr id="134" name="직선 연결선 133"/>
-              <p:cNvCxnSpPr/>
-              <p:nvPr/>
-            </p:nvCxnSpPr>
-            <p:spPr>
-              <a:xfrm>
-                <a:off x="698270" y="1942027"/>
-                <a:ext cx="831272" cy="0"/>
-              </a:xfrm>
-              <a:prstGeom prst="line">
-                <a:avLst/>
-              </a:prstGeom>
-              <a:ln w="25400">
-                <a:solidFill>
-                  <a:schemeClr val="tx1"/>
-                </a:solidFill>
-              </a:ln>
-            </p:spPr>
-            <p:style>
-              <a:lnRef idx="1">
-                <a:schemeClr val="accent1"/>
-              </a:lnRef>
-              <a:fillRef idx="0">
-                <a:schemeClr val="accent1"/>
-              </a:fillRef>
-              <a:effectRef idx="0">
-                <a:schemeClr val="accent1"/>
-              </a:effectRef>
-              <a:fontRef idx="minor">
-                <a:schemeClr val="tx1"/>
-              </a:fontRef>
-            </p:style>
-          </p:cxnSp>
-          <p:cxnSp>
-            <p:nvCxnSpPr>
-              <p:cNvPr id="135" name="직선 연결선 134"/>
-              <p:cNvCxnSpPr>
-                <a:stCxn id="133" idx="4"/>
-              </p:cNvCxnSpPr>
-              <p:nvPr/>
-            </p:nvCxnSpPr>
-            <p:spPr>
-              <a:xfrm flipH="1">
-                <a:off x="1113906" y="1800711"/>
-                <a:ext cx="1" cy="651540"/>
-              </a:xfrm>
-              <a:prstGeom prst="line">
-                <a:avLst/>
-              </a:prstGeom>
-              <a:ln w="25400">
-                <a:solidFill>
-                  <a:schemeClr val="tx1"/>
-                </a:solidFill>
-              </a:ln>
-            </p:spPr>
-            <p:style>
-              <a:lnRef idx="1">
-                <a:schemeClr val="accent1"/>
-              </a:lnRef>
-              <a:fillRef idx="0">
-                <a:schemeClr val="accent1"/>
-              </a:fillRef>
-              <a:effectRef idx="0">
-                <a:schemeClr val="accent1"/>
-              </a:effectRef>
-              <a:fontRef idx="minor">
-                <a:schemeClr val="tx1"/>
-              </a:fontRef>
-            </p:style>
-          </p:cxnSp>
-          <p:cxnSp>
-            <p:nvCxnSpPr>
-              <p:cNvPr id="136" name="직선 연결선 135"/>
-              <p:cNvCxnSpPr/>
-              <p:nvPr/>
-            </p:nvCxnSpPr>
-            <p:spPr>
-              <a:xfrm flipH="1">
-                <a:off x="698270" y="2452251"/>
-                <a:ext cx="415636" cy="415636"/>
-              </a:xfrm>
-              <a:prstGeom prst="line">
-                <a:avLst/>
-              </a:prstGeom>
-              <a:ln w="25400">
-                <a:solidFill>
-                  <a:schemeClr val="tx1"/>
-                </a:solidFill>
-              </a:ln>
-            </p:spPr>
-            <p:style>
-              <a:lnRef idx="1">
-                <a:schemeClr val="accent1"/>
-              </a:lnRef>
-              <a:fillRef idx="0">
-                <a:schemeClr val="accent1"/>
-              </a:fillRef>
-              <a:effectRef idx="0">
-                <a:schemeClr val="accent1"/>
-              </a:effectRef>
-              <a:fontRef idx="minor">
-                <a:schemeClr val="tx1"/>
-              </a:fontRef>
-            </p:style>
-          </p:cxnSp>
-          <p:cxnSp>
-            <p:nvCxnSpPr>
-              <p:cNvPr id="137" name="직선 연결선 136"/>
-              <p:cNvCxnSpPr/>
-              <p:nvPr/>
-            </p:nvCxnSpPr>
-            <p:spPr>
-              <a:xfrm>
-                <a:off x="1113906" y="2452251"/>
-                <a:ext cx="415636" cy="415636"/>
-              </a:xfrm>
-              <a:prstGeom prst="line">
-                <a:avLst/>
-              </a:prstGeom>
-              <a:ln w="25400">
-                <a:solidFill>
-                  <a:schemeClr val="tx1"/>
-                </a:solidFill>
-              </a:ln>
-            </p:spPr>
-            <p:style>
-              <a:lnRef idx="1">
-                <a:schemeClr val="accent1"/>
-              </a:lnRef>
-              <a:fillRef idx="0">
-                <a:schemeClr val="accent1"/>
-              </a:fillRef>
-              <a:effectRef idx="0">
-                <a:schemeClr val="accent1"/>
-              </a:effectRef>
-              <a:fontRef idx="minor">
-                <a:schemeClr val="tx1"/>
-              </a:fontRef>
-            </p:style>
-          </p:cxnSp>
-          <p:sp>
-            <p:nvSpPr>
-              <p:cNvPr id="138" name="TextBox 137"/>
-              <p:cNvSpPr txBox="1"/>
-              <p:nvPr/>
-            </p:nvSpPr>
-            <p:spPr>
-              <a:xfrm>
-                <a:off x="311373" y="3004402"/>
-                <a:ext cx="1605068" cy="680938"/>
-              </a:xfrm>
-              <a:prstGeom prst="rect">
-                <a:avLst/>
-              </a:prstGeom>
-              <a:solidFill>
-                <a:srgbClr val="00B0F0"/>
-              </a:solidFill>
-              <a:ln w="25400">
-                <a:noFill/>
-              </a:ln>
-            </p:spPr>
-            <p:txBody>
-              <a:bodyPr wrap="none" rtlCol="0">
-                <a:spAutoFit/>
-              </a:bodyPr>
-              <a:lstStyle/>
-              <a:p>
-                <a:pPr algn="ctr"/>
-                <a:r>
-                  <a:rPr lang="ko-KR" altLang="en-US" sz="1500" dirty="0" smtClean="0">
-                    <a:solidFill>
-                      <a:schemeClr val="bg1"/>
-                    </a:solidFill>
-                  </a:rPr>
-                  <a:t>운영자</a:t>
-                </a:r>
-                <a:endParaRPr lang="en-US" altLang="ko-KR" sz="1500" dirty="0" smtClean="0">
-                  <a:solidFill>
-                    <a:schemeClr val="bg1"/>
-                  </a:solidFill>
-                </a:endParaRPr>
-              </a:p>
-            </p:txBody>
-          </p:sp>
-        </p:grpSp>
         <p:sp>
           <p:nvSpPr>
-            <p:cNvPr id="37" name="타원 36"/>
+            <p:cNvPr id="105" name="타원 104"/>
             <p:cNvSpPr/>
             <p:nvPr/>
           </p:nvSpPr>
           <p:spPr>
             <a:xfrm>
-              <a:off x="170042" y="1220585"/>
-              <a:ext cx="954695" cy="512305"/>
+              <a:off x="914401" y="1401700"/>
+              <a:ext cx="399011" cy="399011"/>
             </a:xfrm>
             <a:prstGeom prst="ellipse">
               <a:avLst/>
             </a:prstGeom>
             <a:solidFill>
-              <a:schemeClr val="accent1">
-                <a:lumMod val="40000"/>
-                <a:lumOff val="60000"/>
-              </a:schemeClr>
+              <a:srgbClr val="00B0F0"/>
             </a:solidFill>
-            <a:ln w="12700">
-              <a:solidFill>
-                <a:schemeClr val="tx1"/>
-              </a:solidFill>
-            </a:ln>
-          </p:spPr>
-          <p:style>
-            <a:lnRef idx="2">
-              <a:schemeClr val="accent1">
-                <a:shade val="50000"/>
-              </a:schemeClr>
-            </a:lnRef>
-            <a:fillRef idx="1">
-              <a:schemeClr val="accent1"/>
-            </a:fillRef>
-            <a:effectRef idx="0">
-              <a:schemeClr val="accent1"/>
-            </a:effectRef>
-            <a:fontRef idx="minor">
-              <a:schemeClr val="lt1"/>
-            </a:fontRef>
-          </p:style>
-          <p:txBody>
-            <a:bodyPr rtlCol="0" anchor="ctr"/>
-            <a:lstStyle/>
-            <a:p>
-              <a:pPr algn="ctr"/>
-              <a:r>
-                <a:rPr lang="ko-KR" altLang="en-US" sz="1200" b="1" dirty="0" smtClean="0">
-                  <a:solidFill>
-                    <a:schemeClr val="tx1"/>
-                  </a:solidFill>
-                </a:rPr>
-                <a:t>로그인</a:t>
-              </a:r>
-              <a:endParaRPr lang="ko-KR" altLang="en-US" sz="1200" b="1" dirty="0">
-                <a:solidFill>
-                  <a:schemeClr val="tx1"/>
-                </a:solidFill>
-              </a:endParaRPr>
-            </a:p>
-          </p:txBody>
-        </p:sp>
-        <p:sp>
-          <p:nvSpPr>
-            <p:cNvPr id="165" name="타원 164"/>
-            <p:cNvSpPr/>
-            <p:nvPr/>
-          </p:nvSpPr>
-          <p:spPr>
-            <a:xfrm>
-              <a:off x="1050999" y="759651"/>
-              <a:ext cx="954695" cy="512305"/>
-            </a:xfrm>
-            <a:prstGeom prst="ellipse">
-              <a:avLst/>
-            </a:prstGeom>
-            <a:solidFill>
-              <a:schemeClr val="accent1">
-                <a:lumMod val="40000"/>
-                <a:lumOff val="60000"/>
-              </a:schemeClr>
-            </a:solidFill>
-            <a:ln w="12700">
-              <a:solidFill>
-                <a:schemeClr val="tx1"/>
-              </a:solidFill>
-            </a:ln>
-          </p:spPr>
-          <p:style>
-            <a:lnRef idx="2">
-              <a:schemeClr val="accent1">
-                <a:shade val="50000"/>
-              </a:schemeClr>
-            </a:lnRef>
-            <a:fillRef idx="1">
-              <a:schemeClr val="accent1"/>
-            </a:fillRef>
-            <a:effectRef idx="0">
-              <a:schemeClr val="accent1"/>
-            </a:effectRef>
-            <a:fontRef idx="minor">
-              <a:schemeClr val="lt1"/>
-            </a:fontRef>
-          </p:style>
-          <p:txBody>
-            <a:bodyPr rtlCol="0" anchor="ctr"/>
-            <a:lstStyle/>
-            <a:p>
-              <a:pPr algn="ctr"/>
-              <a:r>
-                <a:rPr lang="ko-KR" altLang="en-US" sz="1300" b="1" dirty="0" smtClean="0">
-                  <a:solidFill>
-                    <a:schemeClr val="tx1"/>
-                  </a:solidFill>
-                </a:rPr>
-                <a:t>로그아웃</a:t>
-              </a:r>
-              <a:endParaRPr lang="ko-KR" altLang="en-US" sz="1300" b="1" dirty="0">
-                <a:solidFill>
-                  <a:schemeClr val="tx1"/>
-                </a:solidFill>
-              </a:endParaRPr>
-            </a:p>
-          </p:txBody>
-        </p:sp>
-        <p:sp>
-          <p:nvSpPr>
-            <p:cNvPr id="166" name="타원 165"/>
-            <p:cNvSpPr/>
-            <p:nvPr/>
-          </p:nvSpPr>
-          <p:spPr>
-            <a:xfrm>
-              <a:off x="2106476" y="756370"/>
-              <a:ext cx="954695" cy="512305"/>
-            </a:xfrm>
-            <a:prstGeom prst="ellipse">
-              <a:avLst/>
-            </a:prstGeom>
-            <a:solidFill>
-              <a:schemeClr val="accent1">
-                <a:lumMod val="40000"/>
-                <a:lumOff val="60000"/>
-              </a:schemeClr>
-            </a:solidFill>
-            <a:ln w="12700">
-              <a:solidFill>
-                <a:schemeClr val="tx1"/>
-              </a:solidFill>
-            </a:ln>
-          </p:spPr>
-          <p:style>
-            <a:lnRef idx="2">
-              <a:schemeClr val="accent1">
-                <a:shade val="50000"/>
-              </a:schemeClr>
-            </a:lnRef>
-            <a:fillRef idx="1">
-              <a:schemeClr val="accent1"/>
-            </a:fillRef>
-            <a:effectRef idx="0">
-              <a:schemeClr val="accent1"/>
-            </a:effectRef>
-            <a:fontRef idx="minor">
-              <a:schemeClr val="lt1"/>
-            </a:fontRef>
-          </p:style>
-          <p:txBody>
-            <a:bodyPr rtlCol="0" anchor="ctr"/>
-            <a:lstStyle/>
-            <a:p>
-              <a:pPr algn="ctr"/>
-              <a:r>
-                <a:rPr lang="ko-KR" altLang="en-US" sz="1300" b="1" dirty="0" smtClean="0">
-                  <a:solidFill>
-                    <a:schemeClr val="tx1"/>
-                  </a:solidFill>
-                </a:rPr>
-                <a:t>회원가입</a:t>
-              </a:r>
-              <a:endParaRPr lang="ko-KR" altLang="en-US" sz="1300" b="1" dirty="0">
-                <a:solidFill>
-                  <a:schemeClr val="tx1"/>
-                </a:solidFill>
-              </a:endParaRPr>
-            </a:p>
-          </p:txBody>
-        </p:sp>
-        <p:sp>
-          <p:nvSpPr>
-            <p:cNvPr id="167" name="타원 166"/>
-            <p:cNvSpPr/>
-            <p:nvPr/>
-          </p:nvSpPr>
-          <p:spPr>
-            <a:xfrm>
-              <a:off x="2986454" y="1220081"/>
-              <a:ext cx="954695" cy="512305"/>
-            </a:xfrm>
-            <a:prstGeom prst="ellipse">
-              <a:avLst/>
-            </a:prstGeom>
-            <a:solidFill>
-              <a:schemeClr val="accent1">
-                <a:lumMod val="40000"/>
-                <a:lumOff val="60000"/>
-              </a:schemeClr>
-            </a:solidFill>
-            <a:ln w="12700">
-              <a:solidFill>
-                <a:schemeClr val="tx1"/>
-              </a:solidFill>
-            </a:ln>
-          </p:spPr>
-          <p:style>
-            <a:lnRef idx="2">
-              <a:schemeClr val="accent1">
-                <a:shade val="50000"/>
-              </a:schemeClr>
-            </a:lnRef>
-            <a:fillRef idx="1">
-              <a:schemeClr val="accent1"/>
-            </a:fillRef>
-            <a:effectRef idx="0">
-              <a:schemeClr val="accent1"/>
-            </a:effectRef>
-            <a:fontRef idx="minor">
-              <a:schemeClr val="lt1"/>
-            </a:fontRef>
-          </p:style>
-          <p:txBody>
-            <a:bodyPr rtlCol="0" anchor="ctr"/>
-            <a:lstStyle/>
-            <a:p>
-              <a:pPr algn="ctr"/>
-              <a:r>
-                <a:rPr lang="ko-KR" altLang="en-US" sz="1300" b="1" dirty="0" smtClean="0">
-                  <a:solidFill>
-                    <a:schemeClr val="tx1"/>
-                  </a:solidFill>
-                </a:rPr>
-                <a:t>정보수정</a:t>
-              </a:r>
-              <a:endParaRPr lang="ko-KR" altLang="en-US" sz="1300" b="1" dirty="0">
-                <a:solidFill>
-                  <a:schemeClr val="tx1"/>
-                </a:solidFill>
-              </a:endParaRPr>
-            </a:p>
-          </p:txBody>
-        </p:sp>
-        <p:grpSp>
-          <p:nvGrpSpPr>
-            <p:cNvPr id="168" name="그룹 167"/>
-            <p:cNvGrpSpPr/>
-            <p:nvPr/>
-          </p:nvGrpSpPr>
-          <p:grpSpPr>
-            <a:xfrm>
-              <a:off x="8199639" y="1893934"/>
-              <a:ext cx="1213794" cy="1083788"/>
-              <a:chOff x="-164877" y="1401700"/>
-              <a:chExt cx="2557573" cy="2283640"/>
-            </a:xfrm>
-          </p:grpSpPr>
-          <p:sp>
-            <p:nvSpPr>
-              <p:cNvPr id="169" name="타원 168"/>
-              <p:cNvSpPr/>
-              <p:nvPr/>
-            </p:nvSpPr>
-            <p:spPr>
-              <a:xfrm>
-                <a:off x="914401" y="1401700"/>
-                <a:ext cx="399011" cy="399011"/>
-              </a:xfrm>
-              <a:prstGeom prst="ellipse">
-                <a:avLst/>
-              </a:prstGeom>
-              <a:solidFill>
-                <a:srgbClr val="00B0F0"/>
-              </a:solidFill>
-              <a:ln w="25400">
-                <a:solidFill>
-                  <a:schemeClr val="tx1"/>
-                </a:solidFill>
-              </a:ln>
-            </p:spPr>
-            <p:style>
-              <a:lnRef idx="2">
-                <a:schemeClr val="accent1">
-                  <a:shade val="50000"/>
-                </a:schemeClr>
-              </a:lnRef>
-              <a:fillRef idx="1">
-                <a:schemeClr val="accent1"/>
-              </a:fillRef>
-              <a:effectRef idx="0">
-                <a:schemeClr val="accent1"/>
-              </a:effectRef>
-              <a:fontRef idx="minor">
-                <a:schemeClr val="lt1"/>
-              </a:fontRef>
-            </p:style>
-            <p:txBody>
-              <a:bodyPr rtlCol="0" anchor="ctr"/>
-              <a:lstStyle/>
-              <a:p>
-                <a:pPr algn="ctr"/>
-                <a:endParaRPr lang="ko-KR" altLang="en-US"/>
-              </a:p>
-            </p:txBody>
-          </p:sp>
-          <p:cxnSp>
-            <p:nvCxnSpPr>
-              <p:cNvPr id="170" name="직선 연결선 169"/>
-              <p:cNvCxnSpPr/>
-              <p:nvPr/>
-            </p:nvCxnSpPr>
-            <p:spPr>
-              <a:xfrm>
-                <a:off x="698270" y="1942027"/>
-                <a:ext cx="831272" cy="0"/>
-              </a:xfrm>
-              <a:prstGeom prst="line">
-                <a:avLst/>
-              </a:prstGeom>
-              <a:ln w="25400">
-                <a:solidFill>
-                  <a:schemeClr val="tx1"/>
-                </a:solidFill>
-              </a:ln>
-            </p:spPr>
-            <p:style>
-              <a:lnRef idx="1">
-                <a:schemeClr val="accent1"/>
-              </a:lnRef>
-              <a:fillRef idx="0">
-                <a:schemeClr val="accent1"/>
-              </a:fillRef>
-              <a:effectRef idx="0">
-                <a:schemeClr val="accent1"/>
-              </a:effectRef>
-              <a:fontRef idx="minor">
-                <a:schemeClr val="tx1"/>
-              </a:fontRef>
-            </p:style>
-          </p:cxnSp>
-          <p:cxnSp>
-            <p:nvCxnSpPr>
-              <p:cNvPr id="171" name="직선 연결선 170"/>
-              <p:cNvCxnSpPr>
-                <a:stCxn id="169" idx="4"/>
-              </p:cNvCxnSpPr>
-              <p:nvPr/>
-            </p:nvCxnSpPr>
-            <p:spPr>
-              <a:xfrm flipH="1">
-                <a:off x="1113906" y="1800711"/>
-                <a:ext cx="1" cy="651540"/>
-              </a:xfrm>
-              <a:prstGeom prst="line">
-                <a:avLst/>
-              </a:prstGeom>
-              <a:ln w="25400">
-                <a:solidFill>
-                  <a:schemeClr val="tx1"/>
-                </a:solidFill>
-              </a:ln>
-            </p:spPr>
-            <p:style>
-              <a:lnRef idx="1">
-                <a:schemeClr val="accent1"/>
-              </a:lnRef>
-              <a:fillRef idx="0">
-                <a:schemeClr val="accent1"/>
-              </a:fillRef>
-              <a:effectRef idx="0">
-                <a:schemeClr val="accent1"/>
-              </a:effectRef>
-              <a:fontRef idx="minor">
-                <a:schemeClr val="tx1"/>
-              </a:fontRef>
-            </p:style>
-          </p:cxnSp>
-          <p:cxnSp>
-            <p:nvCxnSpPr>
-              <p:cNvPr id="172" name="직선 연결선 171"/>
-              <p:cNvCxnSpPr/>
-              <p:nvPr/>
-            </p:nvCxnSpPr>
-            <p:spPr>
-              <a:xfrm flipH="1">
-                <a:off x="698270" y="2452251"/>
-                <a:ext cx="415636" cy="415636"/>
-              </a:xfrm>
-              <a:prstGeom prst="line">
-                <a:avLst/>
-              </a:prstGeom>
-              <a:ln w="25400">
-                <a:solidFill>
-                  <a:schemeClr val="tx1"/>
-                </a:solidFill>
-              </a:ln>
-            </p:spPr>
-            <p:style>
-              <a:lnRef idx="1">
-                <a:schemeClr val="accent1"/>
-              </a:lnRef>
-              <a:fillRef idx="0">
-                <a:schemeClr val="accent1"/>
-              </a:fillRef>
-              <a:effectRef idx="0">
-                <a:schemeClr val="accent1"/>
-              </a:effectRef>
-              <a:fontRef idx="minor">
-                <a:schemeClr val="tx1"/>
-              </a:fontRef>
-            </p:style>
-          </p:cxnSp>
-          <p:cxnSp>
-            <p:nvCxnSpPr>
-              <p:cNvPr id="173" name="직선 연결선 172"/>
-              <p:cNvCxnSpPr/>
-              <p:nvPr/>
-            </p:nvCxnSpPr>
-            <p:spPr>
-              <a:xfrm>
-                <a:off x="1113906" y="2452251"/>
-                <a:ext cx="415636" cy="415636"/>
-              </a:xfrm>
-              <a:prstGeom prst="line">
-                <a:avLst/>
-              </a:prstGeom>
-              <a:ln w="25400">
-                <a:solidFill>
-                  <a:schemeClr val="tx1"/>
-                </a:solidFill>
-              </a:ln>
-            </p:spPr>
-            <p:style>
-              <a:lnRef idx="1">
-                <a:schemeClr val="accent1"/>
-              </a:lnRef>
-              <a:fillRef idx="0">
-                <a:schemeClr val="accent1"/>
-              </a:fillRef>
-              <a:effectRef idx="0">
-                <a:schemeClr val="accent1"/>
-              </a:effectRef>
-              <a:fontRef idx="minor">
-                <a:schemeClr val="tx1"/>
-              </a:fontRef>
-            </p:style>
-          </p:cxnSp>
-          <p:sp>
-            <p:nvSpPr>
-              <p:cNvPr id="174" name="TextBox 173"/>
-              <p:cNvSpPr txBox="1"/>
-              <p:nvPr/>
-            </p:nvSpPr>
-            <p:spPr>
-              <a:xfrm>
-                <a:off x="-164877" y="3004402"/>
-                <a:ext cx="2557573" cy="680938"/>
-              </a:xfrm>
-              <a:prstGeom prst="rect">
-                <a:avLst/>
-              </a:prstGeom>
-              <a:solidFill>
-                <a:srgbClr val="00B0F0"/>
-              </a:solidFill>
-              <a:ln w="25400">
-                <a:noFill/>
-              </a:ln>
-            </p:spPr>
-            <p:txBody>
-              <a:bodyPr wrap="none" rtlCol="0">
-                <a:spAutoFit/>
-              </a:bodyPr>
-              <a:lstStyle/>
-              <a:p>
-                <a:pPr algn="ctr"/>
-                <a:r>
-                  <a:rPr lang="ko-KR" altLang="en-US" sz="1500" dirty="0" smtClean="0">
-                    <a:solidFill>
-                      <a:schemeClr val="bg1"/>
-                    </a:solidFill>
-                  </a:rPr>
-                  <a:t>과정 운영자</a:t>
-                </a:r>
-                <a:endParaRPr lang="en-US" altLang="ko-KR" sz="1500" dirty="0" smtClean="0">
-                  <a:solidFill>
-                    <a:schemeClr val="bg1"/>
-                  </a:solidFill>
-                </a:endParaRPr>
-              </a:p>
-            </p:txBody>
-          </p:sp>
-        </p:grpSp>
-        <p:sp>
-          <p:nvSpPr>
-            <p:cNvPr id="175" name="타원 174"/>
-            <p:cNvSpPr/>
-            <p:nvPr/>
-          </p:nvSpPr>
-          <p:spPr>
-            <a:xfrm>
-              <a:off x="5769991" y="3334274"/>
-              <a:ext cx="954695" cy="512305"/>
-            </a:xfrm>
-            <a:prstGeom prst="ellipse">
-              <a:avLst/>
-            </a:prstGeom>
-            <a:solidFill>
-              <a:schemeClr val="accent1">
-                <a:lumMod val="40000"/>
-                <a:lumOff val="60000"/>
-              </a:schemeClr>
-            </a:solidFill>
-            <a:ln w="12700">
-              <a:solidFill>
-                <a:schemeClr val="tx1"/>
-              </a:solidFill>
-            </a:ln>
-          </p:spPr>
-          <p:style>
-            <a:lnRef idx="2">
-              <a:schemeClr val="accent1">
-                <a:shade val="50000"/>
-              </a:schemeClr>
-            </a:lnRef>
-            <a:fillRef idx="1">
-              <a:schemeClr val="accent1"/>
-            </a:fillRef>
-            <a:effectRef idx="0">
-              <a:schemeClr val="accent1"/>
-            </a:effectRef>
-            <a:fontRef idx="minor">
-              <a:schemeClr val="lt1"/>
-            </a:fontRef>
-          </p:style>
-          <p:txBody>
-            <a:bodyPr rtlCol="0" anchor="ctr"/>
-            <a:lstStyle/>
-            <a:p>
-              <a:pPr algn="ctr"/>
-              <a:r>
-                <a:rPr lang="ko-KR" altLang="en-US" sz="1300" b="1" dirty="0" smtClean="0">
-                  <a:solidFill>
-                    <a:schemeClr val="tx1"/>
-                  </a:solidFill>
-                </a:rPr>
-                <a:t>강의 신청</a:t>
-              </a:r>
-              <a:endParaRPr lang="ko-KR" altLang="en-US" sz="1300" b="1" dirty="0">
-                <a:solidFill>
-                  <a:schemeClr val="tx1"/>
-                </a:solidFill>
-              </a:endParaRPr>
-            </a:p>
-          </p:txBody>
-        </p:sp>
-        <p:sp>
-          <p:nvSpPr>
-            <p:cNvPr id="176" name="타원 175"/>
-            <p:cNvSpPr/>
-            <p:nvPr/>
-          </p:nvSpPr>
-          <p:spPr>
-            <a:xfrm>
-              <a:off x="6322689" y="1372967"/>
-              <a:ext cx="954695" cy="512305"/>
-            </a:xfrm>
-            <a:prstGeom prst="ellipse">
-              <a:avLst/>
-            </a:prstGeom>
-            <a:solidFill>
-              <a:schemeClr val="accent1">
-                <a:lumMod val="40000"/>
-                <a:lumOff val="60000"/>
-              </a:schemeClr>
-            </a:solidFill>
-            <a:ln w="12700">
-              <a:solidFill>
-                <a:schemeClr val="tx1"/>
-              </a:solidFill>
-            </a:ln>
-          </p:spPr>
-          <p:style>
-            <a:lnRef idx="2">
-              <a:schemeClr val="accent1">
-                <a:shade val="50000"/>
-              </a:schemeClr>
-            </a:lnRef>
-            <a:fillRef idx="1">
-              <a:schemeClr val="accent1"/>
-            </a:fillRef>
-            <a:effectRef idx="0">
-              <a:schemeClr val="accent1"/>
-            </a:effectRef>
-            <a:fontRef idx="minor">
-              <a:schemeClr val="lt1"/>
-            </a:fontRef>
-          </p:style>
-          <p:txBody>
-            <a:bodyPr rtlCol="0" anchor="ctr"/>
-            <a:lstStyle/>
-            <a:p>
-              <a:pPr algn="ctr"/>
-              <a:r>
-                <a:rPr lang="ko-KR" altLang="en-US" sz="1300" b="1" dirty="0" smtClean="0">
-                  <a:solidFill>
-                    <a:schemeClr val="tx1"/>
-                  </a:solidFill>
-                </a:rPr>
-                <a:t>강의 관리</a:t>
-              </a:r>
-              <a:endParaRPr lang="ko-KR" altLang="en-US" sz="1300" b="1" dirty="0">
-                <a:solidFill>
-                  <a:schemeClr val="tx1"/>
-                </a:solidFill>
-              </a:endParaRPr>
-            </a:p>
-          </p:txBody>
-        </p:sp>
-        <p:sp>
-          <p:nvSpPr>
-            <p:cNvPr id="177" name="타원 176"/>
-            <p:cNvSpPr/>
-            <p:nvPr/>
-          </p:nvSpPr>
-          <p:spPr>
-            <a:xfrm>
-              <a:off x="7277384" y="917176"/>
-              <a:ext cx="954695" cy="512305"/>
-            </a:xfrm>
-            <a:prstGeom prst="ellipse">
-              <a:avLst/>
-            </a:prstGeom>
-            <a:solidFill>
-              <a:schemeClr val="accent1">
-                <a:lumMod val="40000"/>
-                <a:lumOff val="60000"/>
-              </a:schemeClr>
-            </a:solidFill>
-            <a:ln w="12700">
-              <a:solidFill>
-                <a:schemeClr val="tx1"/>
-              </a:solidFill>
-            </a:ln>
-          </p:spPr>
-          <p:style>
-            <a:lnRef idx="2">
-              <a:schemeClr val="accent1">
-                <a:shade val="50000"/>
-              </a:schemeClr>
-            </a:lnRef>
-            <a:fillRef idx="1">
-              <a:schemeClr val="accent1"/>
-            </a:fillRef>
-            <a:effectRef idx="0">
-              <a:schemeClr val="accent1"/>
-            </a:effectRef>
-            <a:fontRef idx="minor">
-              <a:schemeClr val="lt1"/>
-            </a:fontRef>
-          </p:style>
-          <p:txBody>
-            <a:bodyPr rtlCol="0" anchor="ctr"/>
-            <a:lstStyle/>
-            <a:p>
-              <a:pPr algn="ctr"/>
-              <a:r>
-                <a:rPr lang="ko-KR" altLang="en-US" sz="1300" b="1" dirty="0" smtClean="0">
-                  <a:solidFill>
-                    <a:schemeClr val="tx1"/>
-                  </a:solidFill>
-                </a:rPr>
-                <a:t>시험 관리</a:t>
-              </a:r>
-              <a:endParaRPr lang="ko-KR" altLang="en-US" sz="1300" b="1" dirty="0">
-                <a:solidFill>
-                  <a:schemeClr val="tx1"/>
-                </a:solidFill>
-              </a:endParaRPr>
-            </a:p>
-          </p:txBody>
-        </p:sp>
-        <p:sp>
-          <p:nvSpPr>
-            <p:cNvPr id="178" name="타원 177"/>
-            <p:cNvSpPr/>
-            <p:nvPr/>
-          </p:nvSpPr>
-          <p:spPr>
-            <a:xfrm>
-              <a:off x="8325869" y="761210"/>
-              <a:ext cx="954695" cy="512305"/>
-            </a:xfrm>
-            <a:prstGeom prst="ellipse">
-              <a:avLst/>
-            </a:prstGeom>
-            <a:solidFill>
-              <a:schemeClr val="accent1">
-                <a:lumMod val="40000"/>
-                <a:lumOff val="60000"/>
-              </a:schemeClr>
-            </a:solidFill>
-            <a:ln w="12700">
-              <a:solidFill>
-                <a:schemeClr val="tx1"/>
-              </a:solidFill>
-            </a:ln>
-          </p:spPr>
-          <p:style>
-            <a:lnRef idx="2">
-              <a:schemeClr val="accent1">
-                <a:shade val="50000"/>
-              </a:schemeClr>
-            </a:lnRef>
-            <a:fillRef idx="1">
-              <a:schemeClr val="accent1"/>
-            </a:fillRef>
-            <a:effectRef idx="0">
-              <a:schemeClr val="accent1"/>
-            </a:effectRef>
-            <a:fontRef idx="minor">
-              <a:schemeClr val="lt1"/>
-            </a:fontRef>
-          </p:style>
-          <p:txBody>
-            <a:bodyPr rtlCol="0" anchor="ctr"/>
-            <a:lstStyle/>
-            <a:p>
-              <a:pPr algn="ctr"/>
-              <a:r>
-                <a:rPr lang="ko-KR" altLang="en-US" sz="1300" b="1" dirty="0" smtClean="0">
-                  <a:solidFill>
-                    <a:schemeClr val="tx1"/>
-                  </a:solidFill>
-                </a:rPr>
-                <a:t>과제 관리</a:t>
-              </a:r>
-              <a:endParaRPr lang="ko-KR" altLang="en-US" sz="1300" b="1" dirty="0">
-                <a:solidFill>
-                  <a:schemeClr val="tx1"/>
-                </a:solidFill>
-              </a:endParaRPr>
-            </a:p>
-          </p:txBody>
-        </p:sp>
-        <p:sp>
-          <p:nvSpPr>
-            <p:cNvPr id="179" name="타원 178"/>
-            <p:cNvSpPr/>
-            <p:nvPr/>
-          </p:nvSpPr>
-          <p:spPr>
-            <a:xfrm>
-              <a:off x="9374354" y="916930"/>
-              <a:ext cx="954695" cy="512305"/>
-            </a:xfrm>
-            <a:prstGeom prst="ellipse">
-              <a:avLst/>
-            </a:prstGeom>
-            <a:solidFill>
-              <a:schemeClr val="accent1">
-                <a:lumMod val="40000"/>
-                <a:lumOff val="60000"/>
-              </a:schemeClr>
-            </a:solidFill>
-            <a:ln w="12700">
-              <a:solidFill>
-                <a:schemeClr val="tx1"/>
-              </a:solidFill>
-            </a:ln>
-          </p:spPr>
-          <p:style>
-            <a:lnRef idx="2">
-              <a:schemeClr val="accent1">
-                <a:shade val="50000"/>
-              </a:schemeClr>
-            </a:lnRef>
-            <a:fillRef idx="1">
-              <a:schemeClr val="accent1"/>
-            </a:fillRef>
-            <a:effectRef idx="0">
-              <a:schemeClr val="accent1"/>
-            </a:effectRef>
-            <a:fontRef idx="minor">
-              <a:schemeClr val="lt1"/>
-            </a:fontRef>
-          </p:style>
-          <p:txBody>
-            <a:bodyPr rtlCol="0" anchor="ctr"/>
-            <a:lstStyle/>
-            <a:p>
-              <a:pPr algn="ctr"/>
-              <a:r>
-                <a:rPr lang="ko-KR" altLang="en-US" sz="1300" b="1" dirty="0" smtClean="0">
-                  <a:solidFill>
-                    <a:schemeClr val="tx1"/>
-                  </a:solidFill>
-                </a:rPr>
-                <a:t>제출 관리</a:t>
-              </a:r>
-              <a:endParaRPr lang="ko-KR" altLang="en-US" sz="1300" b="1" dirty="0">
-                <a:solidFill>
-                  <a:schemeClr val="tx1"/>
-                </a:solidFill>
-              </a:endParaRPr>
-            </a:p>
-          </p:txBody>
-        </p:sp>
-        <p:sp>
-          <p:nvSpPr>
-            <p:cNvPr id="180" name="타원 179"/>
-            <p:cNvSpPr/>
-            <p:nvPr/>
-          </p:nvSpPr>
-          <p:spPr>
-            <a:xfrm>
-              <a:off x="10329049" y="1372967"/>
-              <a:ext cx="954695" cy="512305"/>
-            </a:xfrm>
-            <a:prstGeom prst="ellipse">
-              <a:avLst/>
-            </a:prstGeom>
-            <a:solidFill>
-              <a:schemeClr val="accent1">
-                <a:lumMod val="40000"/>
-                <a:lumOff val="60000"/>
-              </a:schemeClr>
-            </a:solidFill>
-            <a:ln w="12700">
-              <a:solidFill>
-                <a:schemeClr val="tx1"/>
-              </a:solidFill>
-            </a:ln>
-          </p:spPr>
-          <p:style>
-            <a:lnRef idx="2">
-              <a:schemeClr val="accent1">
-                <a:shade val="50000"/>
-              </a:schemeClr>
-            </a:lnRef>
-            <a:fillRef idx="1">
-              <a:schemeClr val="accent1"/>
-            </a:fillRef>
-            <a:effectRef idx="0">
-              <a:schemeClr val="accent1"/>
-            </a:effectRef>
-            <a:fontRef idx="minor">
-              <a:schemeClr val="lt1"/>
-            </a:fontRef>
-          </p:style>
-          <p:txBody>
-            <a:bodyPr rtlCol="0" anchor="ctr"/>
-            <a:lstStyle/>
-            <a:p>
-              <a:pPr algn="ctr"/>
-              <a:r>
-                <a:rPr lang="ko-KR" altLang="en-US" sz="1000" b="1" dirty="0" smtClean="0">
-                  <a:solidFill>
-                    <a:schemeClr val="tx1"/>
-                  </a:solidFill>
-                </a:rPr>
-                <a:t>게시판 관리</a:t>
-              </a:r>
-              <a:endParaRPr lang="ko-KR" altLang="en-US" sz="1000" b="1" dirty="0">
-                <a:solidFill>
-                  <a:schemeClr val="tx1"/>
-                </a:solidFill>
-              </a:endParaRPr>
-            </a:p>
-          </p:txBody>
-        </p:sp>
-        <p:sp>
-          <p:nvSpPr>
-            <p:cNvPr id="181" name="타원 180"/>
-            <p:cNvSpPr/>
-            <p:nvPr/>
-          </p:nvSpPr>
-          <p:spPr>
-            <a:xfrm>
-              <a:off x="9978275" y="3543026"/>
-              <a:ext cx="954695" cy="512305"/>
-            </a:xfrm>
-            <a:prstGeom prst="ellipse">
-              <a:avLst/>
-            </a:prstGeom>
-            <a:solidFill>
-              <a:schemeClr val="accent1">
-                <a:lumMod val="40000"/>
-                <a:lumOff val="60000"/>
-              </a:schemeClr>
-            </a:solidFill>
-            <a:ln w="12700">
-              <a:solidFill>
-                <a:schemeClr val="tx1"/>
-              </a:solidFill>
-            </a:ln>
-          </p:spPr>
-          <p:style>
-            <a:lnRef idx="2">
-              <a:schemeClr val="accent1">
-                <a:shade val="50000"/>
-              </a:schemeClr>
-            </a:lnRef>
-            <a:fillRef idx="1">
-              <a:schemeClr val="accent1"/>
-            </a:fillRef>
-            <a:effectRef idx="0">
-              <a:schemeClr val="accent1"/>
-            </a:effectRef>
-            <a:fontRef idx="minor">
-              <a:schemeClr val="lt1"/>
-            </a:fontRef>
-          </p:style>
-          <p:txBody>
-            <a:bodyPr rtlCol="0" anchor="ctr"/>
-            <a:lstStyle/>
-            <a:p>
-              <a:pPr algn="ctr"/>
-              <a:r>
-                <a:rPr lang="ko-KR" altLang="en-US" sz="1300" b="1" dirty="0" smtClean="0">
-                  <a:solidFill>
-                    <a:schemeClr val="tx1"/>
-                  </a:solidFill>
-                </a:rPr>
-                <a:t>소속 관리</a:t>
-              </a:r>
-              <a:endParaRPr lang="ko-KR" altLang="en-US" sz="1300" b="1" dirty="0">
-                <a:solidFill>
-                  <a:schemeClr val="tx1"/>
-                </a:solidFill>
-              </a:endParaRPr>
-            </a:p>
-          </p:txBody>
-        </p:sp>
-        <p:sp>
-          <p:nvSpPr>
-            <p:cNvPr id="182" name="타원 181"/>
-            <p:cNvSpPr/>
-            <p:nvPr/>
-          </p:nvSpPr>
-          <p:spPr>
-            <a:xfrm>
-              <a:off x="2178367" y="6003440"/>
-              <a:ext cx="954695" cy="512305"/>
-            </a:xfrm>
-            <a:prstGeom prst="ellipse">
-              <a:avLst/>
-            </a:prstGeom>
-            <a:solidFill>
-              <a:schemeClr val="accent1">
-                <a:lumMod val="40000"/>
-                <a:lumOff val="60000"/>
-              </a:schemeClr>
-            </a:solidFill>
-            <a:ln w="12700">
-              <a:solidFill>
-                <a:schemeClr val="tx1"/>
-              </a:solidFill>
-            </a:ln>
-          </p:spPr>
-          <p:style>
-            <a:lnRef idx="2">
-              <a:schemeClr val="accent1">
-                <a:shade val="50000"/>
-              </a:schemeClr>
-            </a:lnRef>
-            <a:fillRef idx="1">
-              <a:schemeClr val="accent1"/>
-            </a:fillRef>
-            <a:effectRef idx="0">
-              <a:schemeClr val="accent1"/>
-            </a:effectRef>
-            <a:fontRef idx="minor">
-              <a:schemeClr val="lt1"/>
-            </a:fontRef>
-          </p:style>
-          <p:txBody>
-            <a:bodyPr rtlCol="0" anchor="ctr"/>
-            <a:lstStyle/>
-            <a:p>
-              <a:pPr algn="ctr"/>
-              <a:r>
-                <a:rPr lang="ko-KR" altLang="en-US" sz="1000" b="1" dirty="0" smtClean="0">
-                  <a:solidFill>
-                    <a:schemeClr val="tx1"/>
-                  </a:solidFill>
-                </a:rPr>
-                <a:t>운영자 권한    부여</a:t>
-              </a:r>
-              <a:endParaRPr lang="ko-KR" altLang="en-US" sz="1000" b="1" dirty="0">
-                <a:solidFill>
-                  <a:schemeClr val="tx1"/>
-                </a:solidFill>
-              </a:endParaRPr>
-            </a:p>
-          </p:txBody>
-        </p:sp>
-        <p:sp>
-          <p:nvSpPr>
-            <p:cNvPr id="183" name="타원 182"/>
-            <p:cNvSpPr/>
-            <p:nvPr/>
-          </p:nvSpPr>
-          <p:spPr>
-            <a:xfrm>
-              <a:off x="4657902" y="6003439"/>
-              <a:ext cx="954695" cy="512305"/>
-            </a:xfrm>
-            <a:prstGeom prst="ellipse">
-              <a:avLst/>
-            </a:prstGeom>
-            <a:solidFill>
-              <a:schemeClr val="accent1">
-                <a:lumMod val="40000"/>
-                <a:lumOff val="60000"/>
-              </a:schemeClr>
-            </a:solidFill>
-            <a:ln w="12700">
-              <a:solidFill>
-                <a:schemeClr val="tx1"/>
-              </a:solidFill>
-            </a:ln>
-          </p:spPr>
-          <p:style>
-            <a:lnRef idx="2">
-              <a:schemeClr val="accent1">
-                <a:shade val="50000"/>
-              </a:schemeClr>
-            </a:lnRef>
-            <a:fillRef idx="1">
-              <a:schemeClr val="accent1"/>
-            </a:fillRef>
-            <a:effectRef idx="0">
-              <a:schemeClr val="accent1"/>
-            </a:effectRef>
-            <a:fontRef idx="minor">
-              <a:schemeClr val="lt1"/>
-            </a:fontRef>
-          </p:style>
-          <p:txBody>
-            <a:bodyPr rtlCol="0" anchor="ctr"/>
-            <a:lstStyle/>
-            <a:p>
-              <a:pPr algn="ctr"/>
-              <a:r>
-                <a:rPr lang="ko-KR" altLang="en-US" sz="1000" b="1" dirty="0" smtClean="0">
-                  <a:solidFill>
-                    <a:schemeClr val="tx1"/>
-                  </a:solidFill>
-                </a:rPr>
-                <a:t>교육생 관리</a:t>
-              </a:r>
-              <a:endParaRPr lang="ko-KR" altLang="en-US" sz="1000" b="1" dirty="0">
-                <a:solidFill>
-                  <a:schemeClr val="tx1"/>
-                </a:solidFill>
-              </a:endParaRPr>
-            </a:p>
-          </p:txBody>
-        </p:sp>
-        <p:sp>
-          <p:nvSpPr>
-            <p:cNvPr id="184" name="타원 183"/>
-            <p:cNvSpPr/>
-            <p:nvPr/>
-          </p:nvSpPr>
-          <p:spPr>
-            <a:xfrm>
-              <a:off x="6007109" y="6014458"/>
-              <a:ext cx="954695" cy="512305"/>
-            </a:xfrm>
-            <a:prstGeom prst="ellipse">
-              <a:avLst/>
-            </a:prstGeom>
-            <a:solidFill>
-              <a:schemeClr val="accent1">
-                <a:lumMod val="40000"/>
-                <a:lumOff val="60000"/>
-              </a:schemeClr>
-            </a:solidFill>
-            <a:ln w="12700">
-              <a:solidFill>
-                <a:schemeClr val="tx1"/>
-              </a:solidFill>
-            </a:ln>
-          </p:spPr>
-          <p:style>
-            <a:lnRef idx="2">
-              <a:schemeClr val="accent1">
-                <a:shade val="50000"/>
-              </a:schemeClr>
-            </a:lnRef>
-            <a:fillRef idx="1">
-              <a:schemeClr val="accent1"/>
-            </a:fillRef>
-            <a:effectRef idx="0">
-              <a:schemeClr val="accent1"/>
-            </a:effectRef>
-            <a:fontRef idx="minor">
-              <a:schemeClr val="lt1"/>
-            </a:fontRef>
-          </p:style>
-          <p:txBody>
-            <a:bodyPr rtlCol="0" anchor="ctr"/>
-            <a:lstStyle/>
-            <a:p>
-              <a:pPr algn="ctr"/>
-              <a:r>
-                <a:rPr lang="ko-KR" altLang="en-US" sz="1000" b="1" dirty="0" smtClean="0">
-                  <a:solidFill>
-                    <a:schemeClr val="tx1"/>
-                  </a:solidFill>
-                </a:rPr>
-                <a:t>운영자 관리</a:t>
-              </a:r>
-              <a:endParaRPr lang="ko-KR" altLang="en-US" sz="1000" b="1" dirty="0">
-                <a:solidFill>
-                  <a:schemeClr val="tx1"/>
-                </a:solidFill>
-              </a:endParaRPr>
-            </a:p>
-          </p:txBody>
-        </p:sp>
-        <p:sp>
-          <p:nvSpPr>
-            <p:cNvPr id="185" name="이등변 삼각형 184"/>
-            <p:cNvSpPr/>
-            <p:nvPr/>
-          </p:nvSpPr>
-          <p:spPr>
-            <a:xfrm rot="17649870">
-              <a:off x="2922572" y="2634022"/>
-              <a:ext cx="224106" cy="226370"/>
-            </a:xfrm>
-            <a:prstGeom prst="triangle">
-              <a:avLst/>
-            </a:prstGeom>
-            <a:noFill/>
-            <a:ln>
+            <a:ln w="25400">
               <a:solidFill>
                 <a:schemeClr val="tx1"/>
               </a:solidFill>
@@ -41198,21 +38506,126 @@
         </p:sp>
         <p:cxnSp>
           <p:nvCxnSpPr>
-            <p:cNvPr id="189" name="직선 연결선 188"/>
+            <p:cNvPr id="106" name="직선 연결선 105"/>
+            <p:cNvCxnSpPr/>
+            <p:nvPr/>
+          </p:nvCxnSpPr>
+          <p:spPr>
+            <a:xfrm>
+              <a:off x="698270" y="1942027"/>
+              <a:ext cx="831272" cy="0"/>
+            </a:xfrm>
+            <a:prstGeom prst="line">
+              <a:avLst/>
+            </a:prstGeom>
+            <a:ln w="25400">
+              <a:solidFill>
+                <a:schemeClr val="tx1"/>
+              </a:solidFill>
+            </a:ln>
+          </p:spPr>
+          <p:style>
+            <a:lnRef idx="1">
+              <a:schemeClr val="accent1"/>
+            </a:lnRef>
+            <a:fillRef idx="0">
+              <a:schemeClr val="accent1"/>
+            </a:fillRef>
+            <a:effectRef idx="0">
+              <a:schemeClr val="accent1"/>
+            </a:effectRef>
+            <a:fontRef idx="minor">
+              <a:schemeClr val="tx1"/>
+            </a:fontRef>
+          </p:style>
+        </p:cxnSp>
+        <p:cxnSp>
+          <p:nvCxnSpPr>
+            <p:cNvPr id="107" name="직선 연결선 106"/>
             <p:cNvCxnSpPr>
-              <a:stCxn id="185" idx="3"/>
+              <a:stCxn id="105" idx="4"/>
             </p:cNvCxnSpPr>
             <p:nvPr/>
           </p:nvCxnSpPr>
           <p:spPr>
-            <a:xfrm>
-              <a:off x="3137892" y="2793540"/>
-              <a:ext cx="1310734" cy="629273"/>
+            <a:xfrm flipH="1">
+              <a:off x="1113906" y="1800711"/>
+              <a:ext cx="1" cy="651540"/>
             </a:xfrm>
             <a:prstGeom prst="line">
               <a:avLst/>
             </a:prstGeom>
-            <a:ln w="12700">
+            <a:ln w="25400">
+              <a:solidFill>
+                <a:schemeClr val="tx1"/>
+              </a:solidFill>
+            </a:ln>
+          </p:spPr>
+          <p:style>
+            <a:lnRef idx="1">
+              <a:schemeClr val="accent1"/>
+            </a:lnRef>
+            <a:fillRef idx="0">
+              <a:schemeClr val="accent1"/>
+            </a:fillRef>
+            <a:effectRef idx="0">
+              <a:schemeClr val="accent1"/>
+            </a:effectRef>
+            <a:fontRef idx="minor">
+              <a:schemeClr val="tx1"/>
+            </a:fontRef>
+          </p:style>
+        </p:cxnSp>
+        <p:cxnSp>
+          <p:nvCxnSpPr>
+            <p:cNvPr id="108" name="직선 연결선 107"/>
+            <p:cNvCxnSpPr/>
+            <p:nvPr/>
+          </p:nvCxnSpPr>
+          <p:spPr>
+            <a:xfrm flipH="1">
+              <a:off x="698270" y="2452251"/>
+              <a:ext cx="415636" cy="415636"/>
+            </a:xfrm>
+            <a:prstGeom prst="line">
+              <a:avLst/>
+            </a:prstGeom>
+            <a:ln w="25400">
+              <a:solidFill>
+                <a:schemeClr val="tx1"/>
+              </a:solidFill>
+            </a:ln>
+          </p:spPr>
+          <p:style>
+            <a:lnRef idx="1">
+              <a:schemeClr val="accent1"/>
+            </a:lnRef>
+            <a:fillRef idx="0">
+              <a:schemeClr val="accent1"/>
+            </a:fillRef>
+            <a:effectRef idx="0">
+              <a:schemeClr val="accent1"/>
+            </a:effectRef>
+            <a:fontRef idx="minor">
+              <a:schemeClr val="tx1"/>
+            </a:fontRef>
+          </p:style>
+        </p:cxnSp>
+        <p:cxnSp>
+          <p:nvCxnSpPr>
+            <p:cNvPr id="109" name="직선 연결선 108"/>
+            <p:cNvCxnSpPr/>
+            <p:nvPr/>
+          </p:nvCxnSpPr>
+          <p:spPr>
+            <a:xfrm>
+              <a:off x="1113906" y="2452251"/>
+              <a:ext cx="415636" cy="415636"/>
+            </a:xfrm>
+            <a:prstGeom prst="line">
+              <a:avLst/>
+            </a:prstGeom>
+            <a:ln w="25400">
               <a:solidFill>
                 <a:schemeClr val="tx1"/>
               </a:solidFill>
@@ -41235,20 +38648,81 @@
         </p:cxnSp>
         <p:sp>
           <p:nvSpPr>
-            <p:cNvPr id="190" name="이등변 삼각형 189"/>
+            <p:cNvPr id="110" name="TextBox 109"/>
+            <p:cNvSpPr txBox="1"/>
+            <p:nvPr/>
+          </p:nvSpPr>
+          <p:spPr>
+            <a:xfrm>
+              <a:off x="311374" y="3004402"/>
+              <a:ext cx="1605068" cy="680938"/>
+            </a:xfrm>
+            <a:prstGeom prst="rect">
+              <a:avLst/>
+            </a:prstGeom>
+            <a:solidFill>
+              <a:srgbClr val="00B0F0"/>
+            </a:solidFill>
+            <a:ln w="25400">
+              <a:noFill/>
+            </a:ln>
+          </p:spPr>
+          <p:txBody>
+            <a:bodyPr wrap="none" rtlCol="0">
+              <a:spAutoFit/>
+            </a:bodyPr>
+            <a:lstStyle/>
+            <a:p>
+              <a:pPr algn="ctr"/>
+              <a:r>
+                <a:rPr lang="ko-KR" altLang="en-US" sz="1500" dirty="0" smtClean="0">
+                  <a:solidFill>
+                    <a:schemeClr val="bg1"/>
+                  </a:solidFill>
+                </a:rPr>
+                <a:t>교육생</a:t>
+              </a:r>
+              <a:endParaRPr lang="en-US" altLang="ko-KR" sz="1500" dirty="0" smtClean="0">
+                <a:solidFill>
+                  <a:schemeClr val="bg1"/>
+                </a:solidFill>
+              </a:endParaRPr>
+            </a:p>
+          </p:txBody>
+        </p:sp>
+      </p:grpSp>
+      <p:grpSp>
+        <p:nvGrpSpPr>
+          <p:cNvPr id="111" name="그룹 110"/>
+          <p:cNvGrpSpPr/>
+          <p:nvPr/>
+        </p:nvGrpSpPr>
+        <p:grpSpPr>
+          <a:xfrm>
+            <a:off x="2055722" y="1970134"/>
+            <a:ext cx="761747" cy="1083788"/>
+            <a:chOff x="311373" y="1401700"/>
+            <a:chExt cx="1605068" cy="2283640"/>
+          </a:xfrm>
+        </p:grpSpPr>
+        <p:sp>
+          <p:nvSpPr>
+            <p:cNvPr id="112" name="타원 111"/>
             <p:cNvSpPr/>
             <p:nvPr/>
           </p:nvSpPr>
           <p:spPr>
-            <a:xfrm rot="16200000">
-              <a:off x="2986454" y="2094068"/>
-              <a:ext cx="224106" cy="226370"/>
+            <a:xfrm>
+              <a:off x="914401" y="1401700"/>
+              <a:ext cx="399011" cy="399011"/>
             </a:xfrm>
-            <a:prstGeom prst="triangle">
+            <a:prstGeom prst="ellipse">
               <a:avLst/>
             </a:prstGeom>
-            <a:noFill/>
-            <a:ln>
+            <a:solidFill>
+              <a:srgbClr val="00B0F0"/>
+            </a:solidFill>
+            <a:ln w="25400">
               <a:solidFill>
                 <a:schemeClr val="tx1"/>
               </a:solidFill>
@@ -41281,21 +38755,19 @@
         </p:sp>
         <p:cxnSp>
           <p:nvCxnSpPr>
-            <p:cNvPr id="192" name="직선 연결선 191"/>
-            <p:cNvCxnSpPr>
-              <a:stCxn id="190" idx="3"/>
-            </p:cNvCxnSpPr>
+            <p:cNvPr id="113" name="직선 연결선 112"/>
+            <p:cNvCxnSpPr/>
             <p:nvPr/>
           </p:nvCxnSpPr>
           <p:spPr>
             <a:xfrm>
-              <a:off x="3211692" y="2207253"/>
-              <a:ext cx="5114177" cy="9753"/>
+              <a:off x="698270" y="1942027"/>
+              <a:ext cx="831272" cy="0"/>
             </a:xfrm>
             <a:prstGeom prst="line">
               <a:avLst/>
             </a:prstGeom>
-            <a:ln w="12700">
+            <a:ln w="25400">
               <a:solidFill>
                 <a:schemeClr val="tx1"/>
               </a:solidFill>
@@ -41318,21 +38790,91 @@
         </p:cxnSp>
         <p:cxnSp>
           <p:nvCxnSpPr>
-            <p:cNvPr id="194" name="직선 연결선 193"/>
+            <p:cNvPr id="114" name="직선 연결선 113"/>
             <p:cNvCxnSpPr>
-              <a:endCxn id="195" idx="3"/>
+              <a:stCxn id="112" idx="4"/>
             </p:cNvCxnSpPr>
             <p:nvPr/>
           </p:nvCxnSpPr>
           <p:spPr>
-            <a:xfrm flipH="1" flipV="1">
-              <a:off x="3205762" y="2479322"/>
-              <a:ext cx="5120108" cy="987778"/>
+            <a:xfrm flipH="1">
+              <a:off x="1113906" y="1800711"/>
+              <a:ext cx="1" cy="651540"/>
             </a:xfrm>
             <a:prstGeom prst="line">
               <a:avLst/>
             </a:prstGeom>
-            <a:ln w="12700">
+            <a:ln w="25400">
+              <a:solidFill>
+                <a:schemeClr val="tx1"/>
+              </a:solidFill>
+            </a:ln>
+          </p:spPr>
+          <p:style>
+            <a:lnRef idx="1">
+              <a:schemeClr val="accent1"/>
+            </a:lnRef>
+            <a:fillRef idx="0">
+              <a:schemeClr val="accent1"/>
+            </a:fillRef>
+            <a:effectRef idx="0">
+              <a:schemeClr val="accent1"/>
+            </a:effectRef>
+            <a:fontRef idx="minor">
+              <a:schemeClr val="tx1"/>
+            </a:fontRef>
+          </p:style>
+        </p:cxnSp>
+        <p:cxnSp>
+          <p:nvCxnSpPr>
+            <p:cNvPr id="115" name="직선 연결선 114"/>
+            <p:cNvCxnSpPr/>
+            <p:nvPr/>
+          </p:nvCxnSpPr>
+          <p:spPr>
+            <a:xfrm flipH="1">
+              <a:off x="698270" y="2452251"/>
+              <a:ext cx="415636" cy="415636"/>
+            </a:xfrm>
+            <a:prstGeom prst="line">
+              <a:avLst/>
+            </a:prstGeom>
+            <a:ln w="25400">
+              <a:solidFill>
+                <a:schemeClr val="tx1"/>
+              </a:solidFill>
+            </a:ln>
+          </p:spPr>
+          <p:style>
+            <a:lnRef idx="1">
+              <a:schemeClr val="accent1"/>
+            </a:lnRef>
+            <a:fillRef idx="0">
+              <a:schemeClr val="accent1"/>
+            </a:fillRef>
+            <a:effectRef idx="0">
+              <a:schemeClr val="accent1"/>
+            </a:effectRef>
+            <a:fontRef idx="minor">
+              <a:schemeClr val="tx1"/>
+            </a:fontRef>
+          </p:style>
+        </p:cxnSp>
+        <p:cxnSp>
+          <p:nvCxnSpPr>
+            <p:cNvPr id="116" name="직선 연결선 115"/>
+            <p:cNvCxnSpPr/>
+            <p:nvPr/>
+          </p:nvCxnSpPr>
+          <p:spPr>
+            <a:xfrm>
+              <a:off x="1113906" y="2452251"/>
+              <a:ext cx="415636" cy="415636"/>
+            </a:xfrm>
+            <a:prstGeom prst="line">
+              <a:avLst/>
+            </a:prstGeom>
+            <a:ln w="25400">
               <a:solidFill>
                 <a:schemeClr val="tx1"/>
               </a:solidFill>
@@ -41355,20 +38897,81 @@
         </p:cxnSp>
         <p:sp>
           <p:nvSpPr>
-            <p:cNvPr id="195" name="이등변 삼각형 194"/>
+            <p:cNvPr id="117" name="TextBox 116"/>
+            <p:cNvSpPr txBox="1"/>
+            <p:nvPr/>
+          </p:nvSpPr>
+          <p:spPr>
+            <a:xfrm>
+              <a:off x="311373" y="3004402"/>
+              <a:ext cx="1605068" cy="680938"/>
+            </a:xfrm>
+            <a:prstGeom prst="rect">
+              <a:avLst/>
+            </a:prstGeom>
+            <a:solidFill>
+              <a:srgbClr val="00B0F0"/>
+            </a:solidFill>
+            <a:ln w="25400">
+              <a:noFill/>
+            </a:ln>
+          </p:spPr>
+          <p:txBody>
+            <a:bodyPr wrap="none" rtlCol="0">
+              <a:spAutoFit/>
+            </a:bodyPr>
+            <a:lstStyle/>
+            <a:p>
+              <a:pPr algn="ctr"/>
+              <a:r>
+                <a:rPr lang="ko-KR" altLang="en-US" sz="1500" dirty="0" smtClean="0">
+                  <a:solidFill>
+                    <a:schemeClr val="bg1"/>
+                  </a:solidFill>
+                </a:rPr>
+                <a:t>사용자</a:t>
+              </a:r>
+              <a:endParaRPr lang="en-US" altLang="ko-KR" sz="1500" dirty="0" smtClean="0">
+                <a:solidFill>
+                  <a:schemeClr val="bg1"/>
+                </a:solidFill>
+              </a:endParaRPr>
+            </a:p>
+          </p:txBody>
+        </p:sp>
+      </p:grpSp>
+      <p:grpSp>
+        <p:nvGrpSpPr>
+          <p:cNvPr id="118" name="그룹 117"/>
+          <p:cNvGrpSpPr/>
+          <p:nvPr/>
+        </p:nvGrpSpPr>
+        <p:grpSpPr>
+          <a:xfrm>
+            <a:off x="1118832" y="5157435"/>
+            <a:ext cx="1213794" cy="1083788"/>
+            <a:chOff x="-164878" y="1401700"/>
+            <a:chExt cx="2557573" cy="2283640"/>
+          </a:xfrm>
+        </p:grpSpPr>
+        <p:sp>
+          <p:nvSpPr>
+            <p:cNvPr id="119" name="타원 118"/>
             <p:cNvSpPr/>
             <p:nvPr/>
           </p:nvSpPr>
           <p:spPr>
-            <a:xfrm rot="17024261">
-              <a:off x="2983762" y="2339258"/>
-              <a:ext cx="224106" cy="226370"/>
+            <a:xfrm>
+              <a:off x="914401" y="1401700"/>
+              <a:ext cx="399011" cy="399011"/>
             </a:xfrm>
-            <a:prstGeom prst="triangle">
+            <a:prstGeom prst="ellipse">
               <a:avLst/>
             </a:prstGeom>
-            <a:noFill/>
-            <a:ln>
+            <a:solidFill>
+              <a:srgbClr val="00B0F0"/>
+            </a:solidFill>
+            <a:ln w="25400">
               <a:solidFill>
                 <a:schemeClr val="tx1"/>
               </a:solidFill>
@@ -41401,19 +39004,126 @@
         </p:sp>
         <p:cxnSp>
           <p:nvCxnSpPr>
-            <p:cNvPr id="199" name="직선 연결선 198"/>
+            <p:cNvPr id="120" name="직선 연결선 119"/>
             <p:cNvCxnSpPr/>
             <p:nvPr/>
           </p:nvCxnSpPr>
           <p:spPr>
-            <a:xfrm flipH="1" flipV="1">
-              <a:off x="3061171" y="3150744"/>
-              <a:ext cx="2425229" cy="2025174"/>
+            <a:xfrm>
+              <a:off x="698270" y="1942027"/>
+              <a:ext cx="831272" cy="0"/>
             </a:xfrm>
             <a:prstGeom prst="line">
               <a:avLst/>
             </a:prstGeom>
-            <a:ln w="12700">
+            <a:ln w="25400">
+              <a:solidFill>
+                <a:schemeClr val="tx1"/>
+              </a:solidFill>
+            </a:ln>
+          </p:spPr>
+          <p:style>
+            <a:lnRef idx="1">
+              <a:schemeClr val="accent1"/>
+            </a:lnRef>
+            <a:fillRef idx="0">
+              <a:schemeClr val="accent1"/>
+            </a:fillRef>
+            <a:effectRef idx="0">
+              <a:schemeClr val="accent1"/>
+            </a:effectRef>
+            <a:fontRef idx="minor">
+              <a:schemeClr val="tx1"/>
+            </a:fontRef>
+          </p:style>
+        </p:cxnSp>
+        <p:cxnSp>
+          <p:nvCxnSpPr>
+            <p:cNvPr id="121" name="직선 연결선 120"/>
+            <p:cNvCxnSpPr>
+              <a:stCxn id="119" idx="4"/>
+            </p:cNvCxnSpPr>
+            <p:nvPr/>
+          </p:nvCxnSpPr>
+          <p:spPr>
+            <a:xfrm flipH="1">
+              <a:off x="1113906" y="1800711"/>
+              <a:ext cx="1" cy="651540"/>
+            </a:xfrm>
+            <a:prstGeom prst="line">
+              <a:avLst/>
+            </a:prstGeom>
+            <a:ln w="25400">
+              <a:solidFill>
+                <a:schemeClr val="tx1"/>
+              </a:solidFill>
+            </a:ln>
+          </p:spPr>
+          <p:style>
+            <a:lnRef idx="1">
+              <a:schemeClr val="accent1"/>
+            </a:lnRef>
+            <a:fillRef idx="0">
+              <a:schemeClr val="accent1"/>
+            </a:fillRef>
+            <a:effectRef idx="0">
+              <a:schemeClr val="accent1"/>
+            </a:effectRef>
+            <a:fontRef idx="minor">
+              <a:schemeClr val="tx1"/>
+            </a:fontRef>
+          </p:style>
+        </p:cxnSp>
+        <p:cxnSp>
+          <p:nvCxnSpPr>
+            <p:cNvPr id="122" name="직선 연결선 121"/>
+            <p:cNvCxnSpPr/>
+            <p:nvPr/>
+          </p:nvCxnSpPr>
+          <p:spPr>
+            <a:xfrm flipH="1">
+              <a:off x="698270" y="2452251"/>
+              <a:ext cx="415636" cy="415636"/>
+            </a:xfrm>
+            <a:prstGeom prst="line">
+              <a:avLst/>
+            </a:prstGeom>
+            <a:ln w="25400">
+              <a:solidFill>
+                <a:schemeClr val="tx1"/>
+              </a:solidFill>
+            </a:ln>
+          </p:spPr>
+          <p:style>
+            <a:lnRef idx="1">
+              <a:schemeClr val="accent1"/>
+            </a:lnRef>
+            <a:fillRef idx="0">
+              <a:schemeClr val="accent1"/>
+            </a:fillRef>
+            <a:effectRef idx="0">
+              <a:schemeClr val="accent1"/>
+            </a:effectRef>
+            <a:fontRef idx="minor">
+              <a:schemeClr val="tx1"/>
+            </a:fontRef>
+          </p:style>
+        </p:cxnSp>
+        <p:cxnSp>
+          <p:nvCxnSpPr>
+            <p:cNvPr id="123" name="직선 연결선 122"/>
+            <p:cNvCxnSpPr/>
+            <p:nvPr/>
+          </p:nvCxnSpPr>
+          <p:spPr>
+            <a:xfrm>
+              <a:off x="1113906" y="2452251"/>
+              <a:ext cx="415636" cy="415636"/>
+            </a:xfrm>
+            <a:prstGeom prst="line">
+              <a:avLst/>
+            </a:prstGeom>
+            <a:ln w="25400">
               <a:solidFill>
                 <a:schemeClr val="tx1"/>
               </a:solidFill>
@@ -41436,66 +39146,81 @@
         </p:cxnSp>
         <p:sp>
           <p:nvSpPr>
-            <p:cNvPr id="200" name="이등변 삼각형 199"/>
+            <p:cNvPr id="124" name="TextBox 123"/>
+            <p:cNvSpPr txBox="1"/>
+            <p:nvPr/>
+          </p:nvSpPr>
+          <p:spPr>
+            <a:xfrm>
+              <a:off x="-164878" y="3004402"/>
+              <a:ext cx="2557573" cy="680938"/>
+            </a:xfrm>
+            <a:prstGeom prst="rect">
+              <a:avLst/>
+            </a:prstGeom>
+            <a:solidFill>
+              <a:srgbClr val="00B0F0"/>
+            </a:solidFill>
+            <a:ln w="25400">
+              <a:noFill/>
+            </a:ln>
+          </p:spPr>
+          <p:txBody>
+            <a:bodyPr wrap="none" rtlCol="0">
+              <a:spAutoFit/>
+            </a:bodyPr>
+            <a:lstStyle/>
+            <a:p>
+              <a:pPr algn="ctr"/>
+              <a:r>
+                <a:rPr lang="ko-KR" altLang="en-US" sz="1500" dirty="0" smtClean="0">
+                  <a:solidFill>
+                    <a:schemeClr val="bg1"/>
+                  </a:solidFill>
+                </a:rPr>
+                <a:t>최고 관리자</a:t>
+              </a:r>
+              <a:endParaRPr lang="en-US" altLang="ko-KR" sz="1500" dirty="0" smtClean="0">
+                <a:solidFill>
+                  <a:schemeClr val="bg1"/>
+                </a:solidFill>
+              </a:endParaRPr>
+            </a:p>
+          </p:txBody>
+        </p:sp>
+      </p:grpSp>
+      <p:grpSp>
+        <p:nvGrpSpPr>
+          <p:cNvPr id="125" name="그룹 124"/>
+          <p:cNvGrpSpPr/>
+          <p:nvPr/>
+        </p:nvGrpSpPr>
+        <p:grpSpPr>
+          <a:xfrm>
+            <a:off x="8580639" y="3445673"/>
+            <a:ext cx="1213794" cy="1083788"/>
+            <a:chOff x="-164873" y="1401700"/>
+            <a:chExt cx="2557573" cy="2283640"/>
+          </a:xfrm>
+        </p:grpSpPr>
+        <p:sp>
+          <p:nvSpPr>
+            <p:cNvPr id="126" name="타원 125"/>
             <p:cNvSpPr/>
             <p:nvPr/>
           </p:nvSpPr>
           <p:spPr>
-            <a:xfrm rot="18524178">
-              <a:off x="2857141" y="2970119"/>
-              <a:ext cx="224106" cy="226370"/>
+            <a:xfrm>
+              <a:off x="914401" y="1401700"/>
+              <a:ext cx="399011" cy="399011"/>
             </a:xfrm>
-            <a:prstGeom prst="triangle">
+            <a:prstGeom prst="ellipse">
               <a:avLst/>
             </a:prstGeom>
-            <a:noFill/>
-            <a:ln>
-              <a:solidFill>
-                <a:schemeClr val="tx1"/>
-              </a:solidFill>
-            </a:ln>
-          </p:spPr>
-          <p:style>
-            <a:lnRef idx="2">
-              <a:schemeClr val="accent1">
-                <a:shade val="50000"/>
-              </a:schemeClr>
-            </a:lnRef>
-            <a:fillRef idx="1">
-              <a:schemeClr val="accent1"/>
-            </a:fillRef>
-            <a:effectRef idx="0">
-              <a:schemeClr val="accent1"/>
-            </a:effectRef>
-            <a:fontRef idx="minor">
-              <a:schemeClr val="lt1"/>
-            </a:fontRef>
-          </p:style>
-          <p:txBody>
-            <a:bodyPr rtlCol="0" anchor="ctr"/>
-            <a:lstStyle/>
-            <a:p>
-              <a:pPr algn="ctr"/>
-              <a:endParaRPr lang="ko-KR" altLang="en-US"/>
-            </a:p>
-          </p:txBody>
-        </p:sp>
-        <p:sp>
-          <p:nvSpPr>
-            <p:cNvPr id="204" name="이등변 삼각형 203"/>
-            <p:cNvSpPr/>
-            <p:nvPr/>
-          </p:nvSpPr>
-          <p:spPr>
-            <a:xfrm rot="5123808">
-              <a:off x="4831474" y="5126279"/>
-              <a:ext cx="224106" cy="226370"/>
-            </a:xfrm>
-            <a:prstGeom prst="triangle">
-              <a:avLst/>
-            </a:prstGeom>
-            <a:noFill/>
-            <a:ln>
+            <a:solidFill>
+              <a:srgbClr val="00B0F0"/>
+            </a:solidFill>
+            <a:ln w="25400">
               <a:solidFill>
                 <a:schemeClr val="tx1"/>
               </a:solidFill>
@@ -41528,21 +39253,126 @@
         </p:sp>
         <p:cxnSp>
           <p:nvCxnSpPr>
-            <p:cNvPr id="206" name="직선 연결선 205"/>
+            <p:cNvPr id="127" name="직선 연결선 126"/>
+            <p:cNvCxnSpPr/>
+            <p:nvPr/>
+          </p:nvCxnSpPr>
+          <p:spPr>
+            <a:xfrm>
+              <a:off x="698270" y="1942027"/>
+              <a:ext cx="831272" cy="0"/>
+            </a:xfrm>
+            <a:prstGeom prst="line">
+              <a:avLst/>
+            </a:prstGeom>
+            <a:ln w="25400">
+              <a:solidFill>
+                <a:schemeClr val="tx1"/>
+              </a:solidFill>
+            </a:ln>
+          </p:spPr>
+          <p:style>
+            <a:lnRef idx="1">
+              <a:schemeClr val="accent1"/>
+            </a:lnRef>
+            <a:fillRef idx="0">
+              <a:schemeClr val="accent1"/>
+            </a:fillRef>
+            <a:effectRef idx="0">
+              <a:schemeClr val="accent1"/>
+            </a:effectRef>
+            <a:fontRef idx="minor">
+              <a:schemeClr val="tx1"/>
+            </a:fontRef>
+          </p:style>
+        </p:cxnSp>
+        <p:cxnSp>
+          <p:nvCxnSpPr>
+            <p:cNvPr id="128" name="직선 연결선 127"/>
             <p:cNvCxnSpPr>
-              <a:stCxn id="204" idx="3"/>
+              <a:stCxn id="126" idx="4"/>
             </p:cNvCxnSpPr>
             <p:nvPr/>
           </p:nvCxnSpPr>
           <p:spPr>
             <a:xfrm flipH="1">
-              <a:off x="1951626" y="5248548"/>
-              <a:ext cx="2879081" cy="176659"/>
+              <a:off x="1113906" y="1800711"/>
+              <a:ext cx="1" cy="651540"/>
             </a:xfrm>
             <a:prstGeom prst="line">
               <a:avLst/>
             </a:prstGeom>
-            <a:ln w="12700">
+            <a:ln w="25400">
+              <a:solidFill>
+                <a:schemeClr val="tx1"/>
+              </a:solidFill>
+            </a:ln>
+          </p:spPr>
+          <p:style>
+            <a:lnRef idx="1">
+              <a:schemeClr val="accent1"/>
+            </a:lnRef>
+            <a:fillRef idx="0">
+              <a:schemeClr val="accent1"/>
+            </a:fillRef>
+            <a:effectRef idx="0">
+              <a:schemeClr val="accent1"/>
+            </a:effectRef>
+            <a:fontRef idx="minor">
+              <a:schemeClr val="tx1"/>
+            </a:fontRef>
+          </p:style>
+        </p:cxnSp>
+        <p:cxnSp>
+          <p:nvCxnSpPr>
+            <p:cNvPr id="129" name="직선 연결선 128"/>
+            <p:cNvCxnSpPr/>
+            <p:nvPr/>
+          </p:nvCxnSpPr>
+          <p:spPr>
+            <a:xfrm flipH="1">
+              <a:off x="698270" y="2452251"/>
+              <a:ext cx="415636" cy="415636"/>
+            </a:xfrm>
+            <a:prstGeom prst="line">
+              <a:avLst/>
+            </a:prstGeom>
+            <a:ln w="25400">
+              <a:solidFill>
+                <a:schemeClr val="tx1"/>
+              </a:solidFill>
+            </a:ln>
+          </p:spPr>
+          <p:style>
+            <a:lnRef idx="1">
+              <a:schemeClr val="accent1"/>
+            </a:lnRef>
+            <a:fillRef idx="0">
+              <a:schemeClr val="accent1"/>
+            </a:fillRef>
+            <a:effectRef idx="0">
+              <a:schemeClr val="accent1"/>
+            </a:effectRef>
+            <a:fontRef idx="minor">
+              <a:schemeClr val="tx1"/>
+            </a:fontRef>
+          </p:style>
+        </p:cxnSp>
+        <p:cxnSp>
+          <p:nvCxnSpPr>
+            <p:cNvPr id="130" name="직선 연결선 129"/>
+            <p:cNvCxnSpPr/>
+            <p:nvPr/>
+          </p:nvCxnSpPr>
+          <p:spPr>
+            <a:xfrm>
+              <a:off x="1113906" y="2452251"/>
+              <a:ext cx="415636" cy="415636"/>
+            </a:xfrm>
+            <a:prstGeom prst="line">
+              <a:avLst/>
+            </a:prstGeom>
+            <a:ln w="25400">
               <a:solidFill>
                 <a:schemeClr val="tx1"/>
               </a:solidFill>
@@ -41565,66 +39395,81 @@
         </p:cxnSp>
         <p:sp>
           <p:nvSpPr>
-            <p:cNvPr id="207" name="이등변 삼각형 206"/>
+            <p:cNvPr id="131" name="TextBox 130"/>
+            <p:cNvSpPr txBox="1"/>
+            <p:nvPr/>
+          </p:nvSpPr>
+          <p:spPr>
+            <a:xfrm>
+              <a:off x="-164873" y="3004402"/>
+              <a:ext cx="2557573" cy="680938"/>
+            </a:xfrm>
+            <a:prstGeom prst="rect">
+              <a:avLst/>
+            </a:prstGeom>
+            <a:solidFill>
+              <a:srgbClr val="00B0F0"/>
+            </a:solidFill>
+            <a:ln w="25400">
+              <a:noFill/>
+            </a:ln>
+          </p:spPr>
+          <p:txBody>
+            <a:bodyPr wrap="none" rtlCol="0">
+              <a:spAutoFit/>
+            </a:bodyPr>
+            <a:lstStyle/>
+            <a:p>
+              <a:pPr algn="ctr"/>
+              <a:r>
+                <a:rPr lang="ko-KR" altLang="en-US" sz="1500" dirty="0" smtClean="0">
+                  <a:solidFill>
+                    <a:schemeClr val="bg1"/>
+                  </a:solidFill>
+                </a:rPr>
+                <a:t>소속 운영자</a:t>
+              </a:r>
+              <a:endParaRPr lang="en-US" altLang="ko-KR" sz="1500" dirty="0" smtClean="0">
+                <a:solidFill>
+                  <a:schemeClr val="bg1"/>
+                </a:solidFill>
+              </a:endParaRPr>
+            </a:p>
+          </p:txBody>
+        </p:sp>
+      </p:grpSp>
+      <p:grpSp>
+        <p:nvGrpSpPr>
+          <p:cNvPr id="132" name="그룹 131"/>
+          <p:cNvGrpSpPr/>
+          <p:nvPr/>
+        </p:nvGrpSpPr>
+        <p:grpSpPr>
+          <a:xfrm>
+            <a:off x="8848982" y="4854481"/>
+            <a:ext cx="761747" cy="1083788"/>
+            <a:chOff x="311373" y="1401700"/>
+            <a:chExt cx="1605068" cy="2283640"/>
+          </a:xfrm>
+        </p:grpSpPr>
+        <p:sp>
+          <p:nvSpPr>
+            <p:cNvPr id="133" name="타원 132"/>
             <p:cNvSpPr/>
             <p:nvPr/>
           </p:nvSpPr>
           <p:spPr>
-            <a:xfrm rot="3940244">
-              <a:off x="7791763" y="4223265"/>
-              <a:ext cx="224106" cy="226370"/>
+            <a:xfrm>
+              <a:off x="914401" y="1401700"/>
+              <a:ext cx="399011" cy="399011"/>
             </a:xfrm>
-            <a:prstGeom prst="triangle">
+            <a:prstGeom prst="ellipse">
               <a:avLst/>
             </a:prstGeom>
-            <a:noFill/>
-            <a:ln>
-              <a:solidFill>
-                <a:schemeClr val="tx1"/>
-              </a:solidFill>
-            </a:ln>
-          </p:spPr>
-          <p:style>
-            <a:lnRef idx="2">
-              <a:schemeClr val="accent1">
-                <a:shade val="50000"/>
-              </a:schemeClr>
-            </a:lnRef>
-            <a:fillRef idx="1">
-              <a:schemeClr val="accent1"/>
-            </a:fillRef>
-            <a:effectRef idx="0">
-              <a:schemeClr val="accent1"/>
-            </a:effectRef>
-            <a:fontRef idx="minor">
-              <a:schemeClr val="lt1"/>
-            </a:fontRef>
-          </p:style>
-          <p:txBody>
-            <a:bodyPr rtlCol="0" anchor="ctr"/>
-            <a:lstStyle/>
-            <a:p>
-              <a:pPr algn="ctr"/>
-              <a:endParaRPr lang="ko-KR" altLang="en-US"/>
-            </a:p>
-          </p:txBody>
-        </p:sp>
-        <p:sp>
-          <p:nvSpPr>
-            <p:cNvPr id="208" name="이등변 삼각형 207"/>
-            <p:cNvSpPr/>
-            <p:nvPr/>
-          </p:nvSpPr>
-          <p:spPr>
-            <a:xfrm rot="2436999">
-              <a:off x="7808878" y="2763037"/>
-              <a:ext cx="224106" cy="226370"/>
-            </a:xfrm>
-            <a:prstGeom prst="triangle">
-              <a:avLst/>
-            </a:prstGeom>
-            <a:noFill/>
-            <a:ln>
+            <a:solidFill>
+              <a:srgbClr val="00B0F0"/>
+            </a:solidFill>
+            <a:ln w="25400">
               <a:solidFill>
                 <a:schemeClr val="tx1"/>
               </a:solidFill>
@@ -41657,21 +39502,19 @@
         </p:sp>
         <p:cxnSp>
           <p:nvCxnSpPr>
-            <p:cNvPr id="210" name="직선 연결선 209"/>
-            <p:cNvCxnSpPr>
-              <a:stCxn id="208" idx="3"/>
-            </p:cNvCxnSpPr>
+            <p:cNvPr id="134" name="직선 연결선 133"/>
+            <p:cNvCxnSpPr/>
             <p:nvPr/>
           </p:nvCxnSpPr>
           <p:spPr>
-            <a:xfrm flipH="1">
-              <a:off x="6228507" y="2962139"/>
-              <a:ext cx="1618741" cy="1710768"/>
+            <a:xfrm>
+              <a:off x="698270" y="1942027"/>
+              <a:ext cx="831272" cy="0"/>
             </a:xfrm>
             <a:prstGeom prst="line">
               <a:avLst/>
             </a:prstGeom>
-            <a:ln w="12700">
+            <a:ln w="25400">
               <a:solidFill>
                 <a:schemeClr val="tx1"/>
               </a:solidFill>
@@ -41694,21 +39537,21 @@
         </p:cxnSp>
         <p:cxnSp>
           <p:nvCxnSpPr>
-            <p:cNvPr id="212" name="직선 연결선 211"/>
+            <p:cNvPr id="135" name="직선 연결선 134"/>
             <p:cNvCxnSpPr>
-              <a:stCxn id="207" idx="3"/>
+              <a:stCxn id="133" idx="4"/>
             </p:cNvCxnSpPr>
             <p:nvPr/>
           </p:nvCxnSpPr>
           <p:spPr>
             <a:xfrm flipH="1">
-              <a:off x="6268291" y="4383080"/>
-              <a:ext cx="1532392" cy="735608"/>
+              <a:off x="1113906" y="1800711"/>
+              <a:ext cx="1" cy="651540"/>
             </a:xfrm>
             <a:prstGeom prst="line">
               <a:avLst/>
             </a:prstGeom>
-            <a:ln w="12700">
+            <a:ln w="25400">
               <a:solidFill>
                 <a:schemeClr val="tx1"/>
               </a:solidFill>
@@ -41731,24 +39574,22 @@
         </p:cxnSp>
         <p:cxnSp>
           <p:nvCxnSpPr>
-            <p:cNvPr id="216" name="직선 화살표 연결선 215"/>
+            <p:cNvPr id="136" name="직선 연결선 135"/>
             <p:cNvCxnSpPr/>
             <p:nvPr/>
           </p:nvCxnSpPr>
           <p:spPr>
-            <a:xfrm>
-              <a:off x="2005694" y="5678442"/>
-              <a:ext cx="308644" cy="324997"/>
+            <a:xfrm flipH="1">
+              <a:off x="698270" y="2452251"/>
+              <a:ext cx="415636" cy="415636"/>
             </a:xfrm>
-            <a:prstGeom prst="straightConnector1">
+            <a:prstGeom prst="line">
               <a:avLst/>
             </a:prstGeom>
-            <a:ln w="12700">
-              <a:solidFill>
-                <a:schemeClr val="tx1"/>
-              </a:solidFill>
-              <a:headEnd type="none"/>
-              <a:tailEnd type="arrow"/>
+            <a:ln w="25400">
+              <a:solidFill>
+                <a:schemeClr val="tx1"/>
+              </a:solidFill>
             </a:ln>
           </p:spPr>
           <p:style>
@@ -41768,23 +39609,416 @@
         </p:cxnSp>
         <p:cxnSp>
           <p:nvCxnSpPr>
-            <p:cNvPr id="222" name="직선 화살표 연결선 221"/>
+            <p:cNvPr id="137" name="직선 연결선 136"/>
             <p:cNvCxnSpPr/>
             <p:nvPr/>
           </p:nvCxnSpPr>
           <p:spPr>
             <a:xfrm>
-              <a:off x="5135249" y="3587414"/>
-              <a:ext cx="575976" cy="0"/>
+              <a:off x="1113906" y="2452251"/>
+              <a:ext cx="415636" cy="415636"/>
             </a:xfrm>
-            <a:prstGeom prst="straightConnector1">
+            <a:prstGeom prst="line">
               <a:avLst/>
             </a:prstGeom>
-            <a:ln w="12700">
-              <a:solidFill>
-                <a:schemeClr val="tx1"/>
-              </a:solidFill>
-              <a:tailEnd type="arrow"/>
+            <a:ln w="25400">
+              <a:solidFill>
+                <a:schemeClr val="tx1"/>
+              </a:solidFill>
+            </a:ln>
+          </p:spPr>
+          <p:style>
+            <a:lnRef idx="1">
+              <a:schemeClr val="accent1"/>
+            </a:lnRef>
+            <a:fillRef idx="0">
+              <a:schemeClr val="accent1"/>
+            </a:fillRef>
+            <a:effectRef idx="0">
+              <a:schemeClr val="accent1"/>
+            </a:effectRef>
+            <a:fontRef idx="minor">
+              <a:schemeClr val="tx1"/>
+            </a:fontRef>
+          </p:style>
+        </p:cxnSp>
+        <p:sp>
+          <p:nvSpPr>
+            <p:cNvPr id="138" name="TextBox 137"/>
+            <p:cNvSpPr txBox="1"/>
+            <p:nvPr/>
+          </p:nvSpPr>
+          <p:spPr>
+            <a:xfrm>
+              <a:off x="311373" y="3004402"/>
+              <a:ext cx="1605068" cy="680938"/>
+            </a:xfrm>
+            <a:prstGeom prst="rect">
+              <a:avLst/>
+            </a:prstGeom>
+            <a:solidFill>
+              <a:srgbClr val="00B0F0"/>
+            </a:solidFill>
+            <a:ln w="25400">
+              <a:noFill/>
+            </a:ln>
+          </p:spPr>
+          <p:txBody>
+            <a:bodyPr wrap="none" rtlCol="0">
+              <a:spAutoFit/>
+            </a:bodyPr>
+            <a:lstStyle/>
+            <a:p>
+              <a:pPr algn="ctr"/>
+              <a:r>
+                <a:rPr lang="ko-KR" altLang="en-US" sz="1500" dirty="0" smtClean="0">
+                  <a:solidFill>
+                    <a:schemeClr val="bg1"/>
+                  </a:solidFill>
+                </a:rPr>
+                <a:t>운영자</a:t>
+              </a:r>
+              <a:endParaRPr lang="en-US" altLang="ko-KR" sz="1500" dirty="0" smtClean="0">
+                <a:solidFill>
+                  <a:schemeClr val="bg1"/>
+                </a:solidFill>
+              </a:endParaRPr>
+            </a:p>
+          </p:txBody>
+        </p:sp>
+      </p:grpSp>
+      <p:sp>
+        <p:nvSpPr>
+          <p:cNvPr id="37" name="타원 36"/>
+          <p:cNvSpPr/>
+          <p:nvPr/>
+        </p:nvSpPr>
+        <p:spPr>
+          <a:xfrm>
+            <a:off x="551042" y="1296785"/>
+            <a:ext cx="954695" cy="512305"/>
+          </a:xfrm>
+          <a:prstGeom prst="ellipse">
+            <a:avLst/>
+          </a:prstGeom>
+          <a:solidFill>
+            <a:schemeClr val="accent1">
+              <a:lumMod val="40000"/>
+              <a:lumOff val="60000"/>
+            </a:schemeClr>
+          </a:solidFill>
+          <a:ln w="12700">
+            <a:solidFill>
+              <a:schemeClr val="tx1"/>
+            </a:solidFill>
+          </a:ln>
+        </p:spPr>
+        <p:style>
+          <a:lnRef idx="2">
+            <a:schemeClr val="accent1">
+              <a:shade val="50000"/>
+            </a:schemeClr>
+          </a:lnRef>
+          <a:fillRef idx="1">
+            <a:schemeClr val="accent1"/>
+          </a:fillRef>
+          <a:effectRef idx="0">
+            <a:schemeClr val="accent1"/>
+          </a:effectRef>
+          <a:fontRef idx="minor">
+            <a:schemeClr val="lt1"/>
+          </a:fontRef>
+        </p:style>
+        <p:txBody>
+          <a:bodyPr rtlCol="0" anchor="ctr"/>
+          <a:lstStyle/>
+          <a:p>
+            <a:pPr algn="ctr"/>
+            <a:r>
+              <a:rPr lang="ko-KR" altLang="en-US" sz="1200" b="1" dirty="0" smtClean="0">
+                <a:solidFill>
+                  <a:schemeClr val="tx1"/>
+                </a:solidFill>
+              </a:rPr>
+              <a:t>로그인</a:t>
+            </a:r>
+            <a:endParaRPr lang="ko-KR" altLang="en-US" sz="1200" b="1" dirty="0">
+              <a:solidFill>
+                <a:schemeClr val="tx1"/>
+              </a:solidFill>
+            </a:endParaRPr>
+          </a:p>
+        </p:txBody>
+      </p:sp>
+      <p:sp>
+        <p:nvSpPr>
+          <p:cNvPr id="165" name="타원 164"/>
+          <p:cNvSpPr/>
+          <p:nvPr/>
+        </p:nvSpPr>
+        <p:spPr>
+          <a:xfrm>
+            <a:off x="1431999" y="835851"/>
+            <a:ext cx="954695" cy="512305"/>
+          </a:xfrm>
+          <a:prstGeom prst="ellipse">
+            <a:avLst/>
+          </a:prstGeom>
+          <a:solidFill>
+            <a:schemeClr val="accent1">
+              <a:lumMod val="40000"/>
+              <a:lumOff val="60000"/>
+            </a:schemeClr>
+          </a:solidFill>
+          <a:ln w="12700">
+            <a:solidFill>
+              <a:schemeClr val="tx1"/>
+            </a:solidFill>
+          </a:ln>
+        </p:spPr>
+        <p:style>
+          <a:lnRef idx="2">
+            <a:schemeClr val="accent1">
+              <a:shade val="50000"/>
+            </a:schemeClr>
+          </a:lnRef>
+          <a:fillRef idx="1">
+            <a:schemeClr val="accent1"/>
+          </a:fillRef>
+          <a:effectRef idx="0">
+            <a:schemeClr val="accent1"/>
+          </a:effectRef>
+          <a:fontRef idx="minor">
+            <a:schemeClr val="lt1"/>
+          </a:fontRef>
+        </p:style>
+        <p:txBody>
+          <a:bodyPr rtlCol="0" anchor="ctr"/>
+          <a:lstStyle/>
+          <a:p>
+            <a:pPr algn="ctr"/>
+            <a:r>
+              <a:rPr lang="ko-KR" altLang="en-US" sz="1300" b="1" dirty="0" smtClean="0">
+                <a:solidFill>
+                  <a:schemeClr val="tx1"/>
+                </a:solidFill>
+              </a:rPr>
+              <a:t>로그아웃</a:t>
+            </a:r>
+            <a:endParaRPr lang="ko-KR" altLang="en-US" sz="1300" b="1" dirty="0">
+              <a:solidFill>
+                <a:schemeClr val="tx1"/>
+              </a:solidFill>
+            </a:endParaRPr>
+          </a:p>
+        </p:txBody>
+      </p:sp>
+      <p:sp>
+        <p:nvSpPr>
+          <p:cNvPr id="166" name="타원 165"/>
+          <p:cNvSpPr/>
+          <p:nvPr/>
+        </p:nvSpPr>
+        <p:spPr>
+          <a:xfrm>
+            <a:off x="2487476" y="832570"/>
+            <a:ext cx="954695" cy="512305"/>
+          </a:xfrm>
+          <a:prstGeom prst="ellipse">
+            <a:avLst/>
+          </a:prstGeom>
+          <a:solidFill>
+            <a:schemeClr val="accent1">
+              <a:lumMod val="40000"/>
+              <a:lumOff val="60000"/>
+            </a:schemeClr>
+          </a:solidFill>
+          <a:ln w="12700">
+            <a:solidFill>
+              <a:schemeClr val="tx1"/>
+            </a:solidFill>
+          </a:ln>
+        </p:spPr>
+        <p:style>
+          <a:lnRef idx="2">
+            <a:schemeClr val="accent1">
+              <a:shade val="50000"/>
+            </a:schemeClr>
+          </a:lnRef>
+          <a:fillRef idx="1">
+            <a:schemeClr val="accent1"/>
+          </a:fillRef>
+          <a:effectRef idx="0">
+            <a:schemeClr val="accent1"/>
+          </a:effectRef>
+          <a:fontRef idx="minor">
+            <a:schemeClr val="lt1"/>
+          </a:fontRef>
+        </p:style>
+        <p:txBody>
+          <a:bodyPr rtlCol="0" anchor="ctr"/>
+          <a:lstStyle/>
+          <a:p>
+            <a:pPr algn="ctr"/>
+            <a:r>
+              <a:rPr lang="ko-KR" altLang="en-US" sz="1300" b="1" dirty="0" smtClean="0">
+                <a:solidFill>
+                  <a:schemeClr val="tx1"/>
+                </a:solidFill>
+              </a:rPr>
+              <a:t>회원가입</a:t>
+            </a:r>
+            <a:endParaRPr lang="ko-KR" altLang="en-US" sz="1300" b="1" dirty="0">
+              <a:solidFill>
+                <a:schemeClr val="tx1"/>
+              </a:solidFill>
+            </a:endParaRPr>
+          </a:p>
+        </p:txBody>
+      </p:sp>
+      <p:sp>
+        <p:nvSpPr>
+          <p:cNvPr id="167" name="타원 166"/>
+          <p:cNvSpPr/>
+          <p:nvPr/>
+        </p:nvSpPr>
+        <p:spPr>
+          <a:xfrm>
+            <a:off x="3367454" y="1296281"/>
+            <a:ext cx="954695" cy="512305"/>
+          </a:xfrm>
+          <a:prstGeom prst="ellipse">
+            <a:avLst/>
+          </a:prstGeom>
+          <a:solidFill>
+            <a:schemeClr val="accent1">
+              <a:lumMod val="40000"/>
+              <a:lumOff val="60000"/>
+            </a:schemeClr>
+          </a:solidFill>
+          <a:ln w="12700">
+            <a:solidFill>
+              <a:schemeClr val="tx1"/>
+            </a:solidFill>
+          </a:ln>
+        </p:spPr>
+        <p:style>
+          <a:lnRef idx="2">
+            <a:schemeClr val="accent1">
+              <a:shade val="50000"/>
+            </a:schemeClr>
+          </a:lnRef>
+          <a:fillRef idx="1">
+            <a:schemeClr val="accent1"/>
+          </a:fillRef>
+          <a:effectRef idx="0">
+            <a:schemeClr val="accent1"/>
+          </a:effectRef>
+          <a:fontRef idx="minor">
+            <a:schemeClr val="lt1"/>
+          </a:fontRef>
+        </p:style>
+        <p:txBody>
+          <a:bodyPr rtlCol="0" anchor="ctr"/>
+          <a:lstStyle/>
+          <a:p>
+            <a:pPr algn="ctr"/>
+            <a:r>
+              <a:rPr lang="ko-KR" altLang="en-US" sz="1300" b="1" dirty="0" smtClean="0">
+                <a:solidFill>
+                  <a:schemeClr val="tx1"/>
+                </a:solidFill>
+              </a:rPr>
+              <a:t>정보수정</a:t>
+            </a:r>
+            <a:endParaRPr lang="ko-KR" altLang="en-US" sz="1300" b="1" dirty="0">
+              <a:solidFill>
+                <a:schemeClr val="tx1"/>
+              </a:solidFill>
+            </a:endParaRPr>
+          </a:p>
+        </p:txBody>
+      </p:sp>
+      <p:grpSp>
+        <p:nvGrpSpPr>
+          <p:cNvPr id="168" name="그룹 167"/>
+          <p:cNvGrpSpPr/>
+          <p:nvPr/>
+        </p:nvGrpSpPr>
+        <p:grpSpPr>
+          <a:xfrm>
+            <a:off x="8580639" y="1970134"/>
+            <a:ext cx="1213794" cy="1083788"/>
+            <a:chOff x="-164877" y="1401700"/>
+            <a:chExt cx="2557573" cy="2283640"/>
+          </a:xfrm>
+        </p:grpSpPr>
+        <p:sp>
+          <p:nvSpPr>
+            <p:cNvPr id="169" name="타원 168"/>
+            <p:cNvSpPr/>
+            <p:nvPr/>
+          </p:nvSpPr>
+          <p:spPr>
+            <a:xfrm>
+              <a:off x="914401" y="1401700"/>
+              <a:ext cx="399011" cy="399011"/>
+            </a:xfrm>
+            <a:prstGeom prst="ellipse">
+              <a:avLst/>
+            </a:prstGeom>
+            <a:solidFill>
+              <a:srgbClr val="00B0F0"/>
+            </a:solidFill>
+            <a:ln w="25400">
+              <a:solidFill>
+                <a:schemeClr val="tx1"/>
+              </a:solidFill>
+            </a:ln>
+          </p:spPr>
+          <p:style>
+            <a:lnRef idx="2">
+              <a:schemeClr val="accent1">
+                <a:shade val="50000"/>
+              </a:schemeClr>
+            </a:lnRef>
+            <a:fillRef idx="1">
+              <a:schemeClr val="accent1"/>
+            </a:fillRef>
+            <a:effectRef idx="0">
+              <a:schemeClr val="accent1"/>
+            </a:effectRef>
+            <a:fontRef idx="minor">
+              <a:schemeClr val="lt1"/>
+            </a:fontRef>
+          </p:style>
+          <p:txBody>
+            <a:bodyPr rtlCol="0" anchor="ctr"/>
+            <a:lstStyle/>
+            <a:p>
+              <a:pPr algn="ctr"/>
+              <a:endParaRPr lang="ko-KR" altLang="en-US"/>
+            </a:p>
+          </p:txBody>
+        </p:sp>
+        <p:cxnSp>
+          <p:nvCxnSpPr>
+            <p:cNvPr id="170" name="직선 연결선 169"/>
+            <p:cNvCxnSpPr/>
+            <p:nvPr/>
+          </p:nvCxnSpPr>
+          <p:spPr>
+            <a:xfrm>
+              <a:off x="698270" y="1942027"/>
+              <a:ext cx="831272" cy="0"/>
+            </a:xfrm>
+            <a:prstGeom prst="line">
+              <a:avLst/>
+            </a:prstGeom>
+            <a:ln w="25400">
+              <a:solidFill>
+                <a:schemeClr val="tx1"/>
+              </a:solidFill>
             </a:ln>
           </p:spPr>
           <p:style>
@@ -41804,23 +40038,24 @@
         </p:cxnSp>
         <p:cxnSp>
           <p:nvCxnSpPr>
-            <p:cNvPr id="224" name="직선 화살표 연결선 223"/>
-            <p:cNvCxnSpPr/>
+            <p:cNvPr id="171" name="직선 연결선 170"/>
+            <p:cNvCxnSpPr>
+              <a:stCxn id="169" idx="4"/>
+            </p:cNvCxnSpPr>
             <p:nvPr/>
           </p:nvCxnSpPr>
           <p:spPr>
-            <a:xfrm>
-              <a:off x="9124950" y="3799178"/>
-              <a:ext cx="788194" cy="0"/>
+            <a:xfrm flipH="1">
+              <a:off x="1113906" y="1800711"/>
+              <a:ext cx="1" cy="651540"/>
             </a:xfrm>
-            <a:prstGeom prst="straightConnector1">
+            <a:prstGeom prst="line">
               <a:avLst/>
             </a:prstGeom>
-            <a:ln w="12700">
-              <a:solidFill>
-                <a:schemeClr val="tx1"/>
-              </a:solidFill>
-              <a:tailEnd type="arrow"/>
+            <a:ln w="25400">
+              <a:solidFill>
+                <a:schemeClr val="tx1"/>
+              </a:solidFill>
             </a:ln>
           </p:spPr>
           <p:style>
@@ -41840,23 +40075,22 @@
         </p:cxnSp>
         <p:cxnSp>
           <p:nvCxnSpPr>
-            <p:cNvPr id="226" name="직선 화살표 연결선 225"/>
+            <p:cNvPr id="172" name="직선 연결선 171"/>
             <p:cNvCxnSpPr/>
             <p:nvPr/>
           </p:nvCxnSpPr>
           <p:spPr>
-            <a:xfrm flipH="1" flipV="1">
-              <a:off x="1095783" y="1642526"/>
-              <a:ext cx="578940" cy="346093"/>
+            <a:xfrm flipH="1">
+              <a:off x="698270" y="2452251"/>
+              <a:ext cx="415636" cy="415636"/>
             </a:xfrm>
-            <a:prstGeom prst="straightConnector1">
+            <a:prstGeom prst="line">
               <a:avLst/>
             </a:prstGeom>
-            <a:ln w="12700">
-              <a:solidFill>
-                <a:schemeClr val="tx1"/>
-              </a:solidFill>
-              <a:tailEnd type="arrow"/>
+            <a:ln w="25400">
+              <a:solidFill>
+                <a:schemeClr val="tx1"/>
+              </a:solidFill>
             </a:ln>
           </p:spPr>
           <p:style>
@@ -41876,23 +40110,22 @@
         </p:cxnSp>
         <p:cxnSp>
           <p:nvCxnSpPr>
-            <p:cNvPr id="228" name="직선 화살표 연결선 227"/>
+            <p:cNvPr id="173" name="직선 연결선 172"/>
             <p:cNvCxnSpPr/>
             <p:nvPr/>
           </p:nvCxnSpPr>
           <p:spPr>
-            <a:xfrm flipH="1" flipV="1">
-              <a:off x="1620117" y="1307314"/>
-              <a:ext cx="238224" cy="526188"/>
+            <a:xfrm>
+              <a:off x="1113906" y="2452251"/>
+              <a:ext cx="415636" cy="415636"/>
             </a:xfrm>
-            <a:prstGeom prst="straightConnector1">
+            <a:prstGeom prst="line">
               <a:avLst/>
             </a:prstGeom>
-            <a:ln w="12700">
-              <a:solidFill>
-                <a:schemeClr val="tx1"/>
-              </a:solidFill>
-              <a:tailEnd type="arrow"/>
+            <a:ln w="25400">
+              <a:solidFill>
+                <a:schemeClr val="tx1"/>
+              </a:solidFill>
             </a:ln>
           </p:spPr>
           <p:style>
@@ -41910,331 +40143,1906 @@
             </a:fontRef>
           </p:style>
         </p:cxnSp>
-        <p:cxnSp>
-          <p:nvCxnSpPr>
-            <p:cNvPr id="230" name="직선 화살표 연결선 229"/>
-            <p:cNvCxnSpPr/>
+        <p:sp>
+          <p:nvSpPr>
+            <p:cNvPr id="174" name="TextBox 173"/>
+            <p:cNvSpPr txBox="1"/>
             <p:nvPr/>
-          </p:nvCxnSpPr>
+          </p:nvSpPr>
           <p:spPr>
-            <a:xfrm flipV="1">
-              <a:off x="2245042" y="1307314"/>
-              <a:ext cx="188308" cy="519194"/>
+            <a:xfrm>
+              <a:off x="-164877" y="3004402"/>
+              <a:ext cx="2557573" cy="680938"/>
             </a:xfrm>
-            <a:prstGeom prst="straightConnector1">
+            <a:prstGeom prst="rect">
               <a:avLst/>
             </a:prstGeom>
-            <a:ln w="12700">
-              <a:solidFill>
-                <a:schemeClr val="tx1"/>
-              </a:solidFill>
-              <a:tailEnd type="arrow"/>
+            <a:solidFill>
+              <a:srgbClr val="00B0F0"/>
+            </a:solidFill>
+            <a:ln w="25400">
+              <a:noFill/>
             </a:ln>
           </p:spPr>
-          <p:style>
-            <a:lnRef idx="1">
-              <a:schemeClr val="accent1"/>
-            </a:lnRef>
-            <a:fillRef idx="0">
-              <a:schemeClr val="accent1"/>
-            </a:fillRef>
-            <a:effectRef idx="0">
-              <a:schemeClr val="accent1"/>
-            </a:effectRef>
-            <a:fontRef idx="minor">
+          <p:txBody>
+            <a:bodyPr wrap="none" rtlCol="0">
+              <a:spAutoFit/>
+            </a:bodyPr>
+            <a:lstStyle/>
+            <a:p>
+              <a:pPr algn="ctr"/>
+              <a:r>
+                <a:rPr lang="ko-KR" altLang="en-US" sz="1500" dirty="0" smtClean="0">
+                  <a:solidFill>
+                    <a:schemeClr val="bg1"/>
+                  </a:solidFill>
+                </a:rPr>
+                <a:t>과정 운영자</a:t>
+              </a:r>
+              <a:endParaRPr lang="en-US" altLang="ko-KR" sz="1500" dirty="0" smtClean="0">
+                <a:solidFill>
+                  <a:schemeClr val="bg1"/>
+                </a:solidFill>
+              </a:endParaRPr>
+            </a:p>
+          </p:txBody>
+        </p:sp>
+      </p:grpSp>
+      <p:sp>
+        <p:nvSpPr>
+          <p:cNvPr id="175" name="타원 174"/>
+          <p:cNvSpPr/>
+          <p:nvPr/>
+        </p:nvSpPr>
+        <p:spPr>
+          <a:xfrm>
+            <a:off x="2143673" y="3660702"/>
+            <a:ext cx="954695" cy="512305"/>
+          </a:xfrm>
+          <a:prstGeom prst="ellipse">
+            <a:avLst/>
+          </a:prstGeom>
+          <a:solidFill>
+            <a:schemeClr val="accent1">
+              <a:lumMod val="40000"/>
+              <a:lumOff val="60000"/>
+            </a:schemeClr>
+          </a:solidFill>
+          <a:ln w="12700">
+            <a:solidFill>
               <a:schemeClr val="tx1"/>
-            </a:fontRef>
-          </p:style>
-        </p:cxnSp>
-        <p:cxnSp>
-          <p:nvCxnSpPr>
-            <p:cNvPr id="232" name="직선 화살표 연결선 231"/>
-            <p:cNvCxnSpPr/>
-            <p:nvPr/>
-          </p:nvCxnSpPr>
-          <p:spPr>
-            <a:xfrm flipV="1">
-              <a:off x="2390183" y="1659925"/>
-              <a:ext cx="635376" cy="328693"/>
-            </a:xfrm>
-            <a:prstGeom prst="straightConnector1">
-              <a:avLst/>
-            </a:prstGeom>
-            <a:ln w="12700">
-              <a:solidFill>
-                <a:schemeClr val="tx1"/>
-              </a:solidFill>
-              <a:tailEnd type="arrow"/>
-            </a:ln>
-          </p:spPr>
-          <p:style>
-            <a:lnRef idx="1">
-              <a:schemeClr val="accent1"/>
-            </a:lnRef>
-            <a:fillRef idx="0">
-              <a:schemeClr val="accent1"/>
-            </a:fillRef>
-            <a:effectRef idx="0">
-              <a:schemeClr val="accent1"/>
-            </a:effectRef>
-            <a:fontRef idx="minor">
+            </a:solidFill>
+          </a:ln>
+        </p:spPr>
+        <p:style>
+          <a:lnRef idx="2">
+            <a:schemeClr val="accent1">
+              <a:shade val="50000"/>
+            </a:schemeClr>
+          </a:lnRef>
+          <a:fillRef idx="1">
+            <a:schemeClr val="accent1"/>
+          </a:fillRef>
+          <a:effectRef idx="0">
+            <a:schemeClr val="accent1"/>
+          </a:effectRef>
+          <a:fontRef idx="minor">
+            <a:schemeClr val="lt1"/>
+          </a:fontRef>
+        </p:style>
+        <p:txBody>
+          <a:bodyPr rtlCol="0" anchor="ctr"/>
+          <a:lstStyle/>
+          <a:p>
+            <a:pPr algn="ctr"/>
+            <a:r>
+              <a:rPr lang="ko-KR" altLang="en-US" sz="1300" b="1" dirty="0" smtClean="0">
+                <a:solidFill>
+                  <a:schemeClr val="tx1"/>
+                </a:solidFill>
+              </a:rPr>
+              <a:t>강의 신청</a:t>
+            </a:r>
+            <a:endParaRPr lang="ko-KR" altLang="en-US" sz="1300" b="1" dirty="0">
+              <a:solidFill>
+                <a:schemeClr val="tx1"/>
+              </a:solidFill>
+            </a:endParaRPr>
+          </a:p>
+        </p:txBody>
+      </p:sp>
+      <p:sp>
+        <p:nvSpPr>
+          <p:cNvPr id="176" name="타원 175"/>
+          <p:cNvSpPr/>
+          <p:nvPr/>
+        </p:nvSpPr>
+        <p:spPr>
+          <a:xfrm>
+            <a:off x="6703689" y="1449167"/>
+            <a:ext cx="954695" cy="512305"/>
+          </a:xfrm>
+          <a:prstGeom prst="ellipse">
+            <a:avLst/>
+          </a:prstGeom>
+          <a:solidFill>
+            <a:schemeClr val="accent1">
+              <a:lumMod val="40000"/>
+              <a:lumOff val="60000"/>
+            </a:schemeClr>
+          </a:solidFill>
+          <a:ln w="12700">
+            <a:solidFill>
               <a:schemeClr val="tx1"/>
-            </a:fontRef>
-          </p:style>
-        </p:cxnSp>
-        <p:cxnSp>
-          <p:nvCxnSpPr>
-            <p:cNvPr id="234" name="직선 화살표 연결선 233"/>
-            <p:cNvCxnSpPr/>
-            <p:nvPr/>
-          </p:nvCxnSpPr>
-          <p:spPr>
-            <a:xfrm flipH="1" flipV="1">
-              <a:off x="7277384" y="1732386"/>
-              <a:ext cx="1048485" cy="256231"/>
-            </a:xfrm>
-            <a:prstGeom prst="straightConnector1">
-              <a:avLst/>
-            </a:prstGeom>
-            <a:ln w="12700">
-              <a:solidFill>
-                <a:schemeClr val="tx1"/>
-              </a:solidFill>
-              <a:tailEnd type="arrow"/>
-            </a:ln>
-          </p:spPr>
-          <p:style>
-            <a:lnRef idx="1">
-              <a:schemeClr val="accent1"/>
-            </a:lnRef>
-            <a:fillRef idx="0">
-              <a:schemeClr val="accent1"/>
-            </a:fillRef>
-            <a:effectRef idx="0">
-              <a:schemeClr val="accent1"/>
-            </a:effectRef>
-            <a:fontRef idx="minor">
+            </a:solidFill>
+          </a:ln>
+        </p:spPr>
+        <p:style>
+          <a:lnRef idx="2">
+            <a:schemeClr val="accent1">
+              <a:shade val="50000"/>
+            </a:schemeClr>
+          </a:lnRef>
+          <a:fillRef idx="1">
+            <a:schemeClr val="accent1"/>
+          </a:fillRef>
+          <a:effectRef idx="0">
+            <a:schemeClr val="accent1"/>
+          </a:effectRef>
+          <a:fontRef idx="minor">
+            <a:schemeClr val="lt1"/>
+          </a:fontRef>
+        </p:style>
+        <p:txBody>
+          <a:bodyPr rtlCol="0" anchor="ctr"/>
+          <a:lstStyle/>
+          <a:p>
+            <a:pPr algn="ctr"/>
+            <a:r>
+              <a:rPr lang="ko-KR" altLang="en-US" sz="1300" b="1" dirty="0" smtClean="0">
+                <a:solidFill>
+                  <a:schemeClr val="tx1"/>
+                </a:solidFill>
+              </a:rPr>
+              <a:t>강의 관리</a:t>
+            </a:r>
+            <a:endParaRPr lang="ko-KR" altLang="en-US" sz="1300" b="1" dirty="0">
+              <a:solidFill>
+                <a:schemeClr val="tx1"/>
+              </a:solidFill>
+            </a:endParaRPr>
+          </a:p>
+        </p:txBody>
+      </p:sp>
+      <p:sp>
+        <p:nvSpPr>
+          <p:cNvPr id="177" name="타원 176"/>
+          <p:cNvSpPr/>
+          <p:nvPr/>
+        </p:nvSpPr>
+        <p:spPr>
+          <a:xfrm>
+            <a:off x="7658384" y="993376"/>
+            <a:ext cx="954695" cy="512305"/>
+          </a:xfrm>
+          <a:prstGeom prst="ellipse">
+            <a:avLst/>
+          </a:prstGeom>
+          <a:solidFill>
+            <a:schemeClr val="accent1">
+              <a:lumMod val="40000"/>
+              <a:lumOff val="60000"/>
+            </a:schemeClr>
+          </a:solidFill>
+          <a:ln w="12700">
+            <a:solidFill>
               <a:schemeClr val="tx1"/>
-            </a:fontRef>
-          </p:style>
-        </p:cxnSp>
-        <p:cxnSp>
-          <p:nvCxnSpPr>
-            <p:cNvPr id="236" name="직선 화살표 연결선 235"/>
-            <p:cNvCxnSpPr/>
-            <p:nvPr/>
-          </p:nvCxnSpPr>
-          <p:spPr>
-            <a:xfrm flipH="1" flipV="1">
-              <a:off x="7976642" y="1468877"/>
-              <a:ext cx="529183" cy="347298"/>
-            </a:xfrm>
-            <a:prstGeom prst="straightConnector1">
-              <a:avLst/>
-            </a:prstGeom>
-            <a:ln w="12700">
-              <a:solidFill>
-                <a:schemeClr val="tx1"/>
-              </a:solidFill>
-              <a:tailEnd type="arrow"/>
-            </a:ln>
-          </p:spPr>
-          <p:style>
-            <a:lnRef idx="1">
-              <a:schemeClr val="accent1"/>
-            </a:lnRef>
-            <a:fillRef idx="0">
-              <a:schemeClr val="accent1"/>
-            </a:fillRef>
-            <a:effectRef idx="0">
-              <a:schemeClr val="accent1"/>
-            </a:effectRef>
-            <a:fontRef idx="minor">
+            </a:solidFill>
+          </a:ln>
+        </p:spPr>
+        <p:style>
+          <a:lnRef idx="2">
+            <a:schemeClr val="accent1">
+              <a:shade val="50000"/>
+            </a:schemeClr>
+          </a:lnRef>
+          <a:fillRef idx="1">
+            <a:schemeClr val="accent1"/>
+          </a:fillRef>
+          <a:effectRef idx="0">
+            <a:schemeClr val="accent1"/>
+          </a:effectRef>
+          <a:fontRef idx="minor">
+            <a:schemeClr val="lt1"/>
+          </a:fontRef>
+        </p:style>
+        <p:txBody>
+          <a:bodyPr rtlCol="0" anchor="ctr"/>
+          <a:lstStyle/>
+          <a:p>
+            <a:pPr algn="ctr"/>
+            <a:r>
+              <a:rPr lang="ko-KR" altLang="en-US" sz="1300" b="1" dirty="0" smtClean="0">
+                <a:solidFill>
+                  <a:schemeClr val="tx1"/>
+                </a:solidFill>
+              </a:rPr>
+              <a:t>시험 관리</a:t>
+            </a:r>
+            <a:endParaRPr lang="ko-KR" altLang="en-US" sz="1300" b="1" dirty="0">
+              <a:solidFill>
+                <a:schemeClr val="tx1"/>
+              </a:solidFill>
+            </a:endParaRPr>
+          </a:p>
+        </p:txBody>
+      </p:sp>
+      <p:sp>
+        <p:nvSpPr>
+          <p:cNvPr id="178" name="타원 177"/>
+          <p:cNvSpPr/>
+          <p:nvPr/>
+        </p:nvSpPr>
+        <p:spPr>
+          <a:xfrm>
+            <a:off x="8706869" y="837410"/>
+            <a:ext cx="954695" cy="512305"/>
+          </a:xfrm>
+          <a:prstGeom prst="ellipse">
+            <a:avLst/>
+          </a:prstGeom>
+          <a:solidFill>
+            <a:schemeClr val="accent1">
+              <a:lumMod val="40000"/>
+              <a:lumOff val="60000"/>
+            </a:schemeClr>
+          </a:solidFill>
+          <a:ln w="12700">
+            <a:solidFill>
               <a:schemeClr val="tx1"/>
-            </a:fontRef>
-          </p:style>
-        </p:cxnSp>
-        <p:cxnSp>
-          <p:nvCxnSpPr>
-            <p:cNvPr id="238" name="직선 화살표 연결선 237"/>
-            <p:cNvCxnSpPr/>
-            <p:nvPr/>
-          </p:nvCxnSpPr>
-          <p:spPr>
-            <a:xfrm flipV="1">
-              <a:off x="8803216" y="1307314"/>
-              <a:ext cx="0" cy="508861"/>
-            </a:xfrm>
-            <a:prstGeom prst="straightConnector1">
-              <a:avLst/>
-            </a:prstGeom>
-            <a:ln w="12700">
-              <a:solidFill>
-                <a:schemeClr val="tx1"/>
-              </a:solidFill>
-              <a:tailEnd type="arrow"/>
-            </a:ln>
-          </p:spPr>
-          <p:style>
-            <a:lnRef idx="1">
-              <a:schemeClr val="accent1"/>
-            </a:lnRef>
-            <a:fillRef idx="0">
-              <a:schemeClr val="accent1"/>
-            </a:fillRef>
-            <a:effectRef idx="0">
-              <a:schemeClr val="accent1"/>
-            </a:effectRef>
-            <a:fontRef idx="minor">
+            </a:solidFill>
+          </a:ln>
+        </p:spPr>
+        <p:style>
+          <a:lnRef idx="2">
+            <a:schemeClr val="accent1">
+              <a:shade val="50000"/>
+            </a:schemeClr>
+          </a:lnRef>
+          <a:fillRef idx="1">
+            <a:schemeClr val="accent1"/>
+          </a:fillRef>
+          <a:effectRef idx="0">
+            <a:schemeClr val="accent1"/>
+          </a:effectRef>
+          <a:fontRef idx="minor">
+            <a:schemeClr val="lt1"/>
+          </a:fontRef>
+        </p:style>
+        <p:txBody>
+          <a:bodyPr rtlCol="0" anchor="ctr"/>
+          <a:lstStyle/>
+          <a:p>
+            <a:pPr algn="ctr"/>
+            <a:r>
+              <a:rPr lang="ko-KR" altLang="en-US" sz="1300" b="1" dirty="0" smtClean="0">
+                <a:solidFill>
+                  <a:schemeClr val="tx1"/>
+                </a:solidFill>
+              </a:rPr>
+              <a:t>과제 관리</a:t>
+            </a:r>
+            <a:endParaRPr lang="ko-KR" altLang="en-US" sz="1300" b="1" dirty="0">
+              <a:solidFill>
+                <a:schemeClr val="tx1"/>
+              </a:solidFill>
+            </a:endParaRPr>
+          </a:p>
+        </p:txBody>
+      </p:sp>
+      <p:sp>
+        <p:nvSpPr>
+          <p:cNvPr id="179" name="타원 178"/>
+          <p:cNvSpPr/>
+          <p:nvPr/>
+        </p:nvSpPr>
+        <p:spPr>
+          <a:xfrm>
+            <a:off x="9755354" y="993130"/>
+            <a:ext cx="954695" cy="512305"/>
+          </a:xfrm>
+          <a:prstGeom prst="ellipse">
+            <a:avLst/>
+          </a:prstGeom>
+          <a:solidFill>
+            <a:schemeClr val="accent1">
+              <a:lumMod val="40000"/>
+              <a:lumOff val="60000"/>
+            </a:schemeClr>
+          </a:solidFill>
+          <a:ln w="12700">
+            <a:solidFill>
               <a:schemeClr val="tx1"/>
-            </a:fontRef>
-          </p:style>
-        </p:cxnSp>
-        <p:cxnSp>
-          <p:nvCxnSpPr>
-            <p:cNvPr id="240" name="직선 화살표 연결선 239"/>
-            <p:cNvCxnSpPr/>
-            <p:nvPr/>
-          </p:nvCxnSpPr>
-          <p:spPr>
-            <a:xfrm flipV="1">
-              <a:off x="9060938" y="1459657"/>
-              <a:ext cx="497400" cy="356518"/>
-            </a:xfrm>
-            <a:prstGeom prst="straightConnector1">
-              <a:avLst/>
-            </a:prstGeom>
-            <a:ln w="12700">
-              <a:solidFill>
-                <a:schemeClr val="tx1"/>
-              </a:solidFill>
-              <a:tailEnd type="arrow"/>
-            </a:ln>
-          </p:spPr>
-          <p:style>
-            <a:lnRef idx="1">
-              <a:schemeClr val="accent1"/>
-            </a:lnRef>
-            <a:fillRef idx="0">
-              <a:schemeClr val="accent1"/>
-            </a:fillRef>
-            <a:effectRef idx="0">
-              <a:schemeClr val="accent1"/>
-            </a:effectRef>
-            <a:fontRef idx="minor">
+            </a:solidFill>
+          </a:ln>
+        </p:spPr>
+        <p:style>
+          <a:lnRef idx="2">
+            <a:schemeClr val="accent1">
+              <a:shade val="50000"/>
+            </a:schemeClr>
+          </a:lnRef>
+          <a:fillRef idx="1">
+            <a:schemeClr val="accent1"/>
+          </a:fillRef>
+          <a:effectRef idx="0">
+            <a:schemeClr val="accent1"/>
+          </a:effectRef>
+          <a:fontRef idx="minor">
+            <a:schemeClr val="lt1"/>
+          </a:fontRef>
+        </p:style>
+        <p:txBody>
+          <a:bodyPr rtlCol="0" anchor="ctr"/>
+          <a:lstStyle/>
+          <a:p>
+            <a:pPr algn="ctr"/>
+            <a:r>
+              <a:rPr lang="ko-KR" altLang="en-US" sz="1300" b="1" dirty="0" smtClean="0">
+                <a:solidFill>
+                  <a:schemeClr val="tx1"/>
+                </a:solidFill>
+              </a:rPr>
+              <a:t>제출 관리</a:t>
+            </a:r>
+            <a:endParaRPr lang="ko-KR" altLang="en-US" sz="1300" b="1" dirty="0">
+              <a:solidFill>
+                <a:schemeClr val="tx1"/>
+              </a:solidFill>
+            </a:endParaRPr>
+          </a:p>
+        </p:txBody>
+      </p:sp>
+      <p:sp>
+        <p:nvSpPr>
+          <p:cNvPr id="180" name="타원 179"/>
+          <p:cNvSpPr/>
+          <p:nvPr/>
+        </p:nvSpPr>
+        <p:spPr>
+          <a:xfrm>
+            <a:off x="10710049" y="1449167"/>
+            <a:ext cx="954695" cy="512305"/>
+          </a:xfrm>
+          <a:prstGeom prst="ellipse">
+            <a:avLst/>
+          </a:prstGeom>
+          <a:solidFill>
+            <a:schemeClr val="accent1">
+              <a:lumMod val="40000"/>
+              <a:lumOff val="60000"/>
+            </a:schemeClr>
+          </a:solidFill>
+          <a:ln w="12700">
+            <a:solidFill>
               <a:schemeClr val="tx1"/>
-            </a:fontRef>
-          </p:style>
-        </p:cxnSp>
-        <p:cxnSp>
-          <p:nvCxnSpPr>
-            <p:cNvPr id="242" name="직선 화살표 연결선 241"/>
-            <p:cNvCxnSpPr/>
-            <p:nvPr/>
-          </p:nvCxnSpPr>
-          <p:spPr>
-            <a:xfrm flipV="1">
-              <a:off x="9201150" y="1732386"/>
-              <a:ext cx="1127899" cy="256231"/>
-            </a:xfrm>
-            <a:prstGeom prst="straightConnector1">
-              <a:avLst/>
-            </a:prstGeom>
-            <a:ln w="12700">
-              <a:solidFill>
-                <a:schemeClr val="tx1"/>
-              </a:solidFill>
-              <a:tailEnd type="arrow"/>
-            </a:ln>
-          </p:spPr>
-          <p:style>
-            <a:lnRef idx="1">
-              <a:schemeClr val="accent1"/>
-            </a:lnRef>
-            <a:fillRef idx="0">
-              <a:schemeClr val="accent1"/>
-            </a:fillRef>
-            <a:effectRef idx="0">
-              <a:schemeClr val="accent1"/>
-            </a:effectRef>
-            <a:fontRef idx="minor">
+            </a:solidFill>
+          </a:ln>
+        </p:spPr>
+        <p:style>
+          <a:lnRef idx="2">
+            <a:schemeClr val="accent1">
+              <a:shade val="50000"/>
+            </a:schemeClr>
+          </a:lnRef>
+          <a:fillRef idx="1">
+            <a:schemeClr val="accent1"/>
+          </a:fillRef>
+          <a:effectRef idx="0">
+            <a:schemeClr val="accent1"/>
+          </a:effectRef>
+          <a:fontRef idx="minor">
+            <a:schemeClr val="lt1"/>
+          </a:fontRef>
+        </p:style>
+        <p:txBody>
+          <a:bodyPr rtlCol="0" anchor="ctr"/>
+          <a:lstStyle/>
+          <a:p>
+            <a:pPr algn="ctr"/>
+            <a:r>
+              <a:rPr lang="ko-KR" altLang="en-US" sz="1000" b="1" dirty="0" smtClean="0">
+                <a:solidFill>
+                  <a:schemeClr val="tx1"/>
+                </a:solidFill>
+              </a:rPr>
+              <a:t>게시판 관리</a:t>
+            </a:r>
+            <a:endParaRPr lang="ko-KR" altLang="en-US" sz="1000" b="1" dirty="0">
+              <a:solidFill>
+                <a:schemeClr val="tx1"/>
+              </a:solidFill>
+            </a:endParaRPr>
+          </a:p>
+        </p:txBody>
+      </p:sp>
+      <p:sp>
+        <p:nvSpPr>
+          <p:cNvPr id="181" name="타원 180"/>
+          <p:cNvSpPr/>
+          <p:nvPr/>
+        </p:nvSpPr>
+        <p:spPr>
+          <a:xfrm>
+            <a:off x="10359275" y="3266800"/>
+            <a:ext cx="954695" cy="512305"/>
+          </a:xfrm>
+          <a:prstGeom prst="ellipse">
+            <a:avLst/>
+          </a:prstGeom>
+          <a:solidFill>
+            <a:schemeClr val="accent1">
+              <a:lumMod val="40000"/>
+              <a:lumOff val="60000"/>
+            </a:schemeClr>
+          </a:solidFill>
+          <a:ln w="12700">
+            <a:solidFill>
               <a:schemeClr val="tx1"/>
-            </a:fontRef>
-          </p:style>
-        </p:cxnSp>
-        <p:cxnSp>
-          <p:nvCxnSpPr>
-            <p:cNvPr id="257" name="직선 화살표 연결선 256"/>
-            <p:cNvCxnSpPr/>
-            <p:nvPr/>
-          </p:nvCxnSpPr>
-          <p:spPr>
-            <a:xfrm flipH="1">
-              <a:off x="5161977" y="5777070"/>
-              <a:ext cx="210123" cy="198280"/>
-            </a:xfrm>
-            <a:prstGeom prst="straightConnector1">
-              <a:avLst/>
-            </a:prstGeom>
-            <a:ln w="12700">
-              <a:solidFill>
-                <a:schemeClr val="tx1"/>
-              </a:solidFill>
-              <a:tailEnd type="arrow"/>
-            </a:ln>
-          </p:spPr>
-          <p:style>
-            <a:lnRef idx="1">
-              <a:schemeClr val="accent1"/>
-            </a:lnRef>
-            <a:fillRef idx="0">
-              <a:schemeClr val="accent1"/>
-            </a:fillRef>
-            <a:effectRef idx="0">
-              <a:schemeClr val="accent1"/>
-            </a:effectRef>
-            <a:fontRef idx="minor">
+            </a:solidFill>
+          </a:ln>
+        </p:spPr>
+        <p:style>
+          <a:lnRef idx="2">
+            <a:schemeClr val="accent1">
+              <a:shade val="50000"/>
+            </a:schemeClr>
+          </a:lnRef>
+          <a:fillRef idx="1">
+            <a:schemeClr val="accent1"/>
+          </a:fillRef>
+          <a:effectRef idx="0">
+            <a:schemeClr val="accent1"/>
+          </a:effectRef>
+          <a:fontRef idx="minor">
+            <a:schemeClr val="lt1"/>
+          </a:fontRef>
+        </p:style>
+        <p:txBody>
+          <a:bodyPr rtlCol="0" anchor="ctr"/>
+          <a:lstStyle/>
+          <a:p>
+            <a:pPr algn="ctr"/>
+            <a:r>
+              <a:rPr lang="ko-KR" altLang="en-US" sz="1300" b="1" dirty="0" smtClean="0">
+                <a:solidFill>
+                  <a:schemeClr val="tx1"/>
+                </a:solidFill>
+              </a:rPr>
+              <a:t>소속 관리</a:t>
+            </a:r>
+            <a:endParaRPr lang="ko-KR" altLang="en-US" sz="1300" b="1" dirty="0">
+              <a:solidFill>
+                <a:schemeClr val="tx1"/>
+              </a:solidFill>
+            </a:endParaRPr>
+          </a:p>
+        </p:txBody>
+      </p:sp>
+      <p:sp>
+        <p:nvSpPr>
+          <p:cNvPr id="182" name="타원 181"/>
+          <p:cNvSpPr/>
+          <p:nvPr/>
+        </p:nvSpPr>
+        <p:spPr>
+          <a:xfrm>
+            <a:off x="2559367" y="6079640"/>
+            <a:ext cx="954695" cy="512305"/>
+          </a:xfrm>
+          <a:prstGeom prst="ellipse">
+            <a:avLst/>
+          </a:prstGeom>
+          <a:solidFill>
+            <a:schemeClr val="accent1">
+              <a:lumMod val="40000"/>
+              <a:lumOff val="60000"/>
+            </a:schemeClr>
+          </a:solidFill>
+          <a:ln w="12700">
+            <a:solidFill>
               <a:schemeClr val="tx1"/>
-            </a:fontRef>
-          </p:style>
-        </p:cxnSp>
-        <p:cxnSp>
-          <p:nvCxnSpPr>
-            <p:cNvPr id="260" name="직선 화살표 연결선 259"/>
-            <p:cNvCxnSpPr/>
-            <p:nvPr/>
-          </p:nvCxnSpPr>
-          <p:spPr>
-            <a:xfrm>
-              <a:off x="6247338" y="5777070"/>
-              <a:ext cx="199691" cy="198280"/>
-            </a:xfrm>
-            <a:prstGeom prst="straightConnector1">
-              <a:avLst/>
-            </a:prstGeom>
-            <a:ln w="12700">
-              <a:solidFill>
-                <a:schemeClr val="tx1"/>
-              </a:solidFill>
-              <a:tailEnd type="arrow"/>
-            </a:ln>
-          </p:spPr>
-          <p:style>
-            <a:lnRef idx="1">
-              <a:schemeClr val="accent1"/>
-            </a:lnRef>
-            <a:fillRef idx="0">
-              <a:schemeClr val="accent1"/>
-            </a:fillRef>
-            <a:effectRef idx="0">
-              <a:schemeClr val="accent1"/>
-            </a:effectRef>
-            <a:fontRef idx="minor">
+            </a:solidFill>
+          </a:ln>
+        </p:spPr>
+        <p:style>
+          <a:lnRef idx="2">
+            <a:schemeClr val="accent1">
+              <a:shade val="50000"/>
+            </a:schemeClr>
+          </a:lnRef>
+          <a:fillRef idx="1">
+            <a:schemeClr val="accent1"/>
+          </a:fillRef>
+          <a:effectRef idx="0">
+            <a:schemeClr val="accent1"/>
+          </a:effectRef>
+          <a:fontRef idx="minor">
+            <a:schemeClr val="lt1"/>
+          </a:fontRef>
+        </p:style>
+        <p:txBody>
+          <a:bodyPr rtlCol="0" anchor="ctr"/>
+          <a:lstStyle/>
+          <a:p>
+            <a:pPr algn="ctr"/>
+            <a:r>
+              <a:rPr lang="ko-KR" altLang="en-US" sz="1000" b="1" dirty="0" smtClean="0">
+                <a:solidFill>
+                  <a:schemeClr val="tx1"/>
+                </a:solidFill>
+              </a:rPr>
+              <a:t>운영자 권한    부여</a:t>
+            </a:r>
+            <a:endParaRPr lang="ko-KR" altLang="en-US" sz="1000" b="1" dirty="0">
+              <a:solidFill>
+                <a:schemeClr val="tx1"/>
+              </a:solidFill>
+            </a:endParaRPr>
+          </a:p>
+        </p:txBody>
+      </p:sp>
+      <p:sp>
+        <p:nvSpPr>
+          <p:cNvPr id="183" name="타원 182"/>
+          <p:cNvSpPr/>
+          <p:nvPr/>
+        </p:nvSpPr>
+        <p:spPr>
+          <a:xfrm>
+            <a:off x="8077904" y="6099086"/>
+            <a:ext cx="954695" cy="512305"/>
+          </a:xfrm>
+          <a:prstGeom prst="ellipse">
+            <a:avLst/>
+          </a:prstGeom>
+          <a:solidFill>
+            <a:schemeClr val="accent1">
+              <a:lumMod val="40000"/>
+              <a:lumOff val="60000"/>
+            </a:schemeClr>
+          </a:solidFill>
+          <a:ln w="12700">
+            <a:solidFill>
               <a:schemeClr val="tx1"/>
-            </a:fontRef>
-          </p:style>
-        </p:cxnSp>
-      </p:grpSp>
+            </a:solidFill>
+          </a:ln>
+        </p:spPr>
+        <p:style>
+          <a:lnRef idx="2">
+            <a:schemeClr val="accent1">
+              <a:shade val="50000"/>
+            </a:schemeClr>
+          </a:lnRef>
+          <a:fillRef idx="1">
+            <a:schemeClr val="accent1"/>
+          </a:fillRef>
+          <a:effectRef idx="0">
+            <a:schemeClr val="accent1"/>
+          </a:effectRef>
+          <a:fontRef idx="minor">
+            <a:schemeClr val="lt1"/>
+          </a:fontRef>
+        </p:style>
+        <p:txBody>
+          <a:bodyPr rtlCol="0" anchor="ctr"/>
+          <a:lstStyle/>
+          <a:p>
+            <a:pPr algn="ctr"/>
+            <a:r>
+              <a:rPr lang="ko-KR" altLang="en-US" sz="1300" b="1" dirty="0" smtClean="0">
+                <a:solidFill>
+                  <a:schemeClr val="tx1"/>
+                </a:solidFill>
+              </a:rPr>
+              <a:t>회원</a:t>
+            </a:r>
+            <a:endParaRPr lang="en-US" altLang="ko-KR" sz="1300" b="1" dirty="0">
+              <a:solidFill>
+                <a:schemeClr val="tx1"/>
+              </a:solidFill>
+            </a:endParaRPr>
+          </a:p>
+          <a:p>
+            <a:pPr algn="ctr"/>
+            <a:r>
+              <a:rPr lang="ko-KR" altLang="en-US" sz="1300" b="1" dirty="0" smtClean="0">
+                <a:solidFill>
+                  <a:schemeClr val="tx1"/>
+                </a:solidFill>
+              </a:rPr>
+              <a:t>관리</a:t>
+            </a:r>
+            <a:endParaRPr lang="ko-KR" altLang="en-US" sz="1300" b="1" dirty="0">
+              <a:solidFill>
+                <a:schemeClr val="tx1"/>
+              </a:solidFill>
+            </a:endParaRPr>
+          </a:p>
+        </p:txBody>
+      </p:sp>
+      <p:sp>
+        <p:nvSpPr>
+          <p:cNvPr id="185" name="이등변 삼각형 184"/>
+          <p:cNvSpPr/>
+          <p:nvPr/>
+        </p:nvSpPr>
+        <p:spPr>
+          <a:xfrm rot="2344446">
+            <a:off x="1662961" y="2669538"/>
+            <a:ext cx="224106" cy="226370"/>
+          </a:xfrm>
+          <a:prstGeom prst="triangle">
+            <a:avLst/>
+          </a:prstGeom>
+          <a:noFill/>
+          <a:ln>
+            <a:solidFill>
+              <a:schemeClr val="tx1"/>
+            </a:solidFill>
+          </a:ln>
+        </p:spPr>
+        <p:style>
+          <a:lnRef idx="2">
+            <a:schemeClr val="accent1">
+              <a:shade val="50000"/>
+            </a:schemeClr>
+          </a:lnRef>
+          <a:fillRef idx="1">
+            <a:schemeClr val="accent1"/>
+          </a:fillRef>
+          <a:effectRef idx="0">
+            <a:schemeClr val="accent1"/>
+          </a:effectRef>
+          <a:fontRef idx="minor">
+            <a:schemeClr val="lt1"/>
+          </a:fontRef>
+        </p:style>
+        <p:txBody>
+          <a:bodyPr rtlCol="0" anchor="ctr"/>
+          <a:lstStyle/>
+          <a:p>
+            <a:pPr algn="ctr"/>
+            <a:endParaRPr lang="ko-KR" altLang="en-US"/>
+          </a:p>
+        </p:txBody>
+      </p:sp>
+      <p:cxnSp>
+        <p:nvCxnSpPr>
+          <p:cNvPr id="189" name="직선 연결선 188"/>
+          <p:cNvCxnSpPr>
+            <a:stCxn id="185" idx="3"/>
+          </p:cNvCxnSpPr>
+          <p:nvPr/>
+        </p:nvCxnSpPr>
+        <p:spPr>
+          <a:xfrm flipH="1">
+            <a:off x="1380640" y="2870592"/>
+            <a:ext cx="323031" cy="396208"/>
+          </a:xfrm>
+          <a:prstGeom prst="line">
+            <a:avLst/>
+          </a:prstGeom>
+          <a:ln w="12700">
+            <a:solidFill>
+              <a:schemeClr val="tx1"/>
+            </a:solidFill>
+          </a:ln>
+        </p:spPr>
+        <p:style>
+          <a:lnRef idx="1">
+            <a:schemeClr val="accent1"/>
+          </a:lnRef>
+          <a:fillRef idx="0">
+            <a:schemeClr val="accent1"/>
+          </a:fillRef>
+          <a:effectRef idx="0">
+            <a:schemeClr val="accent1"/>
+          </a:effectRef>
+          <a:fontRef idx="minor">
+            <a:schemeClr val="tx1"/>
+          </a:fontRef>
+        </p:style>
+      </p:cxnSp>
+      <p:sp>
+        <p:nvSpPr>
+          <p:cNvPr id="190" name="이등변 삼각형 189"/>
+          <p:cNvSpPr/>
+          <p:nvPr/>
+        </p:nvSpPr>
+        <p:spPr>
+          <a:xfrm rot="16200000">
+            <a:off x="3367454" y="2170268"/>
+            <a:ext cx="224106" cy="226370"/>
+          </a:xfrm>
+          <a:prstGeom prst="triangle">
+            <a:avLst/>
+          </a:prstGeom>
+          <a:noFill/>
+          <a:ln>
+            <a:solidFill>
+              <a:schemeClr val="tx1"/>
+            </a:solidFill>
+          </a:ln>
+        </p:spPr>
+        <p:style>
+          <a:lnRef idx="2">
+            <a:schemeClr val="accent1">
+              <a:shade val="50000"/>
+            </a:schemeClr>
+          </a:lnRef>
+          <a:fillRef idx="1">
+            <a:schemeClr val="accent1"/>
+          </a:fillRef>
+          <a:effectRef idx="0">
+            <a:schemeClr val="accent1"/>
+          </a:effectRef>
+          <a:fontRef idx="minor">
+            <a:schemeClr val="lt1"/>
+          </a:fontRef>
+        </p:style>
+        <p:txBody>
+          <a:bodyPr rtlCol="0" anchor="ctr"/>
+          <a:lstStyle/>
+          <a:p>
+            <a:pPr algn="ctr"/>
+            <a:endParaRPr lang="ko-KR" altLang="en-US"/>
+          </a:p>
+        </p:txBody>
+      </p:sp>
+      <p:cxnSp>
+        <p:nvCxnSpPr>
+          <p:cNvPr id="192" name="직선 연결선 191"/>
+          <p:cNvCxnSpPr>
+            <a:stCxn id="190" idx="3"/>
+          </p:cNvCxnSpPr>
+          <p:nvPr/>
+        </p:nvCxnSpPr>
+        <p:spPr>
+          <a:xfrm>
+            <a:off x="3592692" y="2283453"/>
+            <a:ext cx="5114177" cy="9753"/>
+          </a:xfrm>
+          <a:prstGeom prst="line">
+            <a:avLst/>
+          </a:prstGeom>
+          <a:ln w="12700">
+            <a:solidFill>
+              <a:schemeClr val="tx1"/>
+            </a:solidFill>
+          </a:ln>
+        </p:spPr>
+        <p:style>
+          <a:lnRef idx="1">
+            <a:schemeClr val="accent1"/>
+          </a:lnRef>
+          <a:fillRef idx="0">
+            <a:schemeClr val="accent1"/>
+          </a:fillRef>
+          <a:effectRef idx="0">
+            <a:schemeClr val="accent1"/>
+          </a:effectRef>
+          <a:fontRef idx="minor">
+            <a:schemeClr val="tx1"/>
+          </a:fontRef>
+        </p:style>
+      </p:cxnSp>
+      <p:cxnSp>
+        <p:nvCxnSpPr>
+          <p:cNvPr id="194" name="직선 연결선 193"/>
+          <p:cNvCxnSpPr>
+            <a:endCxn id="195" idx="3"/>
+          </p:cNvCxnSpPr>
+          <p:nvPr/>
+        </p:nvCxnSpPr>
+        <p:spPr>
+          <a:xfrm flipH="1" flipV="1">
+            <a:off x="3585227" y="2561164"/>
+            <a:ext cx="5121643" cy="982136"/>
+          </a:xfrm>
+          <a:prstGeom prst="line">
+            <a:avLst/>
+          </a:prstGeom>
+          <a:ln w="12700">
+            <a:solidFill>
+              <a:schemeClr val="tx1"/>
+            </a:solidFill>
+          </a:ln>
+        </p:spPr>
+        <p:style>
+          <a:lnRef idx="1">
+            <a:schemeClr val="accent1"/>
+          </a:lnRef>
+          <a:fillRef idx="0">
+            <a:schemeClr val="accent1"/>
+          </a:fillRef>
+          <a:effectRef idx="0">
+            <a:schemeClr val="accent1"/>
+          </a:effectRef>
+          <a:fontRef idx="minor">
+            <a:schemeClr val="tx1"/>
+          </a:fontRef>
+        </p:style>
+      </p:cxnSp>
+      <p:sp>
+        <p:nvSpPr>
+          <p:cNvPr id="195" name="이등변 삼각형 194"/>
+          <p:cNvSpPr/>
+          <p:nvPr/>
+        </p:nvSpPr>
+        <p:spPr>
+          <a:xfrm rot="17201878">
+            <a:off x="3364762" y="2415458"/>
+            <a:ext cx="224106" cy="226370"/>
+          </a:xfrm>
+          <a:prstGeom prst="triangle">
+            <a:avLst/>
+          </a:prstGeom>
+          <a:noFill/>
+          <a:ln>
+            <a:solidFill>
+              <a:schemeClr val="tx1"/>
+            </a:solidFill>
+          </a:ln>
+        </p:spPr>
+        <p:style>
+          <a:lnRef idx="2">
+            <a:schemeClr val="accent1">
+              <a:shade val="50000"/>
+            </a:schemeClr>
+          </a:lnRef>
+          <a:fillRef idx="1">
+            <a:schemeClr val="accent1"/>
+          </a:fillRef>
+          <a:effectRef idx="0">
+            <a:schemeClr val="accent1"/>
+          </a:effectRef>
+          <a:fontRef idx="minor">
+            <a:schemeClr val="lt1"/>
+          </a:fontRef>
+        </p:style>
+        <p:txBody>
+          <a:bodyPr rtlCol="0" anchor="ctr"/>
+          <a:lstStyle/>
+          <a:p>
+            <a:pPr algn="ctr"/>
+            <a:endParaRPr lang="ko-KR" altLang="en-US"/>
+          </a:p>
+        </p:txBody>
+      </p:sp>
+      <p:cxnSp>
+        <p:nvCxnSpPr>
+          <p:cNvPr id="199" name="직선 연결선 198"/>
+          <p:cNvCxnSpPr>
+            <a:endCxn id="200" idx="3"/>
+          </p:cNvCxnSpPr>
+          <p:nvPr/>
+        </p:nvCxnSpPr>
+        <p:spPr>
+          <a:xfrm flipH="1" flipV="1">
+            <a:off x="3535017" y="2867671"/>
+            <a:ext cx="5185956" cy="2176176"/>
+          </a:xfrm>
+          <a:prstGeom prst="line">
+            <a:avLst/>
+          </a:prstGeom>
+          <a:ln w="12700">
+            <a:solidFill>
+              <a:schemeClr val="tx1"/>
+            </a:solidFill>
+          </a:ln>
+        </p:spPr>
+        <p:style>
+          <a:lnRef idx="1">
+            <a:schemeClr val="accent1"/>
+          </a:lnRef>
+          <a:fillRef idx="0">
+            <a:schemeClr val="accent1"/>
+          </a:fillRef>
+          <a:effectRef idx="0">
+            <a:schemeClr val="accent1"/>
+          </a:effectRef>
+          <a:fontRef idx="minor">
+            <a:schemeClr val="tx1"/>
+          </a:fontRef>
+        </p:style>
+      </p:cxnSp>
+      <p:sp>
+        <p:nvSpPr>
+          <p:cNvPr id="200" name="이등변 삼각형 199"/>
+          <p:cNvSpPr/>
+          <p:nvPr/>
+        </p:nvSpPr>
+        <p:spPr>
+          <a:xfrm rot="17827974">
+            <a:off x="3322235" y="2702867"/>
+            <a:ext cx="224106" cy="226370"/>
+          </a:xfrm>
+          <a:prstGeom prst="triangle">
+            <a:avLst/>
+          </a:prstGeom>
+          <a:noFill/>
+          <a:ln>
+            <a:solidFill>
+              <a:schemeClr val="tx1"/>
+            </a:solidFill>
+          </a:ln>
+        </p:spPr>
+        <p:style>
+          <a:lnRef idx="2">
+            <a:schemeClr val="accent1">
+              <a:shade val="50000"/>
+            </a:schemeClr>
+          </a:lnRef>
+          <a:fillRef idx="1">
+            <a:schemeClr val="accent1"/>
+          </a:fillRef>
+          <a:effectRef idx="0">
+            <a:schemeClr val="accent1"/>
+          </a:effectRef>
+          <a:fontRef idx="minor">
+            <a:schemeClr val="lt1"/>
+          </a:fontRef>
+        </p:style>
+        <p:txBody>
+          <a:bodyPr rtlCol="0" anchor="ctr"/>
+          <a:lstStyle/>
+          <a:p>
+            <a:pPr algn="ctr"/>
+            <a:endParaRPr lang="ko-KR" altLang="en-US"/>
+          </a:p>
+        </p:txBody>
+      </p:sp>
+      <p:sp>
+        <p:nvSpPr>
+          <p:cNvPr id="204" name="이등변 삼각형 203"/>
+          <p:cNvSpPr/>
+          <p:nvPr/>
+        </p:nvSpPr>
+        <p:spPr>
+          <a:xfrm rot="5400000">
+            <a:off x="8232378" y="5641457"/>
+            <a:ext cx="224106" cy="226370"/>
+          </a:xfrm>
+          <a:prstGeom prst="triangle">
+            <a:avLst/>
+          </a:prstGeom>
+          <a:noFill/>
+          <a:ln>
+            <a:solidFill>
+              <a:schemeClr val="tx1"/>
+            </a:solidFill>
+          </a:ln>
+        </p:spPr>
+        <p:style>
+          <a:lnRef idx="2">
+            <a:schemeClr val="accent1">
+              <a:shade val="50000"/>
+            </a:schemeClr>
+          </a:lnRef>
+          <a:fillRef idx="1">
+            <a:schemeClr val="accent1"/>
+          </a:fillRef>
+          <a:effectRef idx="0">
+            <a:schemeClr val="accent1"/>
+          </a:effectRef>
+          <a:fontRef idx="minor">
+            <a:schemeClr val="lt1"/>
+          </a:fontRef>
+        </p:style>
+        <p:txBody>
+          <a:bodyPr rtlCol="0" anchor="ctr"/>
+          <a:lstStyle/>
+          <a:p>
+            <a:pPr algn="ctr"/>
+            <a:endParaRPr lang="ko-KR" altLang="en-US"/>
+          </a:p>
+        </p:txBody>
+      </p:sp>
+      <p:cxnSp>
+        <p:nvCxnSpPr>
+          <p:cNvPr id="206" name="직선 연결선 205"/>
+          <p:cNvCxnSpPr>
+            <a:stCxn id="204" idx="3"/>
+          </p:cNvCxnSpPr>
+          <p:nvPr/>
+        </p:nvCxnSpPr>
+        <p:spPr>
+          <a:xfrm flipH="1" flipV="1">
+            <a:off x="2390045" y="5531326"/>
+            <a:ext cx="5841201" cy="223316"/>
+          </a:xfrm>
+          <a:prstGeom prst="line">
+            <a:avLst/>
+          </a:prstGeom>
+          <a:ln w="12700">
+            <a:solidFill>
+              <a:schemeClr val="tx1"/>
+            </a:solidFill>
+          </a:ln>
+        </p:spPr>
+        <p:style>
+          <a:lnRef idx="1">
+            <a:schemeClr val="accent1"/>
+          </a:lnRef>
+          <a:fillRef idx="0">
+            <a:schemeClr val="accent1"/>
+          </a:fillRef>
+          <a:effectRef idx="0">
+            <a:schemeClr val="accent1"/>
+          </a:effectRef>
+          <a:fontRef idx="minor">
+            <a:schemeClr val="tx1"/>
+          </a:fontRef>
+        </p:style>
+      </p:cxnSp>
+      <p:sp>
+        <p:nvSpPr>
+          <p:cNvPr id="207" name="이등변 삼각형 206"/>
+          <p:cNvSpPr/>
+          <p:nvPr/>
+        </p:nvSpPr>
+        <p:spPr>
+          <a:xfrm rot="4640757">
+            <a:off x="8172763" y="4299465"/>
+            <a:ext cx="224106" cy="226370"/>
+          </a:xfrm>
+          <a:prstGeom prst="triangle">
+            <a:avLst/>
+          </a:prstGeom>
+          <a:noFill/>
+          <a:ln>
+            <a:solidFill>
+              <a:schemeClr val="tx1"/>
+            </a:solidFill>
+          </a:ln>
+        </p:spPr>
+        <p:style>
+          <a:lnRef idx="2">
+            <a:schemeClr val="accent1">
+              <a:shade val="50000"/>
+            </a:schemeClr>
+          </a:lnRef>
+          <a:fillRef idx="1">
+            <a:schemeClr val="accent1"/>
+          </a:fillRef>
+          <a:effectRef idx="0">
+            <a:schemeClr val="accent1"/>
+          </a:effectRef>
+          <a:fontRef idx="minor">
+            <a:schemeClr val="lt1"/>
+          </a:fontRef>
+        </p:style>
+        <p:txBody>
+          <a:bodyPr rtlCol="0" anchor="ctr"/>
+          <a:lstStyle/>
+          <a:p>
+            <a:pPr algn="ctr"/>
+            <a:endParaRPr lang="ko-KR" altLang="en-US"/>
+          </a:p>
+        </p:txBody>
+      </p:sp>
+      <p:sp>
+        <p:nvSpPr>
+          <p:cNvPr id="208" name="이등변 삼각형 207"/>
+          <p:cNvSpPr/>
+          <p:nvPr/>
+        </p:nvSpPr>
+        <p:spPr>
+          <a:xfrm rot="3891320">
+            <a:off x="8189878" y="2839237"/>
+            <a:ext cx="224106" cy="226370"/>
+          </a:xfrm>
+          <a:prstGeom prst="triangle">
+            <a:avLst/>
+          </a:prstGeom>
+          <a:noFill/>
+          <a:ln>
+            <a:solidFill>
+              <a:schemeClr val="tx1"/>
+            </a:solidFill>
+          </a:ln>
+        </p:spPr>
+        <p:style>
+          <a:lnRef idx="2">
+            <a:schemeClr val="accent1">
+              <a:shade val="50000"/>
+            </a:schemeClr>
+          </a:lnRef>
+          <a:fillRef idx="1">
+            <a:schemeClr val="accent1"/>
+          </a:fillRef>
+          <a:effectRef idx="0">
+            <a:schemeClr val="accent1"/>
+          </a:effectRef>
+          <a:fontRef idx="minor">
+            <a:schemeClr val="lt1"/>
+          </a:fontRef>
+        </p:style>
+        <p:txBody>
+          <a:bodyPr rtlCol="0" anchor="ctr"/>
+          <a:lstStyle/>
+          <a:p>
+            <a:pPr algn="ctr"/>
+            <a:endParaRPr lang="ko-KR" altLang="en-US"/>
+          </a:p>
+        </p:txBody>
+      </p:sp>
+      <p:cxnSp>
+        <p:nvCxnSpPr>
+          <p:cNvPr id="210" name="직선 연결선 209"/>
+          <p:cNvCxnSpPr>
+            <a:stCxn id="208" idx="3"/>
+          </p:cNvCxnSpPr>
+          <p:nvPr/>
+        </p:nvCxnSpPr>
+        <p:spPr>
+          <a:xfrm flipH="1">
+            <a:off x="2341912" y="3000515"/>
+            <a:ext cx="5857560" cy="2156920"/>
+          </a:xfrm>
+          <a:prstGeom prst="line">
+            <a:avLst/>
+          </a:prstGeom>
+          <a:ln w="12700">
+            <a:solidFill>
+              <a:schemeClr val="tx1"/>
+            </a:solidFill>
+          </a:ln>
+        </p:spPr>
+        <p:style>
+          <a:lnRef idx="1">
+            <a:schemeClr val="accent1"/>
+          </a:lnRef>
+          <a:fillRef idx="0">
+            <a:schemeClr val="accent1"/>
+          </a:fillRef>
+          <a:effectRef idx="0">
+            <a:schemeClr val="accent1"/>
+          </a:effectRef>
+          <a:fontRef idx="minor">
+            <a:schemeClr val="tx1"/>
+          </a:fontRef>
+        </p:style>
+      </p:cxnSp>
+      <p:cxnSp>
+        <p:nvCxnSpPr>
+          <p:cNvPr id="212" name="직선 연결선 211"/>
+          <p:cNvCxnSpPr>
+            <a:stCxn id="207" idx="3"/>
+          </p:cNvCxnSpPr>
+          <p:nvPr/>
+        </p:nvCxnSpPr>
+        <p:spPr>
+          <a:xfrm flipH="1">
+            <a:off x="2386695" y="4437445"/>
+            <a:ext cx="5787685" cy="887303"/>
+          </a:xfrm>
+          <a:prstGeom prst="line">
+            <a:avLst/>
+          </a:prstGeom>
+          <a:ln w="12700">
+            <a:solidFill>
+              <a:schemeClr val="tx1"/>
+            </a:solidFill>
+          </a:ln>
+        </p:spPr>
+        <p:style>
+          <a:lnRef idx="1">
+            <a:schemeClr val="accent1"/>
+          </a:lnRef>
+          <a:fillRef idx="0">
+            <a:schemeClr val="accent1"/>
+          </a:fillRef>
+          <a:effectRef idx="0">
+            <a:schemeClr val="accent1"/>
+          </a:effectRef>
+          <a:fontRef idx="minor">
+            <a:schemeClr val="tx1"/>
+          </a:fontRef>
+        </p:style>
+      </p:cxnSp>
+      <p:cxnSp>
+        <p:nvCxnSpPr>
+          <p:cNvPr id="216" name="직선 화살표 연결선 215"/>
+          <p:cNvCxnSpPr/>
+          <p:nvPr/>
+        </p:nvCxnSpPr>
+        <p:spPr>
+          <a:xfrm>
+            <a:off x="2386694" y="5754642"/>
+            <a:ext cx="308644" cy="324997"/>
+          </a:xfrm>
+          <a:prstGeom prst="straightConnector1">
+            <a:avLst/>
+          </a:prstGeom>
+          <a:ln w="12700">
+            <a:solidFill>
+              <a:schemeClr val="tx1"/>
+            </a:solidFill>
+            <a:headEnd type="none"/>
+            <a:tailEnd type="arrow"/>
+          </a:ln>
+        </p:spPr>
+        <p:style>
+          <a:lnRef idx="1">
+            <a:schemeClr val="accent1"/>
+          </a:lnRef>
+          <a:fillRef idx="0">
+            <a:schemeClr val="accent1"/>
+          </a:fillRef>
+          <a:effectRef idx="0">
+            <a:schemeClr val="accent1"/>
+          </a:effectRef>
+          <a:fontRef idx="minor">
+            <a:schemeClr val="tx1"/>
+          </a:fontRef>
+        </p:style>
+      </p:cxnSp>
+      <p:cxnSp>
+        <p:nvCxnSpPr>
+          <p:cNvPr id="222" name="직선 화살표 연결선 221"/>
+          <p:cNvCxnSpPr/>
+          <p:nvPr/>
+        </p:nvCxnSpPr>
+        <p:spPr>
+          <a:xfrm>
+            <a:off x="1508931" y="3913842"/>
+            <a:ext cx="575976" cy="0"/>
+          </a:xfrm>
+          <a:prstGeom prst="straightConnector1">
+            <a:avLst/>
+          </a:prstGeom>
+          <a:ln w="12700">
+            <a:solidFill>
+              <a:schemeClr val="tx1"/>
+            </a:solidFill>
+            <a:tailEnd type="arrow"/>
+          </a:ln>
+        </p:spPr>
+        <p:style>
+          <a:lnRef idx="1">
+            <a:schemeClr val="accent1"/>
+          </a:lnRef>
+          <a:fillRef idx="0">
+            <a:schemeClr val="accent1"/>
+          </a:fillRef>
+          <a:effectRef idx="0">
+            <a:schemeClr val="accent1"/>
+          </a:effectRef>
+          <a:fontRef idx="minor">
+            <a:schemeClr val="tx1"/>
+          </a:fontRef>
+        </p:style>
+      </p:cxnSp>
+      <p:cxnSp>
+        <p:nvCxnSpPr>
+          <p:cNvPr id="224" name="직선 화살표 연결선 223"/>
+          <p:cNvCxnSpPr/>
+          <p:nvPr/>
+        </p:nvCxnSpPr>
+        <p:spPr>
+          <a:xfrm flipV="1">
+            <a:off x="9673884" y="3522952"/>
+            <a:ext cx="558817" cy="137750"/>
+          </a:xfrm>
+          <a:prstGeom prst="straightConnector1">
+            <a:avLst/>
+          </a:prstGeom>
+          <a:ln w="12700">
+            <a:solidFill>
+              <a:schemeClr val="tx1"/>
+            </a:solidFill>
+            <a:tailEnd type="arrow"/>
+          </a:ln>
+        </p:spPr>
+        <p:style>
+          <a:lnRef idx="1">
+            <a:schemeClr val="accent1"/>
+          </a:lnRef>
+          <a:fillRef idx="0">
+            <a:schemeClr val="accent1"/>
+          </a:fillRef>
+          <a:effectRef idx="0">
+            <a:schemeClr val="accent1"/>
+          </a:effectRef>
+          <a:fontRef idx="minor">
+            <a:schemeClr val="tx1"/>
+          </a:fontRef>
+        </p:style>
+      </p:cxnSp>
+      <p:cxnSp>
+        <p:nvCxnSpPr>
+          <p:cNvPr id="226" name="직선 화살표 연결선 225"/>
+          <p:cNvCxnSpPr/>
+          <p:nvPr/>
+        </p:nvCxnSpPr>
+        <p:spPr>
+          <a:xfrm flipH="1" flipV="1">
+            <a:off x="1476783" y="1718726"/>
+            <a:ext cx="578940" cy="346093"/>
+          </a:xfrm>
+          <a:prstGeom prst="straightConnector1">
+            <a:avLst/>
+          </a:prstGeom>
+          <a:ln w="12700">
+            <a:solidFill>
+              <a:schemeClr val="tx1"/>
+            </a:solidFill>
+            <a:tailEnd type="arrow"/>
+          </a:ln>
+        </p:spPr>
+        <p:style>
+          <a:lnRef idx="1">
+            <a:schemeClr val="accent1"/>
+          </a:lnRef>
+          <a:fillRef idx="0">
+            <a:schemeClr val="accent1"/>
+          </a:fillRef>
+          <a:effectRef idx="0">
+            <a:schemeClr val="accent1"/>
+          </a:effectRef>
+          <a:fontRef idx="minor">
+            <a:schemeClr val="tx1"/>
+          </a:fontRef>
+        </p:style>
+      </p:cxnSp>
+      <p:cxnSp>
+        <p:nvCxnSpPr>
+          <p:cNvPr id="228" name="직선 화살표 연결선 227"/>
+          <p:cNvCxnSpPr/>
+          <p:nvPr/>
+        </p:nvCxnSpPr>
+        <p:spPr>
+          <a:xfrm flipH="1" flipV="1">
+            <a:off x="2001117" y="1383514"/>
+            <a:ext cx="238224" cy="526188"/>
+          </a:xfrm>
+          <a:prstGeom prst="straightConnector1">
+            <a:avLst/>
+          </a:prstGeom>
+          <a:ln w="12700">
+            <a:solidFill>
+              <a:schemeClr val="tx1"/>
+            </a:solidFill>
+            <a:tailEnd type="arrow"/>
+          </a:ln>
+        </p:spPr>
+        <p:style>
+          <a:lnRef idx="1">
+            <a:schemeClr val="accent1"/>
+          </a:lnRef>
+          <a:fillRef idx="0">
+            <a:schemeClr val="accent1"/>
+          </a:fillRef>
+          <a:effectRef idx="0">
+            <a:schemeClr val="accent1"/>
+          </a:effectRef>
+          <a:fontRef idx="minor">
+            <a:schemeClr val="tx1"/>
+          </a:fontRef>
+        </p:style>
+      </p:cxnSp>
+      <p:cxnSp>
+        <p:nvCxnSpPr>
+          <p:cNvPr id="230" name="직선 화살표 연결선 229"/>
+          <p:cNvCxnSpPr/>
+          <p:nvPr/>
+        </p:nvCxnSpPr>
+        <p:spPr>
+          <a:xfrm flipV="1">
+            <a:off x="2626042" y="1383514"/>
+            <a:ext cx="188308" cy="519194"/>
+          </a:xfrm>
+          <a:prstGeom prst="straightConnector1">
+            <a:avLst/>
+          </a:prstGeom>
+          <a:ln w="12700">
+            <a:solidFill>
+              <a:schemeClr val="tx1"/>
+            </a:solidFill>
+            <a:tailEnd type="arrow"/>
+          </a:ln>
+        </p:spPr>
+        <p:style>
+          <a:lnRef idx="1">
+            <a:schemeClr val="accent1"/>
+          </a:lnRef>
+          <a:fillRef idx="0">
+            <a:schemeClr val="accent1"/>
+          </a:fillRef>
+          <a:effectRef idx="0">
+            <a:schemeClr val="accent1"/>
+          </a:effectRef>
+          <a:fontRef idx="minor">
+            <a:schemeClr val="tx1"/>
+          </a:fontRef>
+        </p:style>
+      </p:cxnSp>
+      <p:cxnSp>
+        <p:nvCxnSpPr>
+          <p:cNvPr id="232" name="직선 화살표 연결선 231"/>
+          <p:cNvCxnSpPr/>
+          <p:nvPr/>
+        </p:nvCxnSpPr>
+        <p:spPr>
+          <a:xfrm flipV="1">
+            <a:off x="2771183" y="1736125"/>
+            <a:ext cx="635376" cy="328693"/>
+          </a:xfrm>
+          <a:prstGeom prst="straightConnector1">
+            <a:avLst/>
+          </a:prstGeom>
+          <a:ln w="12700">
+            <a:solidFill>
+              <a:schemeClr val="tx1"/>
+            </a:solidFill>
+            <a:tailEnd type="arrow"/>
+          </a:ln>
+        </p:spPr>
+        <p:style>
+          <a:lnRef idx="1">
+            <a:schemeClr val="accent1"/>
+          </a:lnRef>
+          <a:fillRef idx="0">
+            <a:schemeClr val="accent1"/>
+          </a:fillRef>
+          <a:effectRef idx="0">
+            <a:schemeClr val="accent1"/>
+          </a:effectRef>
+          <a:fontRef idx="minor">
+            <a:schemeClr val="tx1"/>
+          </a:fontRef>
+        </p:style>
+      </p:cxnSp>
+      <p:cxnSp>
+        <p:nvCxnSpPr>
+          <p:cNvPr id="234" name="직선 화살표 연결선 233"/>
+          <p:cNvCxnSpPr/>
+          <p:nvPr/>
+        </p:nvCxnSpPr>
+        <p:spPr>
+          <a:xfrm flipH="1" flipV="1">
+            <a:off x="7658384" y="1808586"/>
+            <a:ext cx="1048485" cy="256231"/>
+          </a:xfrm>
+          <a:prstGeom prst="straightConnector1">
+            <a:avLst/>
+          </a:prstGeom>
+          <a:ln w="12700">
+            <a:solidFill>
+              <a:schemeClr val="tx1"/>
+            </a:solidFill>
+            <a:tailEnd type="arrow"/>
+          </a:ln>
+        </p:spPr>
+        <p:style>
+          <a:lnRef idx="1">
+            <a:schemeClr val="accent1"/>
+          </a:lnRef>
+          <a:fillRef idx="0">
+            <a:schemeClr val="accent1"/>
+          </a:fillRef>
+          <a:effectRef idx="0">
+            <a:schemeClr val="accent1"/>
+          </a:effectRef>
+          <a:fontRef idx="minor">
+            <a:schemeClr val="tx1"/>
+          </a:fontRef>
+        </p:style>
+      </p:cxnSp>
+      <p:cxnSp>
+        <p:nvCxnSpPr>
+          <p:cNvPr id="236" name="직선 화살표 연결선 235"/>
+          <p:cNvCxnSpPr/>
+          <p:nvPr/>
+        </p:nvCxnSpPr>
+        <p:spPr>
+          <a:xfrm flipH="1" flipV="1">
+            <a:off x="8357642" y="1545077"/>
+            <a:ext cx="529183" cy="347298"/>
+          </a:xfrm>
+          <a:prstGeom prst="straightConnector1">
+            <a:avLst/>
+          </a:prstGeom>
+          <a:ln w="12700">
+            <a:solidFill>
+              <a:schemeClr val="tx1"/>
+            </a:solidFill>
+            <a:tailEnd type="arrow"/>
+          </a:ln>
+        </p:spPr>
+        <p:style>
+          <a:lnRef idx="1">
+            <a:schemeClr val="accent1"/>
+          </a:lnRef>
+          <a:fillRef idx="0">
+            <a:schemeClr val="accent1"/>
+          </a:fillRef>
+          <a:effectRef idx="0">
+            <a:schemeClr val="accent1"/>
+          </a:effectRef>
+          <a:fontRef idx="minor">
+            <a:schemeClr val="tx1"/>
+          </a:fontRef>
+        </p:style>
+      </p:cxnSp>
+      <p:cxnSp>
+        <p:nvCxnSpPr>
+          <p:cNvPr id="238" name="직선 화살표 연결선 237"/>
+          <p:cNvCxnSpPr/>
+          <p:nvPr/>
+        </p:nvCxnSpPr>
+        <p:spPr>
+          <a:xfrm flipV="1">
+            <a:off x="9184216" y="1383514"/>
+            <a:ext cx="0" cy="508861"/>
+          </a:xfrm>
+          <a:prstGeom prst="straightConnector1">
+            <a:avLst/>
+          </a:prstGeom>
+          <a:ln w="12700">
+            <a:solidFill>
+              <a:schemeClr val="tx1"/>
+            </a:solidFill>
+            <a:tailEnd type="arrow"/>
+          </a:ln>
+        </p:spPr>
+        <p:style>
+          <a:lnRef idx="1">
+            <a:schemeClr val="accent1"/>
+          </a:lnRef>
+          <a:fillRef idx="0">
+            <a:schemeClr val="accent1"/>
+          </a:fillRef>
+          <a:effectRef idx="0">
+            <a:schemeClr val="accent1"/>
+          </a:effectRef>
+          <a:fontRef idx="minor">
+            <a:schemeClr val="tx1"/>
+          </a:fontRef>
+        </p:style>
+      </p:cxnSp>
+      <p:cxnSp>
+        <p:nvCxnSpPr>
+          <p:cNvPr id="240" name="직선 화살표 연결선 239"/>
+          <p:cNvCxnSpPr/>
+          <p:nvPr/>
+        </p:nvCxnSpPr>
+        <p:spPr>
+          <a:xfrm flipV="1">
+            <a:off x="9441938" y="1535857"/>
+            <a:ext cx="497400" cy="356518"/>
+          </a:xfrm>
+          <a:prstGeom prst="straightConnector1">
+            <a:avLst/>
+          </a:prstGeom>
+          <a:ln w="12700">
+            <a:solidFill>
+              <a:schemeClr val="tx1"/>
+            </a:solidFill>
+            <a:tailEnd type="arrow"/>
+          </a:ln>
+        </p:spPr>
+        <p:style>
+          <a:lnRef idx="1">
+            <a:schemeClr val="accent1"/>
+          </a:lnRef>
+          <a:fillRef idx="0">
+            <a:schemeClr val="accent1"/>
+          </a:fillRef>
+          <a:effectRef idx="0">
+            <a:schemeClr val="accent1"/>
+          </a:effectRef>
+          <a:fontRef idx="minor">
+            <a:schemeClr val="tx1"/>
+          </a:fontRef>
+        </p:style>
+      </p:cxnSp>
+      <p:cxnSp>
+        <p:nvCxnSpPr>
+          <p:cNvPr id="242" name="직선 화살표 연결선 241"/>
+          <p:cNvCxnSpPr/>
+          <p:nvPr/>
+        </p:nvCxnSpPr>
+        <p:spPr>
+          <a:xfrm flipV="1">
+            <a:off x="9582150" y="1808586"/>
+            <a:ext cx="1127899" cy="256231"/>
+          </a:xfrm>
+          <a:prstGeom prst="straightConnector1">
+            <a:avLst/>
+          </a:prstGeom>
+          <a:ln w="12700">
+            <a:solidFill>
+              <a:schemeClr val="tx1"/>
+            </a:solidFill>
+            <a:tailEnd type="arrow"/>
+          </a:ln>
+        </p:spPr>
+        <p:style>
+          <a:lnRef idx="1">
+            <a:schemeClr val="accent1"/>
+          </a:lnRef>
+          <a:fillRef idx="0">
+            <a:schemeClr val="accent1"/>
+          </a:fillRef>
+          <a:effectRef idx="0">
+            <a:schemeClr val="accent1"/>
+          </a:effectRef>
+          <a:fontRef idx="minor">
+            <a:schemeClr val="tx1"/>
+          </a:fontRef>
+        </p:style>
+      </p:cxnSp>
+      <p:cxnSp>
+        <p:nvCxnSpPr>
+          <p:cNvPr id="257" name="직선 화살표 연결선 256"/>
+          <p:cNvCxnSpPr/>
+          <p:nvPr/>
+        </p:nvCxnSpPr>
+        <p:spPr>
+          <a:xfrm flipH="1">
+            <a:off x="8581979" y="5872717"/>
+            <a:ext cx="210123" cy="198280"/>
+          </a:xfrm>
+          <a:prstGeom prst="straightConnector1">
+            <a:avLst/>
+          </a:prstGeom>
+          <a:ln w="12700">
+            <a:solidFill>
+              <a:schemeClr val="tx1"/>
+            </a:solidFill>
+            <a:tailEnd type="arrow"/>
+          </a:ln>
+        </p:spPr>
+        <p:style>
+          <a:lnRef idx="1">
+            <a:schemeClr val="accent1"/>
+          </a:lnRef>
+          <a:fillRef idx="0">
+            <a:schemeClr val="accent1"/>
+          </a:fillRef>
+          <a:effectRef idx="0">
+            <a:schemeClr val="accent1"/>
+          </a:effectRef>
+          <a:fontRef idx="minor">
+            <a:schemeClr val="tx1"/>
+          </a:fontRef>
+        </p:style>
+      </p:cxnSp>
+      <p:cxnSp>
+        <p:nvCxnSpPr>
+          <p:cNvPr id="260" name="직선 화살표 연결선 259"/>
+          <p:cNvCxnSpPr/>
+          <p:nvPr/>
+        </p:nvCxnSpPr>
+        <p:spPr>
+          <a:xfrm>
+            <a:off x="9667340" y="5872717"/>
+            <a:ext cx="199691" cy="198280"/>
+          </a:xfrm>
+          <a:prstGeom prst="straightConnector1">
+            <a:avLst/>
+          </a:prstGeom>
+          <a:ln w="12700">
+            <a:solidFill>
+              <a:schemeClr val="tx1"/>
+            </a:solidFill>
+            <a:tailEnd type="arrow"/>
+          </a:ln>
+        </p:spPr>
+        <p:style>
+          <a:lnRef idx="1">
+            <a:schemeClr val="accent1"/>
+          </a:lnRef>
+          <a:fillRef idx="0">
+            <a:schemeClr val="accent1"/>
+          </a:fillRef>
+          <a:effectRef idx="0">
+            <a:schemeClr val="accent1"/>
+          </a:effectRef>
+          <a:fontRef idx="minor">
+            <a:schemeClr val="tx1"/>
+          </a:fontRef>
+        </p:style>
+      </p:cxnSp>
+      <p:sp>
+        <p:nvSpPr>
+          <p:cNvPr id="98" name="타원 97"/>
+          <p:cNvSpPr/>
+          <p:nvPr/>
+        </p:nvSpPr>
+        <p:spPr>
+          <a:xfrm>
+            <a:off x="10359274" y="3831308"/>
+            <a:ext cx="954695" cy="512305"/>
+          </a:xfrm>
+          <a:prstGeom prst="ellipse">
+            <a:avLst/>
+          </a:prstGeom>
+          <a:solidFill>
+            <a:schemeClr val="accent1">
+              <a:lumMod val="40000"/>
+              <a:lumOff val="60000"/>
+            </a:schemeClr>
+          </a:solidFill>
+          <a:ln w="12700">
+            <a:solidFill>
+              <a:schemeClr val="tx1"/>
+            </a:solidFill>
+          </a:ln>
+        </p:spPr>
+        <p:style>
+          <a:lnRef idx="2">
+            <a:schemeClr val="accent1">
+              <a:shade val="50000"/>
+            </a:schemeClr>
+          </a:lnRef>
+          <a:fillRef idx="1">
+            <a:schemeClr val="accent1"/>
+          </a:fillRef>
+          <a:effectRef idx="0">
+            <a:schemeClr val="accent1"/>
+          </a:effectRef>
+          <a:fontRef idx="minor">
+            <a:schemeClr val="lt1"/>
+          </a:fontRef>
+        </p:style>
+        <p:txBody>
+          <a:bodyPr rtlCol="0" anchor="ctr"/>
+          <a:lstStyle/>
+          <a:p>
+            <a:pPr algn="ctr"/>
+            <a:r>
+              <a:rPr lang="ko-KR" altLang="en-US" sz="1300" b="1" dirty="0" smtClean="0">
+                <a:solidFill>
+                  <a:schemeClr val="tx1"/>
+                </a:solidFill>
+              </a:rPr>
+              <a:t>그룹</a:t>
+            </a:r>
+            <a:r>
+              <a:rPr lang="ko-KR" altLang="en-US" sz="1300" b="1" dirty="0" smtClean="0">
+                <a:solidFill>
+                  <a:schemeClr val="tx1"/>
+                </a:solidFill>
+              </a:rPr>
+              <a:t> </a:t>
+            </a:r>
+            <a:r>
+              <a:rPr lang="ko-KR" altLang="en-US" sz="1300" b="1" dirty="0" smtClean="0">
+                <a:solidFill>
+                  <a:schemeClr val="tx1"/>
+                </a:solidFill>
+              </a:rPr>
+              <a:t>관리</a:t>
+            </a:r>
+            <a:endParaRPr lang="ko-KR" altLang="en-US" sz="1300" b="1" dirty="0">
+              <a:solidFill>
+                <a:schemeClr val="tx1"/>
+              </a:solidFill>
+            </a:endParaRPr>
+          </a:p>
+        </p:txBody>
+      </p:sp>
+      <p:cxnSp>
+        <p:nvCxnSpPr>
+          <p:cNvPr id="101" name="직선 화살표 연결선 100"/>
+          <p:cNvCxnSpPr/>
+          <p:nvPr/>
+        </p:nvCxnSpPr>
+        <p:spPr>
+          <a:xfrm>
+            <a:off x="9692967" y="3840115"/>
+            <a:ext cx="539734" cy="221851"/>
+          </a:xfrm>
+          <a:prstGeom prst="straightConnector1">
+            <a:avLst/>
+          </a:prstGeom>
+          <a:ln w="12700">
+            <a:solidFill>
+              <a:schemeClr val="tx1"/>
+            </a:solidFill>
+            <a:tailEnd type="arrow"/>
+          </a:ln>
+        </p:spPr>
+        <p:style>
+          <a:lnRef idx="1">
+            <a:schemeClr val="accent1"/>
+          </a:lnRef>
+          <a:fillRef idx="0">
+            <a:schemeClr val="accent1"/>
+          </a:fillRef>
+          <a:effectRef idx="0">
+            <a:schemeClr val="accent1"/>
+          </a:effectRef>
+          <a:fontRef idx="minor">
+            <a:schemeClr val="tx1"/>
+          </a:fontRef>
+        </p:style>
+      </p:cxnSp>
+      <p:sp>
+        <p:nvSpPr>
+          <p:cNvPr id="139" name="타원 138"/>
+          <p:cNvSpPr/>
+          <p:nvPr/>
+        </p:nvSpPr>
+        <p:spPr>
+          <a:xfrm>
+            <a:off x="9427295" y="6096266"/>
+            <a:ext cx="954695" cy="512305"/>
+          </a:xfrm>
+          <a:prstGeom prst="ellipse">
+            <a:avLst/>
+          </a:prstGeom>
+          <a:solidFill>
+            <a:schemeClr val="accent1">
+              <a:lumMod val="40000"/>
+              <a:lumOff val="60000"/>
+            </a:schemeClr>
+          </a:solidFill>
+          <a:ln w="12700">
+            <a:solidFill>
+              <a:schemeClr val="tx1"/>
+            </a:solidFill>
+          </a:ln>
+        </p:spPr>
+        <p:style>
+          <a:lnRef idx="2">
+            <a:schemeClr val="accent1">
+              <a:shade val="50000"/>
+            </a:schemeClr>
+          </a:lnRef>
+          <a:fillRef idx="1">
+            <a:schemeClr val="accent1"/>
+          </a:fillRef>
+          <a:effectRef idx="0">
+            <a:schemeClr val="accent1"/>
+          </a:effectRef>
+          <a:fontRef idx="minor">
+            <a:schemeClr val="lt1"/>
+          </a:fontRef>
+        </p:style>
+        <p:txBody>
+          <a:bodyPr rtlCol="0" anchor="ctr"/>
+          <a:lstStyle/>
+          <a:p>
+            <a:pPr algn="ctr"/>
+            <a:r>
+              <a:rPr lang="en-US" altLang="ko-KR" sz="1100" b="1" dirty="0" err="1" smtClean="0">
+                <a:solidFill>
+                  <a:schemeClr val="tx1"/>
+                </a:solidFill>
+              </a:rPr>
+              <a:t>HomeP</a:t>
+            </a:r>
+            <a:r>
+              <a:rPr lang="ko-KR" altLang="en-US" sz="1100" b="1" smtClean="0">
+                <a:solidFill>
+                  <a:schemeClr val="tx1"/>
+                </a:solidFill>
+              </a:rPr>
+              <a:t>총 관리</a:t>
+            </a:r>
+            <a:endParaRPr lang="ko-KR" altLang="en-US" sz="1100" b="1" dirty="0">
+              <a:solidFill>
+                <a:schemeClr val="tx1"/>
+              </a:solidFill>
+            </a:endParaRPr>
+          </a:p>
+        </p:txBody>
+      </p:sp>
     </p:spTree>
     <p:extLst>
       <p:ext uri="{BB962C8B-B14F-4D97-AF65-F5344CB8AC3E}">
@@ -43573,13 +43381,8 @@
             </a:r>
             <a:r>
               <a:rPr lang="en-US" altLang="ko-KR" sz="3000" dirty="0" smtClean="0"/>
-              <a:t>(</a:t>
-            </a:r>
-            <a:r>
-              <a:rPr lang="en-US" altLang="ko-KR" sz="3000" dirty="0" smtClean="0"/>
-              <a:t>Information 1 / 3)</a:t>
-            </a:r>
-            <a:endParaRPr lang="en-US" altLang="ko-KR" sz="3000" dirty="0" smtClean="0"/>
+              <a:t>(Information 1 / 3)</a:t>
+            </a:r>
           </a:p>
         </p:txBody>
       </p:sp>
@@ -43913,15 +43716,7 @@
                   <a:schemeClr val="tx1"/>
                 </a:solidFill>
               </a:rPr>
-              <a:t>홈페이지 전반 설명 </a:t>
-            </a:r>
-            <a:r>
-              <a:rPr lang="ko-KR" altLang="en-US" sz="1200" dirty="0" smtClean="0">
-                <a:solidFill>
-                  <a:schemeClr val="tx1"/>
-                </a:solidFill>
-              </a:rPr>
-              <a:t>첨부</a:t>
+              <a:t>홈페이지 전반 설명 첨부</a:t>
             </a:r>
             <a:endParaRPr lang="en-US" altLang="ko-KR" sz="1200" dirty="0" smtClean="0">
               <a:solidFill>
@@ -44875,13 +44670,8 @@
             </a:r>
             <a:r>
               <a:rPr lang="en-US" altLang="ko-KR" sz="3000" dirty="0" smtClean="0"/>
-              <a:t>(</a:t>
-            </a:r>
-            <a:r>
-              <a:rPr lang="en-US" altLang="ko-KR" sz="3000" dirty="0" smtClean="0"/>
-              <a:t>Information 2 / 3)</a:t>
-            </a:r>
-            <a:endParaRPr lang="en-US" altLang="ko-KR" sz="3000" dirty="0" smtClean="0"/>
+              <a:t>(Information 2 / 3)</a:t>
+            </a:r>
           </a:p>
         </p:txBody>
       </p:sp>
@@ -46132,13 +45922,8 @@
             </a:r>
             <a:r>
               <a:rPr lang="en-US" altLang="ko-KR" sz="3000" dirty="0" smtClean="0"/>
-              <a:t>(</a:t>
-            </a:r>
-            <a:r>
-              <a:rPr lang="en-US" altLang="ko-KR" sz="3000" dirty="0" smtClean="0"/>
-              <a:t>Information 3 / 3)</a:t>
-            </a:r>
-            <a:endParaRPr lang="en-US" altLang="ko-KR" sz="3000" dirty="0" smtClean="0"/>
+              <a:t>(Information 3 / 3)</a:t>
+            </a:r>
           </a:p>
         </p:txBody>
       </p:sp>
@@ -47469,13 +47254,8 @@
             </a:r>
             <a:r>
               <a:rPr lang="en-US" altLang="ko-KR" sz="3000" dirty="0" smtClean="0"/>
-              <a:t>(Job Link </a:t>
-            </a:r>
-            <a:r>
-              <a:rPr lang="en-US" altLang="ko-KR" sz="3000" dirty="0" smtClean="0"/>
-              <a:t>Page 1 / 3)</a:t>
-            </a:r>
-            <a:endParaRPr lang="en-US" altLang="ko-KR" sz="3000" dirty="0" smtClean="0"/>
+              <a:t>(Job Link Page 1 / 3)</a:t>
+            </a:r>
           </a:p>
         </p:txBody>
       </p:sp>
@@ -48222,7 +48002,55 @@
                   <a:schemeClr val="tx1"/>
                 </a:solidFill>
               </a:rPr>
-              <a:t>   </a:t>
+              <a:t>   댓글 기능 구현</a:t>
+            </a:r>
+            <a:r>
+              <a:rPr lang="en-US" altLang="ko-KR" sz="1200" dirty="0" smtClean="0">
+                <a:solidFill>
+                  <a:schemeClr val="tx1"/>
+                </a:solidFill>
+              </a:rPr>
+              <a:t>(?)</a:t>
+            </a:r>
+          </a:p>
+          <a:p>
+            <a:endParaRPr lang="en-US" altLang="ko-KR" sz="1500" dirty="0">
+              <a:solidFill>
+                <a:schemeClr val="tx1"/>
+              </a:solidFill>
+            </a:endParaRPr>
+          </a:p>
+          <a:p>
+            <a:r>
+              <a:rPr lang="en-US" altLang="ko-KR" sz="1500" b="1" dirty="0" smtClean="0">
+                <a:solidFill>
+                  <a:schemeClr val="tx1"/>
+                </a:solidFill>
+              </a:rPr>
+              <a:t>3. </a:t>
+            </a:r>
+            <a:r>
+              <a:rPr lang="ko-KR" altLang="en-US" sz="1500" b="1" dirty="0" smtClean="0">
+                <a:solidFill>
+                  <a:schemeClr val="tx1"/>
+                </a:solidFill>
+              </a:rPr>
+              <a:t>취업 멘토링</a:t>
+            </a:r>
+            <a:endParaRPr lang="en-US" altLang="ko-KR" sz="1500" dirty="0">
+              <a:solidFill>
+                <a:schemeClr val="tx1"/>
+              </a:solidFill>
+            </a:endParaRPr>
+          </a:p>
+          <a:p>
+            <a:r>
+              <a:rPr lang="en-US" altLang="ko-KR" sz="1200" dirty="0" smtClean="0">
+                <a:solidFill>
+                  <a:schemeClr val="tx1"/>
+                </a:solidFill>
+              </a:rPr>
+              <a:t> - </a:t>
             </a:r>
             <a:r>
               <a:rPr lang="ko-KR" altLang="en-US" sz="1200" dirty="0" smtClean="0">
@@ -48230,7 +48058,33 @@
                   <a:schemeClr val="tx1"/>
                 </a:solidFill>
               </a:rPr>
-              <a:t>댓글</a:t>
+              <a:t>게시판 형식으로 구현하고</a:t>
+            </a:r>
+            <a:r>
+              <a:rPr lang="en-US" altLang="ko-KR" sz="1200" dirty="0" smtClean="0">
+                <a:solidFill>
+                  <a:schemeClr val="tx1"/>
+                </a:solidFill>
+              </a:rPr>
+              <a:t>,</a:t>
+            </a:r>
+          </a:p>
+          <a:p>
+            <a:r>
+              <a:rPr lang="en-US" altLang="ko-KR" sz="1200" dirty="0">
+                <a:solidFill>
+                  <a:schemeClr val="tx1"/>
+                </a:solidFill>
+              </a:rPr>
+              <a:t> </a:t>
+            </a:r>
+            <a:r>
+              <a:rPr lang="en-US" altLang="ko-KR" sz="1200" dirty="0" smtClean="0">
+                <a:solidFill>
+                  <a:schemeClr val="tx1"/>
+                </a:solidFill>
+              </a:rPr>
+              <a:t>  </a:t>
             </a:r>
             <a:r>
               <a:rPr lang="ko-KR" altLang="en-US" sz="1200" dirty="0" smtClean="0">
@@ -48238,129 +48092,7 @@
                   <a:schemeClr val="tx1"/>
                 </a:solidFill>
               </a:rPr>
-              <a:t> </a:t>
-            </a:r>
-            <a:r>
-              <a:rPr lang="ko-KR" altLang="en-US" sz="1200" dirty="0" smtClean="0">
-                <a:solidFill>
-                  <a:schemeClr val="tx1"/>
-                </a:solidFill>
-              </a:rPr>
-              <a:t>기능 구현</a:t>
-            </a:r>
-            <a:r>
-              <a:rPr lang="en-US" altLang="ko-KR" sz="1200" dirty="0" smtClean="0">
-                <a:solidFill>
-                  <a:schemeClr val="tx1"/>
-                </a:solidFill>
-              </a:rPr>
-              <a:t>(?)</a:t>
-            </a:r>
-          </a:p>
-          <a:p>
-            <a:endParaRPr lang="en-US" altLang="ko-KR" sz="1500" dirty="0">
-              <a:solidFill>
-                <a:schemeClr val="tx1"/>
-              </a:solidFill>
-            </a:endParaRPr>
-          </a:p>
-          <a:p>
-            <a:r>
-              <a:rPr lang="en-US" altLang="ko-KR" sz="1500" b="1" dirty="0" smtClean="0">
-                <a:solidFill>
-                  <a:schemeClr val="tx1"/>
-                </a:solidFill>
-              </a:rPr>
-              <a:t>3. </a:t>
-            </a:r>
-            <a:r>
-              <a:rPr lang="ko-KR" altLang="en-US" sz="1500" b="1" dirty="0" smtClean="0">
-                <a:solidFill>
-                  <a:schemeClr val="tx1"/>
-                </a:solidFill>
-              </a:rPr>
-              <a:t>취업 멘토링</a:t>
-            </a:r>
-            <a:endParaRPr lang="en-US" altLang="ko-KR" sz="1500" dirty="0">
-              <a:solidFill>
-                <a:schemeClr val="tx1"/>
-              </a:solidFill>
-            </a:endParaRPr>
-          </a:p>
-          <a:p>
-            <a:r>
-              <a:rPr lang="en-US" altLang="ko-KR" sz="1200" dirty="0" smtClean="0">
-                <a:solidFill>
-                  <a:schemeClr val="tx1"/>
-                </a:solidFill>
-              </a:rPr>
-              <a:t> - </a:t>
-            </a:r>
-            <a:r>
-              <a:rPr lang="ko-KR" altLang="en-US" sz="1200" dirty="0" smtClean="0">
-                <a:solidFill>
-                  <a:schemeClr val="tx1"/>
-                </a:solidFill>
-              </a:rPr>
-              <a:t>게시판 </a:t>
-            </a:r>
-            <a:r>
-              <a:rPr lang="ko-KR" altLang="en-US" sz="1200" dirty="0" smtClean="0">
-                <a:solidFill>
-                  <a:schemeClr val="tx1"/>
-                </a:solidFill>
-              </a:rPr>
-              <a:t>형식으로 구현하고</a:t>
-            </a:r>
-            <a:r>
-              <a:rPr lang="en-US" altLang="ko-KR" sz="1200" dirty="0" smtClean="0">
-                <a:solidFill>
-                  <a:schemeClr val="tx1"/>
-                </a:solidFill>
-              </a:rPr>
-              <a:t>,</a:t>
-            </a:r>
-          </a:p>
-          <a:p>
-            <a:r>
-              <a:rPr lang="en-US" altLang="ko-KR" sz="1200" dirty="0">
-                <a:solidFill>
-                  <a:schemeClr val="tx1"/>
-                </a:solidFill>
-              </a:rPr>
-              <a:t> </a:t>
-            </a:r>
-            <a:r>
-              <a:rPr lang="en-US" altLang="ko-KR" sz="1200" dirty="0" smtClean="0">
-                <a:solidFill>
-                  <a:schemeClr val="tx1"/>
-                </a:solidFill>
-              </a:rPr>
-              <a:t>  </a:t>
-            </a:r>
-            <a:r>
-              <a:rPr lang="ko-KR" altLang="en-US" sz="1200" dirty="0" smtClean="0">
-                <a:solidFill>
-                  <a:schemeClr val="tx1"/>
-                </a:solidFill>
-              </a:rPr>
-              <a:t>댓글</a:t>
-            </a:r>
-            <a:r>
-              <a:rPr lang="ko-KR" altLang="en-US" sz="1200" dirty="0" smtClean="0">
-                <a:solidFill>
-                  <a:schemeClr val="tx1"/>
-                </a:solidFill>
-              </a:rPr>
-              <a:t> </a:t>
-            </a:r>
-            <a:r>
-              <a:rPr lang="ko-KR" altLang="en-US" sz="1200" dirty="0" smtClean="0">
-                <a:solidFill>
-                  <a:schemeClr val="tx1"/>
-                </a:solidFill>
-              </a:rPr>
-              <a:t>기능 구현</a:t>
+              <a:t>댓글 기능 구현</a:t>
             </a:r>
             <a:r>
               <a:rPr lang="en-US" altLang="ko-KR" sz="1200" dirty="0" smtClean="0">
@@ -49100,13 +48832,8 @@
             </a:r>
             <a:r>
               <a:rPr lang="en-US" altLang="ko-KR" sz="3000" dirty="0" smtClean="0"/>
-              <a:t>(Job Link </a:t>
-            </a:r>
-            <a:r>
-              <a:rPr lang="en-US" altLang="ko-KR" sz="3000" dirty="0" smtClean="0"/>
-              <a:t>Page 2 / 3)</a:t>
-            </a:r>
-            <a:endParaRPr lang="en-US" altLang="ko-KR" sz="3000" dirty="0" smtClean="0"/>
+              <a:t>(Job Link Page 2 / 3)</a:t>
+            </a:r>
           </a:p>
         </p:txBody>
       </p:sp>
@@ -49853,7 +49580,55 @@
                   <a:schemeClr val="tx1"/>
                 </a:solidFill>
               </a:rPr>
-              <a:t>   </a:t>
+              <a:t>   댓글 기능 구현</a:t>
+            </a:r>
+            <a:r>
+              <a:rPr lang="en-US" altLang="ko-KR" sz="1200" dirty="0" smtClean="0">
+                <a:solidFill>
+                  <a:schemeClr val="tx1"/>
+                </a:solidFill>
+              </a:rPr>
+              <a:t>(?)</a:t>
+            </a:r>
+          </a:p>
+          <a:p>
+            <a:endParaRPr lang="en-US" altLang="ko-KR" sz="1500" dirty="0">
+              <a:solidFill>
+                <a:schemeClr val="tx1"/>
+              </a:solidFill>
+            </a:endParaRPr>
+          </a:p>
+          <a:p>
+            <a:r>
+              <a:rPr lang="en-US" altLang="ko-KR" sz="1500" b="1" dirty="0" smtClean="0">
+                <a:solidFill>
+                  <a:schemeClr val="tx1"/>
+                </a:solidFill>
+              </a:rPr>
+              <a:t>3. </a:t>
+            </a:r>
+            <a:r>
+              <a:rPr lang="ko-KR" altLang="en-US" sz="1500" b="1" dirty="0" smtClean="0">
+                <a:solidFill>
+                  <a:schemeClr val="tx1"/>
+                </a:solidFill>
+              </a:rPr>
+              <a:t>취업 멘토링</a:t>
+            </a:r>
+            <a:endParaRPr lang="en-US" altLang="ko-KR" sz="1500" dirty="0">
+              <a:solidFill>
+                <a:schemeClr val="tx1"/>
+              </a:solidFill>
+            </a:endParaRPr>
+          </a:p>
+          <a:p>
+            <a:r>
+              <a:rPr lang="en-US" altLang="ko-KR" sz="1200" dirty="0" smtClean="0">
+                <a:solidFill>
+                  <a:schemeClr val="tx1"/>
+                </a:solidFill>
+              </a:rPr>
+              <a:t> - </a:t>
             </a:r>
             <a:r>
               <a:rPr lang="ko-KR" altLang="en-US" sz="1200" dirty="0" smtClean="0">
@@ -49861,7 +49636,33 @@
                   <a:schemeClr val="tx1"/>
                 </a:solidFill>
               </a:rPr>
-              <a:t>댓글</a:t>
+              <a:t>게시판 형식으로 구현하고</a:t>
+            </a:r>
+            <a:r>
+              <a:rPr lang="en-US" altLang="ko-KR" sz="1200" dirty="0" smtClean="0">
+                <a:solidFill>
+                  <a:schemeClr val="tx1"/>
+                </a:solidFill>
+              </a:rPr>
+              <a:t>,</a:t>
+            </a:r>
+          </a:p>
+          <a:p>
+            <a:r>
+              <a:rPr lang="en-US" altLang="ko-KR" sz="1200" dirty="0">
+                <a:solidFill>
+                  <a:schemeClr val="tx1"/>
+                </a:solidFill>
+              </a:rPr>
+              <a:t> </a:t>
+            </a:r>
+            <a:r>
+              <a:rPr lang="en-US" altLang="ko-KR" sz="1200" dirty="0" smtClean="0">
+                <a:solidFill>
+                  <a:schemeClr val="tx1"/>
+                </a:solidFill>
+              </a:rPr>
+              <a:t>  </a:t>
             </a:r>
             <a:r>
               <a:rPr lang="ko-KR" altLang="en-US" sz="1200" dirty="0" smtClean="0">
@@ -49869,129 +49670,7 @@
                   <a:schemeClr val="tx1"/>
                 </a:solidFill>
               </a:rPr>
-              <a:t> </a:t>
-            </a:r>
-            <a:r>
-              <a:rPr lang="ko-KR" altLang="en-US" sz="1200" dirty="0" smtClean="0">
-                <a:solidFill>
-                  <a:schemeClr val="tx1"/>
-                </a:solidFill>
-              </a:rPr>
-              <a:t>기능 구현</a:t>
-            </a:r>
-            <a:r>
-              <a:rPr lang="en-US" altLang="ko-KR" sz="1200" dirty="0" smtClean="0">
-                <a:solidFill>
-                  <a:schemeClr val="tx1"/>
-                </a:solidFill>
-              </a:rPr>
-              <a:t>(?)</a:t>
-            </a:r>
-          </a:p>
-          <a:p>
-            <a:endParaRPr lang="en-US" altLang="ko-KR" sz="1500" dirty="0">
-              <a:solidFill>
-                <a:schemeClr val="tx1"/>
-              </a:solidFill>
-            </a:endParaRPr>
-          </a:p>
-          <a:p>
-            <a:r>
-              <a:rPr lang="en-US" altLang="ko-KR" sz="1500" b="1" dirty="0" smtClean="0">
-                <a:solidFill>
-                  <a:schemeClr val="tx1"/>
-                </a:solidFill>
-              </a:rPr>
-              <a:t>3. </a:t>
-            </a:r>
-            <a:r>
-              <a:rPr lang="ko-KR" altLang="en-US" sz="1500" b="1" dirty="0" smtClean="0">
-                <a:solidFill>
-                  <a:schemeClr val="tx1"/>
-                </a:solidFill>
-              </a:rPr>
-              <a:t>취업 멘토링</a:t>
-            </a:r>
-            <a:endParaRPr lang="en-US" altLang="ko-KR" sz="1500" dirty="0">
-              <a:solidFill>
-                <a:schemeClr val="tx1"/>
-              </a:solidFill>
-            </a:endParaRPr>
-          </a:p>
-          <a:p>
-            <a:r>
-              <a:rPr lang="en-US" altLang="ko-KR" sz="1200" dirty="0" smtClean="0">
-                <a:solidFill>
-                  <a:schemeClr val="tx1"/>
-                </a:solidFill>
-              </a:rPr>
-              <a:t> - </a:t>
-            </a:r>
-            <a:r>
-              <a:rPr lang="ko-KR" altLang="en-US" sz="1200" dirty="0" smtClean="0">
-                <a:solidFill>
-                  <a:schemeClr val="tx1"/>
-                </a:solidFill>
-              </a:rPr>
-              <a:t>게시판 </a:t>
-            </a:r>
-            <a:r>
-              <a:rPr lang="ko-KR" altLang="en-US" sz="1200" dirty="0" smtClean="0">
-                <a:solidFill>
-                  <a:schemeClr val="tx1"/>
-                </a:solidFill>
-              </a:rPr>
-              <a:t>형식으로 구현하고</a:t>
-            </a:r>
-            <a:r>
-              <a:rPr lang="en-US" altLang="ko-KR" sz="1200" dirty="0" smtClean="0">
-                <a:solidFill>
-                  <a:schemeClr val="tx1"/>
-                </a:solidFill>
-              </a:rPr>
-              <a:t>,</a:t>
-            </a:r>
-          </a:p>
-          <a:p>
-            <a:r>
-              <a:rPr lang="en-US" altLang="ko-KR" sz="1200" dirty="0">
-                <a:solidFill>
-                  <a:schemeClr val="tx1"/>
-                </a:solidFill>
-              </a:rPr>
-              <a:t> </a:t>
-            </a:r>
-            <a:r>
-              <a:rPr lang="en-US" altLang="ko-KR" sz="1200" dirty="0" smtClean="0">
-                <a:solidFill>
-                  <a:schemeClr val="tx1"/>
-                </a:solidFill>
-              </a:rPr>
-              <a:t>  </a:t>
-            </a:r>
-            <a:r>
-              <a:rPr lang="ko-KR" altLang="en-US" sz="1200" dirty="0" smtClean="0">
-                <a:solidFill>
-                  <a:schemeClr val="tx1"/>
-                </a:solidFill>
-              </a:rPr>
-              <a:t>댓글</a:t>
-            </a:r>
-            <a:r>
-              <a:rPr lang="ko-KR" altLang="en-US" sz="1200" dirty="0" smtClean="0">
-                <a:solidFill>
-                  <a:schemeClr val="tx1"/>
-                </a:solidFill>
-              </a:rPr>
-              <a:t> </a:t>
-            </a:r>
-            <a:r>
-              <a:rPr lang="ko-KR" altLang="en-US" sz="1200" dirty="0" smtClean="0">
-                <a:solidFill>
-                  <a:schemeClr val="tx1"/>
-                </a:solidFill>
-              </a:rPr>
-              <a:t>기능 구현</a:t>
+              <a:t>댓글 기능 구현</a:t>
             </a:r>
             <a:r>
               <a:rPr lang="en-US" altLang="ko-KR" sz="1200" dirty="0" smtClean="0">
